--- a/Presentation/5. Gene Ontology analysis.pptx
+++ b/Presentation/5. Gene Ontology analysis.pptx
@@ -6,17 +6,19 @@
   </p:sldMasterIdLst>
   <p:sldIdLst>
     <p:sldId id="269" r:id="rId2"/>
-    <p:sldId id="270" r:id="rId3"/>
-    <p:sldId id="271" r:id="rId4"/>
-    <p:sldId id="272" r:id="rId5"/>
-    <p:sldId id="258" r:id="rId6"/>
-    <p:sldId id="259" r:id="rId7"/>
-    <p:sldId id="257" r:id="rId8"/>
-    <p:sldId id="260" r:id="rId9"/>
-    <p:sldId id="261" r:id="rId10"/>
-    <p:sldId id="264" r:id="rId11"/>
-    <p:sldId id="265" r:id="rId12"/>
-    <p:sldId id="266" r:id="rId13"/>
+    <p:sldId id="279" r:id="rId3"/>
+    <p:sldId id="270" r:id="rId4"/>
+    <p:sldId id="271" r:id="rId5"/>
+    <p:sldId id="272" r:id="rId6"/>
+    <p:sldId id="278" r:id="rId7"/>
+    <p:sldId id="258" r:id="rId8"/>
+    <p:sldId id="259" r:id="rId9"/>
+    <p:sldId id="257" r:id="rId10"/>
+    <p:sldId id="260" r:id="rId11"/>
+    <p:sldId id="261" r:id="rId12"/>
+    <p:sldId id="264" r:id="rId13"/>
+    <p:sldId id="265" r:id="rId14"/>
+    <p:sldId id="266" r:id="rId15"/>
   </p:sldIdLst>
   <p:sldSz cx="12192000" cy="6858000"/>
   <p:notesSz cx="6858000" cy="9144000"/>
@@ -252,7 +254,7 @@
           <a:p>
             <a:fld id="{9D66DCD3-DF09-4BEE-A62D-65AA52B39037}" type="datetimeFigureOut">
               <a:rPr lang="ko-KR" altLang="en-US" smtClean="0"/>
-              <a:t>2022-03-31</a:t>
+              <a:t>2022-04-06</a:t>
             </a:fld>
             <a:endParaRPr lang="ko-KR" altLang="en-US"/>
           </a:p>
@@ -420,7 +422,7 @@
           <a:p>
             <a:fld id="{9D66DCD3-DF09-4BEE-A62D-65AA52B39037}" type="datetimeFigureOut">
               <a:rPr lang="ko-KR" altLang="en-US" smtClean="0"/>
-              <a:t>2022-03-31</a:t>
+              <a:t>2022-04-06</a:t>
             </a:fld>
             <a:endParaRPr lang="ko-KR" altLang="en-US"/>
           </a:p>
@@ -598,7 +600,7 @@
           <a:p>
             <a:fld id="{9D66DCD3-DF09-4BEE-A62D-65AA52B39037}" type="datetimeFigureOut">
               <a:rPr lang="ko-KR" altLang="en-US" smtClean="0"/>
-              <a:t>2022-03-31</a:t>
+              <a:t>2022-04-06</a:t>
             </a:fld>
             <a:endParaRPr lang="ko-KR" altLang="en-US"/>
           </a:p>
@@ -766,7 +768,7 @@
           <a:p>
             <a:fld id="{9D66DCD3-DF09-4BEE-A62D-65AA52B39037}" type="datetimeFigureOut">
               <a:rPr lang="ko-KR" altLang="en-US" smtClean="0"/>
-              <a:t>2022-03-31</a:t>
+              <a:t>2022-04-06</a:t>
             </a:fld>
             <a:endParaRPr lang="ko-KR" altLang="en-US"/>
           </a:p>
@@ -1011,7 +1013,7 @@
           <a:p>
             <a:fld id="{9D66DCD3-DF09-4BEE-A62D-65AA52B39037}" type="datetimeFigureOut">
               <a:rPr lang="ko-KR" altLang="en-US" smtClean="0"/>
-              <a:t>2022-03-31</a:t>
+              <a:t>2022-04-06</a:t>
             </a:fld>
             <a:endParaRPr lang="ko-KR" altLang="en-US"/>
           </a:p>
@@ -1240,7 +1242,7 @@
           <a:p>
             <a:fld id="{9D66DCD3-DF09-4BEE-A62D-65AA52B39037}" type="datetimeFigureOut">
               <a:rPr lang="ko-KR" altLang="en-US" smtClean="0"/>
-              <a:t>2022-03-31</a:t>
+              <a:t>2022-04-06</a:t>
             </a:fld>
             <a:endParaRPr lang="ko-KR" altLang="en-US"/>
           </a:p>
@@ -1604,7 +1606,7 @@
           <a:p>
             <a:fld id="{9D66DCD3-DF09-4BEE-A62D-65AA52B39037}" type="datetimeFigureOut">
               <a:rPr lang="ko-KR" altLang="en-US" smtClean="0"/>
-              <a:t>2022-03-31</a:t>
+              <a:t>2022-04-06</a:t>
             </a:fld>
             <a:endParaRPr lang="ko-KR" altLang="en-US"/>
           </a:p>
@@ -1721,7 +1723,7 @@
           <a:p>
             <a:fld id="{9D66DCD3-DF09-4BEE-A62D-65AA52B39037}" type="datetimeFigureOut">
               <a:rPr lang="ko-KR" altLang="en-US" smtClean="0"/>
-              <a:t>2022-03-31</a:t>
+              <a:t>2022-04-06</a:t>
             </a:fld>
             <a:endParaRPr lang="ko-KR" altLang="en-US"/>
           </a:p>
@@ -1816,7 +1818,7 @@
           <a:p>
             <a:fld id="{9D66DCD3-DF09-4BEE-A62D-65AA52B39037}" type="datetimeFigureOut">
               <a:rPr lang="ko-KR" altLang="en-US" smtClean="0"/>
-              <a:t>2022-03-31</a:t>
+              <a:t>2022-04-06</a:t>
             </a:fld>
             <a:endParaRPr lang="ko-KR" altLang="en-US"/>
           </a:p>
@@ -2091,7 +2093,7 @@
           <a:p>
             <a:fld id="{9D66DCD3-DF09-4BEE-A62D-65AA52B39037}" type="datetimeFigureOut">
               <a:rPr lang="ko-KR" altLang="en-US" smtClean="0"/>
-              <a:t>2022-03-31</a:t>
+              <a:t>2022-04-06</a:t>
             </a:fld>
             <a:endParaRPr lang="ko-KR" altLang="en-US"/>
           </a:p>
@@ -2343,7 +2345,7 @@
           <a:p>
             <a:fld id="{9D66DCD3-DF09-4BEE-A62D-65AA52B39037}" type="datetimeFigureOut">
               <a:rPr lang="ko-KR" altLang="en-US" smtClean="0"/>
-              <a:t>2022-03-31</a:t>
+              <a:t>2022-04-06</a:t>
             </a:fld>
             <a:endParaRPr lang="ko-KR" altLang="en-US"/>
           </a:p>
@@ -2554,7 +2556,7 @@
           <a:p>
             <a:fld id="{9D66DCD3-DF09-4BEE-A62D-65AA52B39037}" type="datetimeFigureOut">
               <a:rPr lang="ko-KR" altLang="en-US" smtClean="0"/>
-              <a:t>2022-03-31</a:t>
+              <a:t>2022-04-06</a:t>
             </a:fld>
             <a:endParaRPr lang="ko-KR" altLang="en-US"/>
           </a:p>
@@ -3003,6 +3005,13 @@
   <p:clrMapOvr>
     <a:masterClrMapping/>
   </p:clrMapOvr>
+  <p:timing>
+    <p:tnLst>
+      <p:par>
+        <p:cTn id="1" dur="indefinite" restart="never" nodeType="tmRoot"/>
+      </p:par>
+    </p:tnLst>
+  </p:timing>
 </p:sld>
 </file>
 
@@ -3035,15 +3044,862 @@
         </p:nvSpPr>
         <p:spPr/>
         <p:txBody>
+          <a:bodyPr>
+            <a:normAutofit/>
+          </a:bodyPr>
+          <a:lstStyle/>
+          <a:p>
+            <a:r>
+              <a:rPr lang="en-US" altLang="ko-KR" b="1" dirty="0">
+                <a:latin typeface="Arial" panose="020B0604020202020204" pitchFamily="34" charset="0"/>
+                <a:cs typeface="Arial" panose="020B0604020202020204" pitchFamily="34" charset="0"/>
+              </a:rPr>
+              <a:t>5. Gene ontology analysis</a:t>
+            </a:r>
+            <a:br>
+              <a:rPr lang="en-US" altLang="ko-KR" b="1" dirty="0">
+                <a:latin typeface="Arial" panose="020B0604020202020204" pitchFamily="34" charset="0"/>
+                <a:cs typeface="Arial" panose="020B0604020202020204" pitchFamily="34" charset="0"/>
+              </a:rPr>
+            </a:br>
+            <a:r>
+              <a:rPr lang="en-US" altLang="ko-KR" sz="2800" b="1" dirty="0" smtClean="0">
+                <a:latin typeface="Arial" panose="020B0604020202020204" pitchFamily="34" charset="0"/>
+                <a:cs typeface="Arial" panose="020B0604020202020204" pitchFamily="34" charset="0"/>
+              </a:rPr>
+              <a:t>David Tutorial</a:t>
+            </a:r>
+            <a:endParaRPr lang="ko-KR" altLang="en-US" sz="2800" dirty="0">
+              <a:latin typeface="Arial" panose="020B0604020202020204" pitchFamily="34" charset="0"/>
+              <a:cs typeface="Arial" panose="020B0604020202020204" pitchFamily="34" charset="0"/>
+            </a:endParaRPr>
+          </a:p>
+        </p:txBody>
+      </p:sp>
+      <p:pic>
+        <p:nvPicPr>
+          <p:cNvPr id="11" name="내용 개체 틀 10"/>
+          <p:cNvPicPr>
+            <a:picLocks noGrp="1" noChangeAspect="1"/>
+          </p:cNvPicPr>
+          <p:nvPr>
+            <p:ph idx="1"/>
+          </p:nvPr>
+        </p:nvPicPr>
+        <p:blipFill>
+          <a:blip r:embed="rId2"/>
+          <a:stretch>
+            <a:fillRect/>
+          </a:stretch>
+        </p:blipFill>
+        <p:spPr>
+          <a:xfrm>
+            <a:off x="2419350" y="2415885"/>
+            <a:ext cx="6846462" cy="4176714"/>
+          </a:xfrm>
+          <a:prstGeom prst="rect">
+            <a:avLst/>
+          </a:prstGeom>
+        </p:spPr>
+      </p:pic>
+      <p:sp>
+        <p:nvSpPr>
+          <p:cNvPr id="12" name="아래쪽 화살표 11"/>
+          <p:cNvSpPr/>
+          <p:nvPr/>
+        </p:nvSpPr>
+        <p:spPr>
+          <a:xfrm rot="10800000">
+            <a:off x="2992816" y="2992535"/>
+            <a:ext cx="354227" cy="469556"/>
+          </a:xfrm>
+          <a:prstGeom prst="downArrow">
+            <a:avLst/>
+          </a:prstGeom>
+          <a:solidFill>
+            <a:srgbClr val="FF0000"/>
+          </a:solidFill>
+          <a:ln>
+            <a:solidFill>
+              <a:srgbClr val="FF0000"/>
+            </a:solidFill>
+          </a:ln>
+        </p:spPr>
+        <p:style>
+          <a:lnRef idx="2">
+            <a:schemeClr val="accent1">
+              <a:shade val="50000"/>
+            </a:schemeClr>
+          </a:lnRef>
+          <a:fillRef idx="1">
+            <a:schemeClr val="accent1"/>
+          </a:fillRef>
+          <a:effectRef idx="0">
+            <a:schemeClr val="accent1"/>
+          </a:effectRef>
+          <a:fontRef idx="minor">
+            <a:schemeClr val="lt1"/>
+          </a:fontRef>
+        </p:style>
+        <p:txBody>
+          <a:bodyPr rtlCol="0" anchor="ctr"/>
+          <a:lstStyle/>
+          <a:p>
+            <a:pPr algn="ctr"/>
+            <a:endParaRPr lang="ko-KR" altLang="en-US">
+              <a:latin typeface="Arial" panose="020B0604020202020204" pitchFamily="34" charset="0"/>
+              <a:cs typeface="Arial" panose="020B0604020202020204" pitchFamily="34" charset="0"/>
+            </a:endParaRPr>
+          </a:p>
+        </p:txBody>
+      </p:sp>
+      <p:sp>
+        <p:nvSpPr>
+          <p:cNvPr id="3" name="TextBox 2"/>
+          <p:cNvSpPr txBox="1"/>
+          <p:nvPr/>
+        </p:nvSpPr>
+        <p:spPr>
+          <a:xfrm>
+            <a:off x="913121" y="1761721"/>
+            <a:ext cx="10225876" cy="646331"/>
+          </a:xfrm>
+          <a:prstGeom prst="rect">
+            <a:avLst/>
+          </a:prstGeom>
+          <a:noFill/>
+        </p:spPr>
+        <p:txBody>
+          <a:bodyPr wrap="none" rtlCol="0">
+            <a:spAutoFit/>
+          </a:bodyPr>
+          <a:lstStyle/>
+          <a:p>
+            <a:r>
+              <a:rPr lang="en-US" altLang="ko-KR" dirty="0">
+                <a:latin typeface="Arial" panose="020B0604020202020204" pitchFamily="34" charset="0"/>
+                <a:cs typeface="Arial" panose="020B0604020202020204" pitchFamily="34" charset="0"/>
+              </a:rPr>
+              <a:t>d</a:t>
+            </a:r>
+            <a:r>
+              <a:rPr lang="en-US" altLang="ko-KR" dirty="0" smtClean="0">
+                <a:latin typeface="Arial" panose="020B0604020202020204" pitchFamily="34" charset="0"/>
+                <a:cs typeface="Arial" panose="020B0604020202020204" pitchFamily="34" charset="0"/>
+              </a:rPr>
+              <a:t>eseq2 </a:t>
+            </a:r>
+            <a:r>
+              <a:rPr lang="ko-KR" altLang="en-US" dirty="0">
+                <a:latin typeface="Arial" panose="020B0604020202020204" pitchFamily="34" charset="0"/>
+                <a:cs typeface="Arial" panose="020B0604020202020204" pitchFamily="34" charset="0"/>
+              </a:rPr>
+              <a:t>결과에서 </a:t>
+            </a:r>
+            <a:r>
+              <a:rPr lang="en-US" altLang="ko-KR" dirty="0">
+                <a:latin typeface="Arial" panose="020B0604020202020204" pitchFamily="34" charset="0"/>
+                <a:cs typeface="Arial" panose="020B0604020202020204" pitchFamily="34" charset="0"/>
+              </a:rPr>
+              <a:t>Fold change </a:t>
+            </a:r>
+            <a:r>
+              <a:rPr lang="ko-KR" altLang="en-US" dirty="0" smtClean="0">
+                <a:latin typeface="Arial" panose="020B0604020202020204" pitchFamily="34" charset="0"/>
+                <a:cs typeface="Arial" panose="020B0604020202020204" pitchFamily="34" charset="0"/>
+              </a:rPr>
+              <a:t>값이 컸던 </a:t>
+            </a:r>
+            <a:r>
+              <a:rPr lang="en-US" altLang="ko-KR" b="1" dirty="0">
+                <a:solidFill>
+                  <a:srgbClr val="FF0000"/>
+                </a:solidFill>
+                <a:latin typeface="Arial" panose="020B0604020202020204" pitchFamily="34" charset="0"/>
+                <a:cs typeface="Arial" panose="020B0604020202020204" pitchFamily="34" charset="0"/>
+              </a:rPr>
+              <a:t>Day 24</a:t>
+            </a:r>
+            <a:r>
+              <a:rPr lang="ko-KR" altLang="en-US" dirty="0">
+                <a:latin typeface="Arial" panose="020B0604020202020204" pitchFamily="34" charset="0"/>
+                <a:cs typeface="Arial" panose="020B0604020202020204" pitchFamily="34" charset="0"/>
+              </a:rPr>
+              <a:t>에서 </a:t>
+            </a:r>
+            <a:r>
+              <a:rPr lang="ko-KR" altLang="en-US" dirty="0" smtClean="0">
+                <a:latin typeface="Arial" panose="020B0604020202020204" pitchFamily="34" charset="0"/>
+                <a:cs typeface="Arial" panose="020B0604020202020204" pitchFamily="34" charset="0"/>
+              </a:rPr>
+              <a:t>유의미한 </a:t>
+            </a:r>
+            <a:r>
+              <a:rPr lang="en-US" altLang="ko-KR" dirty="0" smtClean="0">
+                <a:latin typeface="Arial" panose="020B0604020202020204" pitchFamily="34" charset="0"/>
+                <a:cs typeface="Arial" panose="020B0604020202020204" pitchFamily="34" charset="0"/>
+              </a:rPr>
+              <a:t>gene list</a:t>
+            </a:r>
+            <a:r>
+              <a:rPr lang="ko-KR" altLang="en-US" dirty="0" smtClean="0">
+                <a:latin typeface="Arial" panose="020B0604020202020204" pitchFamily="34" charset="0"/>
+                <a:cs typeface="Arial" panose="020B0604020202020204" pitchFamily="34" charset="0"/>
+              </a:rPr>
+              <a:t>로 실습을 진행하</a:t>
+            </a:r>
+            <a:r>
+              <a:rPr lang="ko-KR" altLang="en-US" dirty="0">
+                <a:latin typeface="Arial" panose="020B0604020202020204" pitchFamily="34" charset="0"/>
+                <a:cs typeface="Arial" panose="020B0604020202020204" pitchFamily="34" charset="0"/>
+              </a:rPr>
+              <a:t>겠</a:t>
+            </a:r>
+            <a:r>
+              <a:rPr lang="ko-KR" altLang="en-US" dirty="0" smtClean="0">
+                <a:latin typeface="Arial" panose="020B0604020202020204" pitchFamily="34" charset="0"/>
+                <a:cs typeface="Arial" panose="020B0604020202020204" pitchFamily="34" charset="0"/>
+              </a:rPr>
+              <a:t>습니다</a:t>
+            </a:r>
+            <a:r>
+              <a:rPr lang="en-US" altLang="ko-KR" dirty="0" smtClean="0">
+                <a:latin typeface="Arial" panose="020B0604020202020204" pitchFamily="34" charset="0"/>
+                <a:cs typeface="Arial" panose="020B0604020202020204" pitchFamily="34" charset="0"/>
+              </a:rPr>
+              <a:t>.</a:t>
+            </a:r>
+          </a:p>
+          <a:p>
+            <a:r>
+              <a:rPr lang="en-US" altLang="ko-KR" dirty="0" smtClean="0">
+                <a:latin typeface="Arial" panose="020B0604020202020204" pitchFamily="34" charset="0"/>
+                <a:cs typeface="Arial" panose="020B0604020202020204" pitchFamily="34" charset="0"/>
+              </a:rPr>
+              <a:t>Day 24</a:t>
+            </a:r>
+            <a:r>
+              <a:rPr lang="ko-KR" altLang="en-US" dirty="0" smtClean="0">
+                <a:latin typeface="Arial" panose="020B0604020202020204" pitchFamily="34" charset="0"/>
+                <a:cs typeface="Arial" panose="020B0604020202020204" pitchFamily="34" charset="0"/>
+              </a:rPr>
+              <a:t>에서 </a:t>
+            </a:r>
+            <a:r>
+              <a:rPr lang="en-US" altLang="ko-KR" dirty="0" smtClean="0">
+                <a:latin typeface="Arial" panose="020B0604020202020204" pitchFamily="34" charset="0"/>
+                <a:cs typeface="Arial" panose="020B0604020202020204" pitchFamily="34" charset="0"/>
+              </a:rPr>
+              <a:t>deseq2 </a:t>
+            </a:r>
+            <a:r>
+              <a:rPr lang="ko-KR" altLang="en-US" dirty="0" smtClean="0">
+                <a:latin typeface="Arial" panose="020B0604020202020204" pitchFamily="34" charset="0"/>
+                <a:cs typeface="Arial" panose="020B0604020202020204" pitchFamily="34" charset="0"/>
+              </a:rPr>
+              <a:t>결과 </a:t>
+            </a:r>
+            <a:r>
+              <a:rPr lang="en-US" altLang="ko-KR" dirty="0" smtClean="0">
+                <a:latin typeface="Arial" panose="020B0604020202020204" pitchFamily="34" charset="0"/>
+                <a:cs typeface="Arial" panose="020B0604020202020204" pitchFamily="34" charset="0"/>
+              </a:rPr>
+              <a:t>(</a:t>
+            </a:r>
+            <a:r>
+              <a:rPr lang="en-US" altLang="ko-KR" dirty="0" err="1" smtClean="0">
+                <a:latin typeface="Arial" panose="020B0604020202020204" pitchFamily="34" charset="0"/>
+                <a:cs typeface="Arial" panose="020B0604020202020204" pitchFamily="34" charset="0"/>
+              </a:rPr>
+              <a:t>padj</a:t>
+            </a:r>
+            <a:r>
+              <a:rPr lang="ko-KR" altLang="en-US" dirty="0" smtClean="0">
+                <a:latin typeface="Arial" panose="020B0604020202020204" pitchFamily="34" charset="0"/>
+                <a:cs typeface="Arial" panose="020B0604020202020204" pitchFamily="34" charset="0"/>
+              </a:rPr>
+              <a:t>가 </a:t>
+            </a:r>
+            <a:r>
+              <a:rPr lang="en-US" altLang="ko-KR" dirty="0" smtClean="0">
+                <a:latin typeface="Arial" panose="020B0604020202020204" pitchFamily="34" charset="0"/>
+                <a:cs typeface="Arial" panose="020B0604020202020204" pitchFamily="34" charset="0"/>
+              </a:rPr>
+              <a:t>0.05</a:t>
+            </a:r>
+            <a:r>
+              <a:rPr lang="ko-KR" altLang="en-US" dirty="0" smtClean="0">
+                <a:latin typeface="Arial" panose="020B0604020202020204" pitchFamily="34" charset="0"/>
+                <a:cs typeface="Arial" panose="020B0604020202020204" pitchFamily="34" charset="0"/>
+              </a:rPr>
+              <a:t>이하</a:t>
+            </a:r>
+            <a:r>
+              <a:rPr lang="en-US" altLang="ko-KR" dirty="0" smtClean="0">
+                <a:latin typeface="Arial" panose="020B0604020202020204" pitchFamily="34" charset="0"/>
+                <a:cs typeface="Arial" panose="020B0604020202020204" pitchFamily="34" charset="0"/>
+              </a:rPr>
+              <a:t>)</a:t>
+            </a:r>
+            <a:r>
+              <a:rPr lang="ko-KR" altLang="en-US" dirty="0" smtClean="0">
+                <a:latin typeface="Arial" panose="020B0604020202020204" pitchFamily="34" charset="0"/>
+                <a:cs typeface="Arial" panose="020B0604020202020204" pitchFamily="34" charset="0"/>
+              </a:rPr>
+              <a:t>인 유전자들만 추출해서 사용을 하겠습니다</a:t>
+            </a:r>
+            <a:r>
+              <a:rPr lang="en-US" altLang="ko-KR" dirty="0" smtClean="0">
+                <a:latin typeface="Arial" panose="020B0604020202020204" pitchFamily="34" charset="0"/>
+                <a:cs typeface="Arial" panose="020B0604020202020204" pitchFamily="34" charset="0"/>
+              </a:rPr>
+              <a:t>.</a:t>
+            </a:r>
+            <a:endParaRPr lang="ko-KR" altLang="en-US" dirty="0">
+              <a:latin typeface="Arial" panose="020B0604020202020204" pitchFamily="34" charset="0"/>
+              <a:cs typeface="Arial" panose="020B0604020202020204" pitchFamily="34" charset="0"/>
+            </a:endParaRPr>
+          </a:p>
+        </p:txBody>
+      </p:sp>
+    </p:spTree>
+    <p:extLst>
+      <p:ext uri="{BB962C8B-B14F-4D97-AF65-F5344CB8AC3E}">
+        <p14:creationId xmlns:p14="http://schemas.microsoft.com/office/powerpoint/2010/main" val="1832471734"/>
+      </p:ext>
+    </p:extLst>
+  </p:cSld>
+  <p:clrMapOvr>
+    <a:masterClrMapping/>
+  </p:clrMapOvr>
+</p:sld>
+</file>
+
+<file path=ppt/slides/slide11.xml><?xml version="1.0" encoding="utf-8"?>
+<p:sld xmlns:a="http://schemas.openxmlformats.org/drawingml/2006/main" xmlns:r="http://schemas.openxmlformats.org/officeDocument/2006/relationships" xmlns:p="http://schemas.openxmlformats.org/presentationml/2006/main">
+  <p:cSld>
+    <p:spTree>
+      <p:nvGrpSpPr>
+        <p:cNvPr id="1" name=""/>
+        <p:cNvGrpSpPr/>
+        <p:nvPr/>
+      </p:nvGrpSpPr>
+      <p:grpSpPr>
+        <a:xfrm>
+          <a:off x="0" y="0"/>
+          <a:ext cx="0" cy="0"/>
+          <a:chOff x="0" y="0"/>
+          <a:chExt cx="0" cy="0"/>
+        </a:xfrm>
+      </p:grpSpPr>
+      <p:pic>
+        <p:nvPicPr>
+          <p:cNvPr id="7" name="그림 6">
+            <a:extLst>
+              <a:ext uri="{FF2B5EF4-FFF2-40B4-BE49-F238E27FC236}">
+                <a16:creationId xmlns:a16="http://schemas.microsoft.com/office/drawing/2014/main" xmlns="" id="{D30CFB75-0B46-46D9-90DD-FCF414E4977C}"/>
+              </a:ext>
+            </a:extLst>
+          </p:cNvPr>
+          <p:cNvPicPr>
+            <a:picLocks noChangeAspect="1"/>
+          </p:cNvPicPr>
+          <p:nvPr/>
+        </p:nvPicPr>
+        <p:blipFill>
+          <a:blip r:embed="rId2"/>
+          <a:stretch>
+            <a:fillRect/>
+          </a:stretch>
+        </p:blipFill>
+        <p:spPr>
+          <a:xfrm>
+            <a:off x="5124708" y="881408"/>
+            <a:ext cx="1942584" cy="5641759"/>
+          </a:xfrm>
+          <a:prstGeom prst="rect">
+            <a:avLst/>
+          </a:prstGeom>
+        </p:spPr>
+      </p:pic>
+      <p:sp>
+        <p:nvSpPr>
+          <p:cNvPr id="2" name="제목 1"/>
+          <p:cNvSpPr>
+            <a:spLocks noGrp="1"/>
+          </p:cNvSpPr>
+          <p:nvPr>
+            <p:ph type="title"/>
+          </p:nvPr>
+        </p:nvSpPr>
+        <p:spPr/>
+        <p:txBody>
+          <a:bodyPr>
+            <a:normAutofit/>
+          </a:bodyPr>
+          <a:lstStyle/>
+          <a:p>
+            <a:r>
+              <a:rPr lang="en-US" altLang="ko-KR" b="1" dirty="0">
+                <a:latin typeface="Arial" panose="020B0604020202020204" pitchFamily="34" charset="0"/>
+                <a:cs typeface="Arial" panose="020B0604020202020204" pitchFamily="34" charset="0"/>
+              </a:rPr>
+              <a:t>5. Gene ontology analysis</a:t>
+            </a:r>
+            <a:br>
+              <a:rPr lang="en-US" altLang="ko-KR" b="1" dirty="0">
+                <a:latin typeface="Arial" panose="020B0604020202020204" pitchFamily="34" charset="0"/>
+                <a:cs typeface="Arial" panose="020B0604020202020204" pitchFamily="34" charset="0"/>
+              </a:rPr>
+            </a:br>
+            <a:r>
+              <a:rPr lang="en-US" altLang="ko-KR" sz="2800" b="1" dirty="0">
+                <a:latin typeface="Arial" panose="020B0604020202020204" pitchFamily="34" charset="0"/>
+                <a:cs typeface="Arial" panose="020B0604020202020204" pitchFamily="34" charset="0"/>
+              </a:rPr>
+              <a:t>David Tutorial</a:t>
+            </a:r>
+            <a:endParaRPr lang="ko-KR" altLang="en-US" dirty="0">
+              <a:latin typeface="Arial" panose="020B0604020202020204" pitchFamily="34" charset="0"/>
+              <a:cs typeface="Arial" panose="020B0604020202020204" pitchFamily="34" charset="0"/>
+            </a:endParaRPr>
+          </a:p>
+        </p:txBody>
+      </p:sp>
+      <p:sp>
+        <p:nvSpPr>
+          <p:cNvPr id="12" name="아래쪽 화살표 11"/>
+          <p:cNvSpPr/>
+          <p:nvPr/>
+        </p:nvSpPr>
+        <p:spPr>
+          <a:xfrm rot="5400000">
+            <a:off x="6499490" y="2297857"/>
+            <a:ext cx="354227" cy="469556"/>
+          </a:xfrm>
+          <a:prstGeom prst="downArrow">
+            <a:avLst/>
+          </a:prstGeom>
+          <a:solidFill>
+            <a:srgbClr val="FF0000"/>
+          </a:solidFill>
+          <a:ln>
+            <a:solidFill>
+              <a:srgbClr val="FF0000"/>
+            </a:solidFill>
+          </a:ln>
+        </p:spPr>
+        <p:style>
+          <a:lnRef idx="2">
+            <a:schemeClr val="accent1">
+              <a:shade val="50000"/>
+            </a:schemeClr>
+          </a:lnRef>
+          <a:fillRef idx="1">
+            <a:schemeClr val="accent1"/>
+          </a:fillRef>
+          <a:effectRef idx="0">
+            <a:schemeClr val="accent1"/>
+          </a:effectRef>
+          <a:fontRef idx="minor">
+            <a:schemeClr val="lt1"/>
+          </a:fontRef>
+        </p:style>
+        <p:txBody>
+          <a:bodyPr rtlCol="0" anchor="ctr"/>
+          <a:lstStyle/>
+          <a:p>
+            <a:pPr algn="ctr"/>
+            <a:endParaRPr lang="ko-KR" altLang="en-US">
+              <a:latin typeface="Arial" panose="020B0604020202020204" pitchFamily="34" charset="0"/>
+              <a:cs typeface="Arial" panose="020B0604020202020204" pitchFamily="34" charset="0"/>
+            </a:endParaRPr>
+          </a:p>
+        </p:txBody>
+      </p:sp>
+      <p:sp>
+        <p:nvSpPr>
+          <p:cNvPr id="8" name="아래쪽 화살표 7"/>
+          <p:cNvSpPr/>
+          <p:nvPr/>
+        </p:nvSpPr>
+        <p:spPr>
+          <a:xfrm rot="3512528">
+            <a:off x="5972010" y="6015420"/>
+            <a:ext cx="354227" cy="469556"/>
+          </a:xfrm>
+          <a:prstGeom prst="downArrow">
+            <a:avLst/>
+          </a:prstGeom>
+          <a:solidFill>
+            <a:srgbClr val="FF0000"/>
+          </a:solidFill>
+          <a:ln>
+            <a:solidFill>
+              <a:srgbClr val="FF0000"/>
+            </a:solidFill>
+          </a:ln>
+        </p:spPr>
+        <p:style>
+          <a:lnRef idx="2">
+            <a:schemeClr val="accent1">
+              <a:shade val="50000"/>
+            </a:schemeClr>
+          </a:lnRef>
+          <a:fillRef idx="1">
+            <a:schemeClr val="accent1"/>
+          </a:fillRef>
+          <a:effectRef idx="0">
+            <a:schemeClr val="accent1"/>
+          </a:effectRef>
+          <a:fontRef idx="minor">
+            <a:schemeClr val="lt1"/>
+          </a:fontRef>
+        </p:style>
+        <p:txBody>
+          <a:bodyPr rtlCol="0" anchor="ctr"/>
+          <a:lstStyle/>
+          <a:p>
+            <a:pPr algn="ctr"/>
+            <a:endParaRPr lang="ko-KR" altLang="en-US">
+              <a:latin typeface="Arial" panose="020B0604020202020204" pitchFamily="34" charset="0"/>
+              <a:cs typeface="Arial" panose="020B0604020202020204" pitchFamily="34" charset="0"/>
+            </a:endParaRPr>
+          </a:p>
+        </p:txBody>
+      </p:sp>
+      <p:sp>
+        <p:nvSpPr>
+          <p:cNvPr id="10" name="아래쪽 화살표 9"/>
+          <p:cNvSpPr/>
+          <p:nvPr/>
+        </p:nvSpPr>
+        <p:spPr>
+          <a:xfrm rot="5400000">
+            <a:off x="6089563" y="5379291"/>
+            <a:ext cx="354227" cy="469556"/>
+          </a:xfrm>
+          <a:prstGeom prst="downArrow">
+            <a:avLst/>
+          </a:prstGeom>
+          <a:solidFill>
+            <a:srgbClr val="FF0000"/>
+          </a:solidFill>
+          <a:ln>
+            <a:solidFill>
+              <a:srgbClr val="FF0000"/>
+            </a:solidFill>
+          </a:ln>
+        </p:spPr>
+        <p:style>
+          <a:lnRef idx="2">
+            <a:schemeClr val="accent1">
+              <a:shade val="50000"/>
+            </a:schemeClr>
+          </a:lnRef>
+          <a:fillRef idx="1">
+            <a:schemeClr val="accent1"/>
+          </a:fillRef>
+          <a:effectRef idx="0">
+            <a:schemeClr val="accent1"/>
+          </a:effectRef>
+          <a:fontRef idx="minor">
+            <a:schemeClr val="lt1"/>
+          </a:fontRef>
+        </p:style>
+        <p:txBody>
+          <a:bodyPr rtlCol="0" anchor="ctr"/>
+          <a:lstStyle/>
+          <a:p>
+            <a:pPr algn="ctr"/>
+            <a:endParaRPr lang="ko-KR" altLang="en-US">
+              <a:latin typeface="Arial" panose="020B0604020202020204" pitchFamily="34" charset="0"/>
+              <a:cs typeface="Arial" panose="020B0604020202020204" pitchFamily="34" charset="0"/>
+            </a:endParaRPr>
+          </a:p>
+        </p:txBody>
+      </p:sp>
+      <p:sp>
+        <p:nvSpPr>
+          <p:cNvPr id="6" name="직사각형 5"/>
+          <p:cNvSpPr/>
+          <p:nvPr/>
+        </p:nvSpPr>
+        <p:spPr>
+          <a:xfrm>
+            <a:off x="4864613" y="4083036"/>
+            <a:ext cx="2334572" cy="444576"/>
+          </a:xfrm>
+          <a:prstGeom prst="rect">
+            <a:avLst/>
+          </a:prstGeom>
+          <a:noFill/>
+          <a:ln w="38100">
+            <a:solidFill>
+              <a:srgbClr val="FF0000"/>
+            </a:solidFill>
+          </a:ln>
+        </p:spPr>
+        <p:style>
+          <a:lnRef idx="2">
+            <a:schemeClr val="accent1">
+              <a:shade val="50000"/>
+            </a:schemeClr>
+          </a:lnRef>
+          <a:fillRef idx="1">
+            <a:schemeClr val="accent1"/>
+          </a:fillRef>
+          <a:effectRef idx="0">
+            <a:schemeClr val="accent1"/>
+          </a:effectRef>
+          <a:fontRef idx="minor">
+            <a:schemeClr val="lt1"/>
+          </a:fontRef>
+        </p:style>
+        <p:txBody>
+          <a:bodyPr rtlCol="0" anchor="ctr"/>
+          <a:lstStyle/>
+          <a:p>
+            <a:pPr algn="ctr"/>
+            <a:endParaRPr lang="ko-KR" altLang="en-US">
+              <a:latin typeface="Arial" panose="020B0604020202020204" pitchFamily="34" charset="0"/>
+              <a:cs typeface="Arial" panose="020B0604020202020204" pitchFamily="34" charset="0"/>
+            </a:endParaRPr>
+          </a:p>
+        </p:txBody>
+      </p:sp>
+      <p:sp>
+        <p:nvSpPr>
+          <p:cNvPr id="9" name="TextBox 8">
+            <a:extLst>
+              <a:ext uri="{FF2B5EF4-FFF2-40B4-BE49-F238E27FC236}">
+                <a16:creationId xmlns:a16="http://schemas.microsoft.com/office/drawing/2014/main" xmlns="" id="{47C132BF-04FE-4A0C-BAD5-4874BB3EE044}"/>
+              </a:ext>
+            </a:extLst>
+          </p:cNvPr>
+          <p:cNvSpPr txBox="1"/>
+          <p:nvPr/>
+        </p:nvSpPr>
+        <p:spPr>
+          <a:xfrm>
+            <a:off x="7199184" y="2139518"/>
+            <a:ext cx="4154616" cy="923330"/>
+          </a:xfrm>
+          <a:prstGeom prst="rect">
+            <a:avLst/>
+          </a:prstGeom>
+          <a:noFill/>
+        </p:spPr>
+        <p:txBody>
+          <a:bodyPr wrap="square" rtlCol="0">
+            <a:spAutoFit/>
+          </a:bodyPr>
+          <a:lstStyle/>
+          <a:p>
+            <a:r>
+              <a:rPr lang="en-US" altLang="ko-KR" dirty="0">
+                <a:latin typeface="Arial" panose="020B0604020202020204" pitchFamily="34" charset="0"/>
+                <a:cs typeface="Arial" panose="020B0604020202020204" pitchFamily="34" charset="0"/>
+              </a:rPr>
+              <a:t>Paste genes </a:t>
+            </a:r>
+            <a:r>
+              <a:rPr lang="en-US" altLang="ko-KR" b="1" dirty="0">
+                <a:solidFill>
+                  <a:srgbClr val="FF0000"/>
+                </a:solidFill>
+                <a:latin typeface="Arial" panose="020B0604020202020204" pitchFamily="34" charset="0"/>
+                <a:cs typeface="Arial" panose="020B0604020202020204" pitchFamily="34" charset="0"/>
+              </a:rPr>
+              <a:t>Day </a:t>
+            </a:r>
+            <a:r>
+              <a:rPr lang="en-US" altLang="ko-KR" b="1" dirty="0" smtClean="0">
+                <a:solidFill>
+                  <a:srgbClr val="FF0000"/>
+                </a:solidFill>
+                <a:latin typeface="Arial" panose="020B0604020202020204" pitchFamily="34" charset="0"/>
+                <a:cs typeface="Arial" panose="020B0604020202020204" pitchFamily="34" charset="0"/>
+              </a:rPr>
+              <a:t>24 </a:t>
+            </a:r>
+            <a:r>
+              <a:rPr lang="en-US" altLang="ko-KR" dirty="0" err="1" smtClean="0">
+                <a:latin typeface="Arial" panose="020B0604020202020204" pitchFamily="34" charset="0"/>
+                <a:cs typeface="Arial" panose="020B0604020202020204" pitchFamily="34" charset="0"/>
+              </a:rPr>
+              <a:t>padj</a:t>
+            </a:r>
+            <a:r>
+              <a:rPr lang="en-US" altLang="ko-KR" dirty="0" smtClean="0">
+                <a:latin typeface="Arial" panose="020B0604020202020204" pitchFamily="34" charset="0"/>
+                <a:cs typeface="Arial" panose="020B0604020202020204" pitchFamily="34" charset="0"/>
+              </a:rPr>
+              <a:t> </a:t>
+            </a:r>
+            <a:r>
+              <a:rPr lang="en-US" altLang="ko-KR" dirty="0">
+                <a:latin typeface="Arial" panose="020B0604020202020204" pitchFamily="34" charset="0"/>
+                <a:cs typeface="Arial" panose="020B0604020202020204" pitchFamily="34" charset="0"/>
+              </a:rPr>
+              <a:t>(&lt;0.05</a:t>
+            </a:r>
+            <a:r>
+              <a:rPr lang="en-US" altLang="ko-KR" dirty="0" smtClean="0">
+                <a:latin typeface="Arial" panose="020B0604020202020204" pitchFamily="34" charset="0"/>
+                <a:cs typeface="Arial" panose="020B0604020202020204" pitchFamily="34" charset="0"/>
+              </a:rPr>
+              <a:t>)</a:t>
+            </a:r>
+          </a:p>
+          <a:p>
+            <a:endParaRPr lang="en-US" altLang="ko-KR" dirty="0" smtClean="0">
+              <a:latin typeface="Arial" panose="020B0604020202020204" pitchFamily="34" charset="0"/>
+              <a:cs typeface="Arial" panose="020B0604020202020204" pitchFamily="34" charset="0"/>
+            </a:endParaRPr>
+          </a:p>
+          <a:p>
+            <a:r>
+              <a:rPr lang="en-US" altLang="ko-KR" dirty="0" smtClean="0">
+                <a:latin typeface="Arial" panose="020B0604020202020204" pitchFamily="34" charset="0"/>
+                <a:cs typeface="Arial" panose="020B0604020202020204" pitchFamily="34" charset="0"/>
+              </a:rPr>
+              <a:t>(Fold change </a:t>
+            </a:r>
+            <a:r>
+              <a:rPr lang="ko-KR" altLang="en-US" dirty="0" smtClean="0">
+                <a:latin typeface="Arial" panose="020B0604020202020204" pitchFamily="34" charset="0"/>
+                <a:cs typeface="Arial" panose="020B0604020202020204" pitchFamily="34" charset="0"/>
+              </a:rPr>
+              <a:t>값이 가장 </a:t>
+            </a:r>
+            <a:r>
+              <a:rPr lang="ko-KR" altLang="en-US" dirty="0" smtClean="0">
+                <a:latin typeface="Arial" panose="020B0604020202020204" pitchFamily="34" charset="0"/>
+                <a:cs typeface="Arial" panose="020B0604020202020204" pitchFamily="34" charset="0"/>
+              </a:rPr>
+              <a:t>큼</a:t>
+            </a:r>
+            <a:r>
+              <a:rPr lang="en-US" altLang="ko-KR" dirty="0" smtClean="0">
+                <a:latin typeface="Arial" panose="020B0604020202020204" pitchFamily="34" charset="0"/>
+                <a:cs typeface="Arial" panose="020B0604020202020204" pitchFamily="34" charset="0"/>
+              </a:rPr>
+              <a:t>)</a:t>
+            </a:r>
+            <a:endParaRPr lang="ko-KR" altLang="en-US" dirty="0">
+              <a:latin typeface="Arial" panose="020B0604020202020204" pitchFamily="34" charset="0"/>
+              <a:cs typeface="Arial" panose="020B0604020202020204" pitchFamily="34" charset="0"/>
+            </a:endParaRPr>
+          </a:p>
+        </p:txBody>
+      </p:sp>
+      <p:sp>
+        <p:nvSpPr>
+          <p:cNvPr id="13" name="TextBox 12">
+            <a:extLst>
+              <a:ext uri="{FF2B5EF4-FFF2-40B4-BE49-F238E27FC236}">
+                <a16:creationId xmlns:a16="http://schemas.microsoft.com/office/drawing/2014/main" xmlns="" id="{3325B943-446F-4ACC-9424-5A487B72F510}"/>
+              </a:ext>
+            </a:extLst>
+          </p:cNvPr>
+          <p:cNvSpPr txBox="1"/>
+          <p:nvPr/>
+        </p:nvSpPr>
+        <p:spPr>
+          <a:xfrm>
+            <a:off x="7327387" y="4072152"/>
+            <a:ext cx="2734928" cy="369332"/>
+          </a:xfrm>
+          <a:prstGeom prst="rect">
+            <a:avLst/>
+          </a:prstGeom>
+          <a:noFill/>
+        </p:spPr>
+        <p:txBody>
+          <a:bodyPr wrap="square" rtlCol="0">
+            <a:spAutoFit/>
+          </a:bodyPr>
+          <a:lstStyle/>
+          <a:p>
+            <a:r>
+              <a:rPr lang="en-US" altLang="ko-KR" dirty="0">
+                <a:latin typeface="Arial" panose="020B0604020202020204" pitchFamily="34" charset="0"/>
+                <a:cs typeface="Arial" panose="020B0604020202020204" pitchFamily="34" charset="0"/>
+              </a:rPr>
+              <a:t>Select type</a:t>
+            </a:r>
+            <a:endParaRPr lang="ko-KR" altLang="en-US" dirty="0">
+              <a:latin typeface="Arial" panose="020B0604020202020204" pitchFamily="34" charset="0"/>
+              <a:cs typeface="Arial" panose="020B0604020202020204" pitchFamily="34" charset="0"/>
+            </a:endParaRPr>
+          </a:p>
+        </p:txBody>
+      </p:sp>
+    </p:spTree>
+    <p:extLst>
+      <p:ext uri="{BB962C8B-B14F-4D97-AF65-F5344CB8AC3E}">
+        <p14:creationId xmlns:p14="http://schemas.microsoft.com/office/powerpoint/2010/main" val="3231741646"/>
+      </p:ext>
+    </p:extLst>
+  </p:cSld>
+  <p:clrMapOvr>
+    <a:masterClrMapping/>
+  </p:clrMapOvr>
+</p:sld>
+</file>
+
+<file path=ppt/slides/slide12.xml><?xml version="1.0" encoding="utf-8"?>
+<p:sld xmlns:a="http://schemas.openxmlformats.org/drawingml/2006/main" xmlns:r="http://schemas.openxmlformats.org/officeDocument/2006/relationships" xmlns:p="http://schemas.openxmlformats.org/presentationml/2006/main">
+  <p:cSld>
+    <p:spTree>
+      <p:nvGrpSpPr>
+        <p:cNvPr id="1" name=""/>
+        <p:cNvGrpSpPr/>
+        <p:nvPr/>
+      </p:nvGrpSpPr>
+      <p:grpSpPr>
+        <a:xfrm>
+          <a:off x="0" y="0"/>
+          <a:ext cx="0" cy="0"/>
+          <a:chOff x="0" y="0"/>
+          <a:chExt cx="0" cy="0"/>
+        </a:xfrm>
+      </p:grpSpPr>
+      <p:sp>
+        <p:nvSpPr>
+          <p:cNvPr id="2" name="제목 1"/>
+          <p:cNvSpPr>
+            <a:spLocks noGrp="1"/>
+          </p:cNvSpPr>
+          <p:nvPr>
+            <p:ph type="title"/>
+          </p:nvPr>
+        </p:nvSpPr>
+        <p:spPr/>
+        <p:txBody>
           <a:bodyPr/>
           <a:lstStyle/>
           <a:p>
             <a:r>
-              <a:rPr lang="en-US" altLang="ko-KR" dirty="0">
-                <a:latin typeface="Arial" panose="020B0604020202020204" pitchFamily="34" charset="0"/>
-                <a:cs typeface="Arial" panose="020B0604020202020204" pitchFamily="34" charset="0"/>
-              </a:rPr>
-              <a:t>DAVID tutorial</a:t>
+              <a:rPr lang="en-US" altLang="ko-KR" b="1" dirty="0">
+                <a:latin typeface="Arial" panose="020B0604020202020204" pitchFamily="34" charset="0"/>
+                <a:cs typeface="Arial" panose="020B0604020202020204" pitchFamily="34" charset="0"/>
+              </a:rPr>
+              <a:t>5. Gene ontology analysis</a:t>
+            </a:r>
+            <a:br>
+              <a:rPr lang="en-US" altLang="ko-KR" b="1" dirty="0">
+                <a:latin typeface="Arial" panose="020B0604020202020204" pitchFamily="34" charset="0"/>
+                <a:cs typeface="Arial" panose="020B0604020202020204" pitchFamily="34" charset="0"/>
+              </a:rPr>
+            </a:br>
+            <a:r>
+              <a:rPr lang="en-US" altLang="ko-KR" sz="2800" b="1" dirty="0">
+                <a:latin typeface="Arial" panose="020B0604020202020204" pitchFamily="34" charset="0"/>
+                <a:cs typeface="Arial" panose="020B0604020202020204" pitchFamily="34" charset="0"/>
+              </a:rPr>
+              <a:t>David Tutorial</a:t>
             </a:r>
             <a:endParaRPr lang="ko-KR" altLang="en-US" dirty="0"/>
           </a:p>
@@ -3054,7 +3910,7 @@
           <p:cNvPr id="11" name="그림 10">
             <a:extLst>
               <a:ext uri="{FF2B5EF4-FFF2-40B4-BE49-F238E27FC236}">
-                <a16:creationId xmlns:a16="http://schemas.microsoft.com/office/drawing/2014/main" id="{3156AAA5-7505-491A-B2F5-B0D7B40035E8}"/>
+                <a16:creationId xmlns:a16="http://schemas.microsoft.com/office/drawing/2014/main" xmlns="" id="{3156AAA5-7505-491A-B2F5-B0D7B40035E8}"/>
               </a:ext>
             </a:extLst>
           </p:cNvPr>
@@ -3084,7 +3940,7 @@
           <p:cNvPr id="13" name="직사각형 12">
             <a:extLst>
               <a:ext uri="{FF2B5EF4-FFF2-40B4-BE49-F238E27FC236}">
-                <a16:creationId xmlns:a16="http://schemas.microsoft.com/office/drawing/2014/main" id="{0250A97E-66D6-41A7-ACDF-0E685F2CDE28}"/>
+                <a16:creationId xmlns:a16="http://schemas.microsoft.com/office/drawing/2014/main" xmlns="" id="{0250A97E-66D6-41A7-ACDF-0E685F2CDE28}"/>
               </a:ext>
             </a:extLst>
           </p:cNvPr>
@@ -3131,6 +3987,57 @@
           </a:p>
         </p:txBody>
       </p:sp>
+      <p:sp>
+        <p:nvSpPr>
+          <p:cNvPr id="6" name="아래쪽 화살표 5"/>
+          <p:cNvSpPr/>
+          <p:nvPr/>
+        </p:nvSpPr>
+        <p:spPr>
+          <a:xfrm>
+            <a:off x="3881948" y="4082461"/>
+            <a:ext cx="354227" cy="469556"/>
+          </a:xfrm>
+          <a:prstGeom prst="downArrow">
+            <a:avLst/>
+          </a:prstGeom>
+          <a:solidFill>
+            <a:srgbClr val="FF0000"/>
+          </a:solidFill>
+          <a:ln>
+            <a:solidFill>
+              <a:srgbClr val="FF0000"/>
+            </a:solidFill>
+          </a:ln>
+        </p:spPr>
+        <p:style>
+          <a:lnRef idx="2">
+            <a:schemeClr val="accent1">
+              <a:shade val="50000"/>
+            </a:schemeClr>
+          </a:lnRef>
+          <a:fillRef idx="1">
+            <a:schemeClr val="accent1"/>
+          </a:fillRef>
+          <a:effectRef idx="0">
+            <a:schemeClr val="accent1"/>
+          </a:effectRef>
+          <a:fontRef idx="minor">
+            <a:schemeClr val="lt1"/>
+          </a:fontRef>
+        </p:style>
+        <p:txBody>
+          <a:bodyPr rtlCol="0" anchor="ctr"/>
+          <a:lstStyle/>
+          <a:p>
+            <a:pPr algn="ctr"/>
+            <a:endParaRPr lang="ko-KR" altLang="en-US">
+              <a:latin typeface="Arial" panose="020B0604020202020204" pitchFamily="34" charset="0"/>
+              <a:cs typeface="Arial" panose="020B0604020202020204" pitchFamily="34" charset="0"/>
+            </a:endParaRPr>
+          </a:p>
+        </p:txBody>
+      </p:sp>
     </p:spTree>
     <p:extLst>
       <p:ext uri="{BB962C8B-B14F-4D97-AF65-F5344CB8AC3E}">
@@ -3144,7 +4051,7 @@
 </p:sld>
 </file>
 
-<file path=ppt/slides/slide11.xml><?xml version="1.0" encoding="utf-8"?>
+<file path=ppt/slides/slide13.xml><?xml version="1.0" encoding="utf-8"?>
 <p:sld xmlns:a="http://schemas.openxmlformats.org/drawingml/2006/main" xmlns:r="http://schemas.openxmlformats.org/officeDocument/2006/relationships" xmlns:p="http://schemas.openxmlformats.org/presentationml/2006/main">
   <p:cSld>
     <p:spTree>
@@ -3177,25 +4084,108 @@
           <a:lstStyle/>
           <a:p>
             <a:r>
-              <a:rPr lang="en-US" altLang="ko-KR" dirty="0">
-                <a:latin typeface="Arial" panose="020B0604020202020204" pitchFamily="34" charset="0"/>
-                <a:cs typeface="Arial" panose="020B0604020202020204" pitchFamily="34" charset="0"/>
-              </a:rPr>
-              <a:t>DAVID tutorial</a:t>
+              <a:rPr lang="en-US" altLang="ko-KR" b="1" dirty="0">
+                <a:latin typeface="Arial" panose="020B0604020202020204" pitchFamily="34" charset="0"/>
+                <a:cs typeface="Arial" panose="020B0604020202020204" pitchFamily="34" charset="0"/>
+              </a:rPr>
+              <a:t>5. Gene ontology analysis</a:t>
+            </a:r>
+            <a:br>
+              <a:rPr lang="en-US" altLang="ko-KR" b="1" dirty="0">
+                <a:latin typeface="Arial" panose="020B0604020202020204" pitchFamily="34" charset="0"/>
+                <a:cs typeface="Arial" panose="020B0604020202020204" pitchFamily="34" charset="0"/>
+              </a:rPr>
+            </a:br>
+            <a:r>
+              <a:rPr lang="en-US" altLang="ko-KR" sz="2800" b="1" dirty="0">
+                <a:latin typeface="Arial" panose="020B0604020202020204" pitchFamily="34" charset="0"/>
+                <a:cs typeface="Arial" panose="020B0604020202020204" pitchFamily="34" charset="0"/>
+              </a:rPr>
+              <a:t>David Tutorial</a:t>
             </a:r>
             <a:endParaRPr lang="ko-KR" altLang="en-US" dirty="0"/>
+          </a:p>
+        </p:txBody>
+      </p:sp>
+      <p:sp>
+        <p:nvSpPr>
+          <p:cNvPr id="3" name="왼쪽 중괄호 2"/>
+          <p:cNvSpPr/>
+          <p:nvPr/>
+        </p:nvSpPr>
+        <p:spPr>
+          <a:xfrm>
+            <a:off x="1777777" y="1889413"/>
+            <a:ext cx="327247" cy="4254211"/>
+          </a:xfrm>
+          <a:prstGeom prst="leftBrace">
+            <a:avLst/>
+          </a:prstGeom>
+          <a:ln>
+            <a:solidFill>
+              <a:srgbClr val="FF0000"/>
+            </a:solidFill>
+          </a:ln>
+        </p:spPr>
+        <p:style>
+          <a:lnRef idx="1">
+            <a:schemeClr val="accent1"/>
+          </a:lnRef>
+          <a:fillRef idx="0">
+            <a:schemeClr val="accent1"/>
+          </a:fillRef>
+          <a:effectRef idx="0">
+            <a:schemeClr val="accent1"/>
+          </a:effectRef>
+          <a:fontRef idx="minor">
+            <a:schemeClr val="tx1"/>
+          </a:fontRef>
+        </p:style>
+        <p:txBody>
+          <a:bodyPr rtlCol="0" anchor="ctr"/>
+          <a:lstStyle/>
+          <a:p>
+            <a:pPr algn="ctr"/>
+            <a:endParaRPr lang="ko-KR" altLang="en-US">
+              <a:solidFill>
+                <a:srgbClr val="FF0000"/>
+              </a:solidFill>
+            </a:endParaRPr>
+          </a:p>
+        </p:txBody>
+      </p:sp>
+      <p:sp>
+        <p:nvSpPr>
+          <p:cNvPr id="4" name="TextBox 3"/>
+          <p:cNvSpPr txBox="1"/>
+          <p:nvPr/>
+        </p:nvSpPr>
+        <p:spPr>
+          <a:xfrm>
+            <a:off x="1" y="3150257"/>
+            <a:ext cx="2019300" cy="923330"/>
+          </a:xfrm>
+          <a:prstGeom prst="rect">
+            <a:avLst/>
+          </a:prstGeom>
+          <a:noFill/>
+        </p:spPr>
+        <p:txBody>
+          <a:bodyPr wrap="square" rtlCol="0">
+            <a:spAutoFit/>
+          </a:bodyPr>
+          <a:lstStyle/>
+          <a:p>
+            <a:r>
+              <a:rPr lang="en-US" altLang="ko-KR" dirty="0" smtClean="0"/>
+              <a:t>Choose Ontology what you want to see</a:t>
+            </a:r>
           </a:p>
         </p:txBody>
       </p:sp>
       <p:pic>
         <p:nvPicPr>
-          <p:cNvPr id="5" name="그림 4">
-            <a:extLst>
-              <a:ext uri="{FF2B5EF4-FFF2-40B4-BE49-F238E27FC236}">
-                <a16:creationId xmlns:a16="http://schemas.microsoft.com/office/drawing/2014/main" id="{4C4C14BE-33FE-4905-AE02-FFCD31E9CDC2}"/>
-              </a:ext>
-            </a:extLst>
-          </p:cNvPr>
+          <p:cNvPr id="10" name="그림 9"/>
           <p:cNvPicPr>
             <a:picLocks noChangeAspect="1"/>
           </p:cNvPicPr>
@@ -3209,14 +4199,89 @@
         </p:blipFill>
         <p:spPr>
           <a:xfrm>
-            <a:off x="1792365" y="1597703"/>
-            <a:ext cx="8039100" cy="4514850"/>
+            <a:off x="2247900" y="1690688"/>
+            <a:ext cx="6248400" cy="4858131"/>
           </a:xfrm>
           <a:prstGeom prst="rect">
             <a:avLst/>
           </a:prstGeom>
         </p:spPr>
       </p:pic>
+      <p:pic>
+        <p:nvPicPr>
+          <p:cNvPr id="8" name="그림 7"/>
+          <p:cNvPicPr>
+            <a:picLocks noChangeAspect="1"/>
+          </p:cNvPicPr>
+          <p:nvPr/>
+        </p:nvPicPr>
+        <p:blipFill>
+          <a:blip r:embed="rId3"/>
+          <a:stretch>
+            <a:fillRect/>
+          </a:stretch>
+        </p:blipFill>
+        <p:spPr>
+          <a:xfrm>
+            <a:off x="8639176" y="1803109"/>
+            <a:ext cx="3292553" cy="895063"/>
+          </a:xfrm>
+          <a:prstGeom prst="rect">
+            <a:avLst/>
+          </a:prstGeom>
+        </p:spPr>
+      </p:pic>
+      <p:sp>
+        <p:nvSpPr>
+          <p:cNvPr id="11" name="아래쪽 화살표 10"/>
+          <p:cNvSpPr/>
+          <p:nvPr/>
+        </p:nvSpPr>
+        <p:spPr>
+          <a:xfrm rot="5400000">
+            <a:off x="11109592" y="2116882"/>
+            <a:ext cx="354227" cy="469556"/>
+          </a:xfrm>
+          <a:prstGeom prst="downArrow">
+            <a:avLst/>
+          </a:prstGeom>
+          <a:solidFill>
+            <a:srgbClr val="FF0000"/>
+          </a:solidFill>
+          <a:ln>
+            <a:solidFill>
+              <a:srgbClr val="FF0000"/>
+            </a:solidFill>
+          </a:ln>
+        </p:spPr>
+        <p:style>
+          <a:lnRef idx="2">
+            <a:schemeClr val="accent1">
+              <a:shade val="50000"/>
+            </a:schemeClr>
+          </a:lnRef>
+          <a:fillRef idx="1">
+            <a:schemeClr val="accent1"/>
+          </a:fillRef>
+          <a:effectRef idx="0">
+            <a:schemeClr val="accent1"/>
+          </a:effectRef>
+          <a:fontRef idx="minor">
+            <a:schemeClr val="lt1"/>
+          </a:fontRef>
+        </p:style>
+        <p:txBody>
+          <a:bodyPr rtlCol="0" anchor="ctr"/>
+          <a:lstStyle/>
+          <a:p>
+            <a:pPr algn="ctr"/>
+            <a:endParaRPr lang="ko-KR" altLang="en-US">
+              <a:latin typeface="Arial" panose="020B0604020202020204" pitchFamily="34" charset="0"/>
+              <a:cs typeface="Arial" panose="020B0604020202020204" pitchFamily="34" charset="0"/>
+            </a:endParaRPr>
+          </a:p>
+        </p:txBody>
+      </p:sp>
     </p:spTree>
     <p:extLst>
       <p:ext uri="{BB962C8B-B14F-4D97-AF65-F5344CB8AC3E}">
@@ -3230,7 +4295,7 @@
 </p:sld>
 </file>
 
-<file path=ppt/slides/slide12.xml><?xml version="1.0" encoding="utf-8"?>
+<file path=ppt/slides/slide14.xml><?xml version="1.0" encoding="utf-8"?>
 <p:sld xmlns:a="http://schemas.openxmlformats.org/drawingml/2006/main" xmlns:r="http://schemas.openxmlformats.org/officeDocument/2006/relationships" xmlns:p="http://schemas.openxmlformats.org/presentationml/2006/main">
   <p:cSld>
     <p:spTree>
@@ -3247,6 +4312,30 @@
           <a:chExt cx="0" cy="0"/>
         </a:xfrm>
       </p:grpSpPr>
+      <p:pic>
+        <p:nvPicPr>
+          <p:cNvPr id="23" name="그림 22"/>
+          <p:cNvPicPr>
+            <a:picLocks noChangeAspect="1"/>
+          </p:cNvPicPr>
+          <p:nvPr/>
+        </p:nvPicPr>
+        <p:blipFill>
+          <a:blip r:embed="rId2"/>
+          <a:stretch>
+            <a:fillRect/>
+          </a:stretch>
+        </p:blipFill>
+        <p:spPr>
+          <a:xfrm>
+            <a:off x="1906158" y="1720029"/>
+            <a:ext cx="9324975" cy="4184284"/>
+          </a:xfrm>
+          <a:prstGeom prst="rect">
+            <a:avLst/>
+          </a:prstGeom>
+        </p:spPr>
+      </p:pic>
       <p:sp>
         <p:nvSpPr>
           <p:cNvPr id="2" name="제목 1"/>
@@ -3263,11 +4352,24 @@
           <a:lstStyle/>
           <a:p>
             <a:r>
-              <a:rPr lang="en-US" altLang="ko-KR" dirty="0">
-                <a:latin typeface="Arial" panose="020B0604020202020204" pitchFamily="34" charset="0"/>
-                <a:cs typeface="Arial" panose="020B0604020202020204" pitchFamily="34" charset="0"/>
-              </a:rPr>
-              <a:t>DAVID tutorial</a:t>
+              <a:rPr lang="en-US" altLang="ko-KR" b="1" dirty="0">
+                <a:latin typeface="Arial" panose="020B0604020202020204" pitchFamily="34" charset="0"/>
+                <a:cs typeface="Arial" panose="020B0604020202020204" pitchFamily="34" charset="0"/>
+              </a:rPr>
+              <a:t>5. Gene ontology analysis</a:t>
+            </a:r>
+            <a:br>
+              <a:rPr lang="en-US" altLang="ko-KR" b="1" dirty="0">
+                <a:latin typeface="Arial" panose="020B0604020202020204" pitchFamily="34" charset="0"/>
+                <a:cs typeface="Arial" panose="020B0604020202020204" pitchFamily="34" charset="0"/>
+              </a:rPr>
+            </a:br>
+            <a:r>
+              <a:rPr lang="en-US" altLang="ko-KR" sz="2800" b="1" dirty="0">
+                <a:latin typeface="Arial" panose="020B0604020202020204" pitchFamily="34" charset="0"/>
+                <a:cs typeface="Arial" panose="020B0604020202020204" pitchFamily="34" charset="0"/>
+              </a:rPr>
+              <a:t>David Tutorial</a:t>
             </a:r>
             <a:endParaRPr lang="ko-KR" altLang="en-US" dirty="0"/>
           </a:p>
@@ -3281,7 +4383,7 @@
         </p:nvCxnSpPr>
         <p:spPr>
           <a:xfrm flipH="1" flipV="1">
-            <a:off x="4629665" y="4407243"/>
+            <a:off x="5353565" y="4407243"/>
             <a:ext cx="189470" cy="502508"/>
           </a:xfrm>
           <a:prstGeom prst="straightConnector1">
@@ -3308,14 +4410,14 @@
       </p:cxnSp>
       <p:sp>
         <p:nvSpPr>
-          <p:cNvPr id="9" name="TextBox 8"/>
+          <p:cNvPr id="3" name="TextBox 2"/>
           <p:cNvSpPr txBox="1"/>
           <p:nvPr/>
         </p:nvSpPr>
         <p:spPr>
           <a:xfrm>
-            <a:off x="4917989" y="4983892"/>
-            <a:ext cx="1853514" cy="369332"/>
+            <a:off x="5641889" y="2792218"/>
+            <a:ext cx="4051873" cy="369332"/>
           </a:xfrm>
           <a:prstGeom prst="rect">
             <a:avLst/>
@@ -3329,23 +4431,35 @@
           <a:lstStyle/>
           <a:p>
             <a:r>
-              <a:rPr lang="en-US" altLang="ko-KR" dirty="0"/>
-              <a:t>percentage</a:t>
-            </a:r>
-            <a:endParaRPr lang="ko-KR" altLang="en-US" dirty="0"/>
-          </a:p>
-        </p:txBody>
-      </p:sp>
-      <p:sp>
-        <p:nvSpPr>
-          <p:cNvPr id="10" name="TextBox 9"/>
+              <a:rPr lang="en-US" altLang="ko-KR" dirty="0" smtClean="0">
+                <a:solidFill>
+                  <a:srgbClr val="FF0000"/>
+                </a:solidFill>
+                <a:latin typeface="Arial" panose="020B0604020202020204" pitchFamily="34" charset="0"/>
+                <a:cs typeface="Arial" panose="020B0604020202020204" pitchFamily="34" charset="0"/>
+              </a:rPr>
+              <a:t>All genes involved in this cluster</a:t>
+            </a:r>
+            <a:endParaRPr lang="ko-KR" altLang="en-US" dirty="0">
+              <a:solidFill>
+                <a:srgbClr val="FF0000"/>
+              </a:solidFill>
+              <a:latin typeface="Arial" panose="020B0604020202020204" pitchFamily="34" charset="0"/>
+              <a:cs typeface="Arial" panose="020B0604020202020204" pitchFamily="34" charset="0"/>
+            </a:endParaRPr>
+          </a:p>
+        </p:txBody>
+      </p:sp>
+      <p:sp>
+        <p:nvSpPr>
+          <p:cNvPr id="11" name="TextBox 10"/>
           <p:cNvSpPr txBox="1"/>
           <p:nvPr/>
         </p:nvSpPr>
         <p:spPr>
           <a:xfrm>
-            <a:off x="5268550" y="4731758"/>
-            <a:ext cx="1853514" cy="369332"/>
+            <a:off x="9090497" y="2135957"/>
+            <a:ext cx="1932709" cy="646331"/>
           </a:xfrm>
           <a:prstGeom prst="rect">
             <a:avLst/>
@@ -3359,43 +4473,374 @@
           <a:lstStyle/>
           <a:p>
             <a:r>
-              <a:rPr lang="en-US" altLang="ko-KR" dirty="0"/>
-              <a:t>Gene count</a:t>
-            </a:r>
-            <a:endParaRPr lang="ko-KR" altLang="en-US" dirty="0"/>
-          </a:p>
-        </p:txBody>
-      </p:sp>
-      <p:pic>
-        <p:nvPicPr>
-          <p:cNvPr id="6" name="그림 5">
-            <a:extLst>
-              <a:ext uri="{FF2B5EF4-FFF2-40B4-BE49-F238E27FC236}">
-                <a16:creationId xmlns:a16="http://schemas.microsoft.com/office/drawing/2014/main" id="{EDDBAC69-F30E-409C-9A26-F489CBCB6B87}"/>
-              </a:ext>
-            </a:extLst>
-          </p:cNvPr>
-          <p:cNvPicPr>
-            <a:picLocks noChangeAspect="1"/>
-          </p:cNvPicPr>
+              <a:rPr lang="en-US" altLang="ko-KR" dirty="0" smtClean="0">
+                <a:solidFill>
+                  <a:srgbClr val="FF0000"/>
+                </a:solidFill>
+                <a:latin typeface="Arial" panose="020B0604020202020204" pitchFamily="34" charset="0"/>
+                <a:cs typeface="Arial" panose="020B0604020202020204" pitchFamily="34" charset="0"/>
+              </a:rPr>
+              <a:t>Genes involved in individual term</a:t>
+            </a:r>
+            <a:endParaRPr lang="ko-KR" altLang="en-US" dirty="0">
+              <a:solidFill>
+                <a:srgbClr val="FF0000"/>
+              </a:solidFill>
+              <a:latin typeface="Arial" panose="020B0604020202020204" pitchFamily="34" charset="0"/>
+              <a:cs typeface="Arial" panose="020B0604020202020204" pitchFamily="34" charset="0"/>
+            </a:endParaRPr>
+          </a:p>
+        </p:txBody>
+      </p:sp>
+      <p:sp>
+        <p:nvSpPr>
+          <p:cNvPr id="12" name="TextBox 11"/>
+          <p:cNvSpPr txBox="1"/>
           <p:nvPr/>
-        </p:nvPicPr>
-        <p:blipFill>
-          <a:blip r:embed="rId2"/>
-          <a:stretch>
-            <a:fillRect/>
-          </a:stretch>
-        </p:blipFill>
+        </p:nvSpPr>
         <p:spPr>
           <a:xfrm>
-            <a:off x="1237605" y="1690688"/>
-            <a:ext cx="9214282" cy="4640526"/>
+            <a:off x="4376415" y="1936418"/>
+            <a:ext cx="4714082" cy="369332"/>
           </a:xfrm>
           <a:prstGeom prst="rect">
             <a:avLst/>
           </a:prstGeom>
+          <a:noFill/>
         </p:spPr>
-      </p:pic>
+        <p:txBody>
+          <a:bodyPr wrap="square" rtlCol="0">
+            <a:spAutoFit/>
+          </a:bodyPr>
+          <a:lstStyle/>
+          <a:p>
+            <a:r>
+              <a:rPr lang="en-US" altLang="ko-KR" dirty="0" smtClean="0">
+                <a:solidFill>
+                  <a:srgbClr val="FF0000"/>
+                </a:solidFill>
+                <a:latin typeface="Arial" panose="020B0604020202020204" pitchFamily="34" charset="0"/>
+                <a:cs typeface="Arial" panose="020B0604020202020204" pitchFamily="34" charset="0"/>
+              </a:rPr>
+              <a:t>Sum of –log(p-value) in Annotation Cluster</a:t>
+            </a:r>
+            <a:endParaRPr lang="ko-KR" altLang="en-US" dirty="0">
+              <a:solidFill>
+                <a:srgbClr val="FF0000"/>
+              </a:solidFill>
+              <a:latin typeface="Arial" panose="020B0604020202020204" pitchFamily="34" charset="0"/>
+              <a:cs typeface="Arial" panose="020B0604020202020204" pitchFamily="34" charset="0"/>
+            </a:endParaRPr>
+          </a:p>
+        </p:txBody>
+      </p:sp>
+      <p:cxnSp>
+        <p:nvCxnSpPr>
+          <p:cNvPr id="5" name="직선 화살표 연결선 4"/>
+          <p:cNvCxnSpPr>
+            <a:stCxn id="3" idx="2"/>
+          </p:cNvCxnSpPr>
+          <p:nvPr/>
+        </p:nvCxnSpPr>
+        <p:spPr>
+          <a:xfrm flipH="1">
+            <a:off x="6819900" y="3161550"/>
+            <a:ext cx="847926" cy="348737"/>
+          </a:xfrm>
+          <a:prstGeom prst="straightConnector1">
+            <a:avLst/>
+          </a:prstGeom>
+          <a:ln>
+            <a:solidFill>
+              <a:srgbClr val="FF0000"/>
+            </a:solidFill>
+            <a:tailEnd type="triangle"/>
+          </a:ln>
+        </p:spPr>
+        <p:style>
+          <a:lnRef idx="1">
+            <a:schemeClr val="accent1"/>
+          </a:lnRef>
+          <a:fillRef idx="0">
+            <a:schemeClr val="accent1"/>
+          </a:fillRef>
+          <a:effectRef idx="0">
+            <a:schemeClr val="accent1"/>
+          </a:effectRef>
+          <a:fontRef idx="minor">
+            <a:schemeClr val="tx1"/>
+          </a:fontRef>
+        </p:style>
+      </p:cxnSp>
+      <p:cxnSp>
+        <p:nvCxnSpPr>
+          <p:cNvPr id="13" name="직선 화살표 연결선 12"/>
+          <p:cNvCxnSpPr>
+            <a:stCxn id="11" idx="2"/>
+          </p:cNvCxnSpPr>
+          <p:nvPr/>
+        </p:nvCxnSpPr>
+        <p:spPr>
+          <a:xfrm flipH="1">
+            <a:off x="7489922" y="2782288"/>
+            <a:ext cx="2566930" cy="1056287"/>
+          </a:xfrm>
+          <a:prstGeom prst="straightConnector1">
+            <a:avLst/>
+          </a:prstGeom>
+          <a:ln>
+            <a:solidFill>
+              <a:srgbClr val="FF0000"/>
+            </a:solidFill>
+            <a:tailEnd type="triangle"/>
+          </a:ln>
+        </p:spPr>
+        <p:style>
+          <a:lnRef idx="1">
+            <a:schemeClr val="accent1"/>
+          </a:lnRef>
+          <a:fillRef idx="0">
+            <a:schemeClr val="accent1"/>
+          </a:fillRef>
+          <a:effectRef idx="0">
+            <a:schemeClr val="accent1"/>
+          </a:effectRef>
+          <a:fontRef idx="minor">
+            <a:schemeClr val="tx1"/>
+          </a:fontRef>
+        </p:style>
+      </p:cxnSp>
+      <p:cxnSp>
+        <p:nvCxnSpPr>
+          <p:cNvPr id="15" name="직선 화살표 연결선 14"/>
+          <p:cNvCxnSpPr/>
+          <p:nvPr/>
+        </p:nvCxnSpPr>
+        <p:spPr>
+          <a:xfrm flipH="1">
+            <a:off x="4914900" y="2315603"/>
+            <a:ext cx="1025999" cy="1133158"/>
+          </a:xfrm>
+          <a:prstGeom prst="straightConnector1">
+            <a:avLst/>
+          </a:prstGeom>
+          <a:ln>
+            <a:solidFill>
+              <a:srgbClr val="FF0000"/>
+            </a:solidFill>
+            <a:tailEnd type="triangle"/>
+          </a:ln>
+        </p:spPr>
+        <p:style>
+          <a:lnRef idx="1">
+            <a:schemeClr val="accent1"/>
+          </a:lnRef>
+          <a:fillRef idx="0">
+            <a:schemeClr val="accent1"/>
+          </a:fillRef>
+          <a:effectRef idx="0">
+            <a:schemeClr val="accent1"/>
+          </a:effectRef>
+          <a:fontRef idx="minor">
+            <a:schemeClr val="tx1"/>
+          </a:fontRef>
+        </p:style>
+      </p:cxnSp>
+      <p:sp>
+        <p:nvSpPr>
+          <p:cNvPr id="20" name="TextBox 19"/>
+          <p:cNvSpPr txBox="1"/>
+          <p:nvPr/>
+        </p:nvSpPr>
+        <p:spPr>
+          <a:xfrm>
+            <a:off x="5940899" y="6026726"/>
+            <a:ext cx="4051873" cy="369332"/>
+          </a:xfrm>
+          <a:prstGeom prst="rect">
+            <a:avLst/>
+          </a:prstGeom>
+          <a:noFill/>
+        </p:spPr>
+        <p:txBody>
+          <a:bodyPr wrap="square" rtlCol="0">
+            <a:spAutoFit/>
+          </a:bodyPr>
+          <a:lstStyle/>
+          <a:p>
+            <a:r>
+              <a:rPr lang="en-US" altLang="ko-KR" dirty="0" smtClean="0">
+                <a:solidFill>
+                  <a:srgbClr val="FF0000"/>
+                </a:solidFill>
+                <a:latin typeface="Arial" panose="020B0604020202020204" pitchFamily="34" charset="0"/>
+                <a:cs typeface="Arial" panose="020B0604020202020204" pitchFamily="34" charset="0"/>
+              </a:rPr>
+              <a:t>Related Term</a:t>
+            </a:r>
+            <a:endParaRPr lang="ko-KR" altLang="en-US" dirty="0">
+              <a:solidFill>
+                <a:srgbClr val="FF0000"/>
+              </a:solidFill>
+              <a:latin typeface="Arial" panose="020B0604020202020204" pitchFamily="34" charset="0"/>
+              <a:cs typeface="Arial" panose="020B0604020202020204" pitchFamily="34" charset="0"/>
+            </a:endParaRPr>
+          </a:p>
+        </p:txBody>
+      </p:sp>
+      <p:cxnSp>
+        <p:nvCxnSpPr>
+          <p:cNvPr id="21" name="직선 화살표 연결선 20"/>
+          <p:cNvCxnSpPr/>
+          <p:nvPr/>
+        </p:nvCxnSpPr>
+        <p:spPr>
+          <a:xfrm flipV="1">
+            <a:off x="6568646" y="5781899"/>
+            <a:ext cx="0" cy="317212"/>
+          </a:xfrm>
+          <a:prstGeom prst="straightConnector1">
+            <a:avLst/>
+          </a:prstGeom>
+          <a:ln>
+            <a:solidFill>
+              <a:srgbClr val="FF0000"/>
+            </a:solidFill>
+            <a:tailEnd type="triangle"/>
+          </a:ln>
+        </p:spPr>
+        <p:style>
+          <a:lnRef idx="1">
+            <a:schemeClr val="accent1"/>
+          </a:lnRef>
+          <a:fillRef idx="0">
+            <a:schemeClr val="accent1"/>
+          </a:fillRef>
+          <a:effectRef idx="0">
+            <a:schemeClr val="accent1"/>
+          </a:effectRef>
+          <a:fontRef idx="minor">
+            <a:schemeClr val="tx1"/>
+          </a:fontRef>
+        </p:style>
+      </p:cxnSp>
+      <p:cxnSp>
+        <p:nvCxnSpPr>
+          <p:cNvPr id="26" name="직선 화살표 연결선 25"/>
+          <p:cNvCxnSpPr/>
+          <p:nvPr/>
+        </p:nvCxnSpPr>
+        <p:spPr>
+          <a:xfrm flipH="1">
+            <a:off x="9693762" y="2807775"/>
+            <a:ext cx="363090" cy="943925"/>
+          </a:xfrm>
+          <a:prstGeom prst="straightConnector1">
+            <a:avLst/>
+          </a:prstGeom>
+          <a:ln>
+            <a:solidFill>
+              <a:srgbClr val="FF0000"/>
+            </a:solidFill>
+            <a:tailEnd type="triangle"/>
+          </a:ln>
+        </p:spPr>
+        <p:style>
+          <a:lnRef idx="1">
+            <a:schemeClr val="accent1"/>
+          </a:lnRef>
+          <a:fillRef idx="0">
+            <a:schemeClr val="accent1"/>
+          </a:fillRef>
+          <a:effectRef idx="0">
+            <a:schemeClr val="accent1"/>
+          </a:effectRef>
+          <a:fontRef idx="minor">
+            <a:schemeClr val="tx1"/>
+          </a:fontRef>
+        </p:style>
+      </p:cxnSp>
+      <p:sp>
+        <p:nvSpPr>
+          <p:cNvPr id="29" name="왼쪽 중괄호 28"/>
+          <p:cNvSpPr/>
+          <p:nvPr/>
+        </p:nvSpPr>
+        <p:spPr>
+          <a:xfrm>
+            <a:off x="1906158" y="3751700"/>
+            <a:ext cx="45719" cy="655543"/>
+          </a:xfrm>
+          <a:prstGeom prst="leftBrace">
+            <a:avLst/>
+          </a:prstGeom>
+          <a:ln>
+            <a:solidFill>
+              <a:srgbClr val="FF0000"/>
+            </a:solidFill>
+          </a:ln>
+        </p:spPr>
+        <p:style>
+          <a:lnRef idx="1">
+            <a:schemeClr val="accent1"/>
+          </a:lnRef>
+          <a:fillRef idx="0">
+            <a:schemeClr val="accent1"/>
+          </a:fillRef>
+          <a:effectRef idx="0">
+            <a:schemeClr val="accent1"/>
+          </a:effectRef>
+          <a:fontRef idx="minor">
+            <a:schemeClr val="tx1"/>
+          </a:fontRef>
+        </p:style>
+        <p:txBody>
+          <a:bodyPr rtlCol="0" anchor="ctr"/>
+          <a:lstStyle/>
+          <a:p>
+            <a:pPr algn="ctr"/>
+            <a:endParaRPr lang="ko-KR" altLang="en-US"/>
+          </a:p>
+        </p:txBody>
+      </p:sp>
+      <p:sp>
+        <p:nvSpPr>
+          <p:cNvPr id="30" name="TextBox 29"/>
+          <p:cNvSpPr txBox="1"/>
+          <p:nvPr/>
+        </p:nvSpPr>
+        <p:spPr>
+          <a:xfrm>
+            <a:off x="182069" y="3448761"/>
+            <a:ext cx="1809750" cy="1200329"/>
+          </a:xfrm>
+          <a:prstGeom prst="rect">
+            <a:avLst/>
+          </a:prstGeom>
+          <a:noFill/>
+        </p:spPr>
+        <p:txBody>
+          <a:bodyPr wrap="square" rtlCol="0">
+            <a:spAutoFit/>
+          </a:bodyPr>
+          <a:lstStyle/>
+          <a:p>
+            <a:r>
+              <a:rPr lang="en-US" altLang="ko-KR" dirty="0" smtClean="0">
+                <a:solidFill>
+                  <a:srgbClr val="FF0000"/>
+                </a:solidFill>
+              </a:rPr>
+              <a:t>Group of terms having similar biological meaning </a:t>
+            </a:r>
+            <a:endParaRPr lang="ko-KR" altLang="en-US" dirty="0">
+              <a:solidFill>
+                <a:srgbClr val="FF0000"/>
+              </a:solidFill>
+            </a:endParaRPr>
+          </a:p>
+        </p:txBody>
+      </p:sp>
     </p:spTree>
     <p:extLst>
       <p:ext uri="{BB962C8B-B14F-4D97-AF65-F5344CB8AC3E}">
@@ -3442,13 +4887,334 @@
           <a:lstStyle/>
           <a:p>
             <a:r>
-              <a:rPr lang="en-US" altLang="ko-KR" dirty="0">
-                <a:latin typeface="Arial" panose="020B0604020202020204" pitchFamily="34" charset="0"/>
-                <a:cs typeface="Arial" panose="020B0604020202020204" pitchFamily="34" charset="0"/>
-              </a:rPr>
-              <a:t>What is Ontology?</a:t>
-            </a:r>
-            <a:endParaRPr lang="ko-KR" altLang="en-US" dirty="0">
+              <a:rPr lang="en-US" altLang="ko-KR" b="1" dirty="0">
+                <a:latin typeface="Arial" panose="020B0604020202020204" pitchFamily="34" charset="0"/>
+                <a:cs typeface="Arial" panose="020B0604020202020204" pitchFamily="34" charset="0"/>
+              </a:rPr>
+              <a:t>5. Gene ontology analysis</a:t>
+            </a:r>
+            <a:br>
+              <a:rPr lang="en-US" altLang="ko-KR" b="1" dirty="0">
+                <a:latin typeface="Arial" panose="020B0604020202020204" pitchFamily="34" charset="0"/>
+                <a:cs typeface="Arial" panose="020B0604020202020204" pitchFamily="34" charset="0"/>
+              </a:rPr>
+            </a:br>
+            <a:r>
+              <a:rPr lang="en-US" altLang="ko-KR" sz="2400" b="1" dirty="0" smtClean="0">
+                <a:latin typeface="Arial" panose="020B0604020202020204" pitchFamily="34" charset="0"/>
+                <a:cs typeface="Arial" panose="020B0604020202020204" pitchFamily="34" charset="0"/>
+              </a:rPr>
+              <a:t>GO Term</a:t>
+            </a:r>
+            <a:endParaRPr lang="ko-KR" altLang="en-US" sz="2400" dirty="0">
+              <a:latin typeface="Arial" panose="020B0604020202020204" pitchFamily="34" charset="0"/>
+              <a:cs typeface="Arial" panose="020B0604020202020204" pitchFamily="34" charset="0"/>
+            </a:endParaRPr>
+          </a:p>
+        </p:txBody>
+      </p:sp>
+      <p:pic>
+        <p:nvPicPr>
+          <p:cNvPr id="1026" name="Picture 2" descr="Gene Ontology analysis of Mtb glycoproteins. The gene ontology analysis showed that the majority of the glycoproteins identified were localized in the cell wall and plasma membrane while lipid homeostasis, fatty acid metabolism, and response to the host immune system were among the enriched biological processes."/>
+          <p:cNvPicPr>
+            <a:picLocks noChangeAspect="1" noChangeArrowheads="1"/>
+          </p:cNvPicPr>
+          <p:nvPr/>
+        </p:nvPicPr>
+        <p:blipFill>
+          <a:blip r:embed="rId2">
+            <a:extLst>
+              <a:ext uri="{28A0092B-C50C-407E-A947-70E740481C1C}">
+                <a14:useLocalDpi xmlns:a14="http://schemas.microsoft.com/office/drawing/2010/main" val="0"/>
+              </a:ext>
+            </a:extLst>
+          </a:blip>
+          <a:srcRect/>
+          <a:stretch>
+            <a:fillRect/>
+          </a:stretch>
+        </p:blipFill>
+        <p:spPr bwMode="auto">
+          <a:xfrm>
+            <a:off x="1006116" y="1585913"/>
+            <a:ext cx="4756509" cy="5041900"/>
+          </a:xfrm>
+          <a:prstGeom prst="rect">
+            <a:avLst/>
+          </a:prstGeom>
+          <a:noFill/>
+          <a:extLst>
+            <a:ext uri="{909E8E84-426E-40DD-AFC4-6F175D3DCCD1}">
+              <a14:hiddenFill xmlns:a14="http://schemas.microsoft.com/office/drawing/2010/main">
+                <a:solidFill>
+                  <a:srgbClr val="FFFFFF"/>
+                </a:solidFill>
+              </a14:hiddenFill>
+            </a:ext>
+          </a:extLst>
+        </p:spPr>
+      </p:pic>
+      <p:sp>
+        <p:nvSpPr>
+          <p:cNvPr id="8" name="내용 개체 틀 2"/>
+          <p:cNvSpPr>
+            <a:spLocks noGrp="1"/>
+          </p:cNvSpPr>
+          <p:nvPr>
+            <p:ph idx="1"/>
+          </p:nvPr>
+        </p:nvSpPr>
+        <p:spPr>
+          <a:xfrm>
+            <a:off x="6048376" y="1825625"/>
+            <a:ext cx="5562599" cy="4351338"/>
+          </a:xfrm>
+        </p:spPr>
+        <p:txBody>
+          <a:bodyPr>
+            <a:normAutofit/>
+          </a:bodyPr>
+          <a:lstStyle/>
+          <a:p>
+            <a:r>
+              <a:rPr lang="en-US" altLang="ko-KR" sz="2400" dirty="0" smtClean="0">
+                <a:latin typeface="Arial" panose="020B0604020202020204" pitchFamily="34" charset="0"/>
+                <a:cs typeface="Arial" panose="020B0604020202020204" pitchFamily="34" charset="0"/>
+              </a:rPr>
+              <a:t>GO </a:t>
+            </a:r>
+            <a:r>
+              <a:rPr lang="ko-KR" altLang="en-US" sz="2400" dirty="0" smtClean="0">
+                <a:latin typeface="Arial" panose="020B0604020202020204" pitchFamily="34" charset="0"/>
+                <a:cs typeface="Arial" panose="020B0604020202020204" pitchFamily="34" charset="0"/>
+              </a:rPr>
+              <a:t>분석이란</a:t>
+            </a:r>
+            <a:r>
+              <a:rPr lang="en-US" altLang="ko-KR" sz="2400" dirty="0" smtClean="0">
+                <a:latin typeface="Arial" panose="020B0604020202020204" pitchFamily="34" charset="0"/>
+                <a:cs typeface="Arial" panose="020B0604020202020204" pitchFamily="34" charset="0"/>
+              </a:rPr>
+              <a:t>, </a:t>
+            </a:r>
+            <a:r>
+              <a:rPr lang="ko-KR" altLang="en-US" sz="2400" dirty="0" smtClean="0">
+                <a:latin typeface="Arial" panose="020B0604020202020204" pitchFamily="34" charset="0"/>
+                <a:cs typeface="Arial" panose="020B0604020202020204" pitchFamily="34" charset="0"/>
+              </a:rPr>
+              <a:t>유의미한 </a:t>
+            </a:r>
+            <a:r>
+              <a:rPr lang="en-US" altLang="ko-KR" sz="2400" dirty="0" smtClean="0">
+                <a:latin typeface="Arial" panose="020B0604020202020204" pitchFamily="34" charset="0"/>
+                <a:cs typeface="Arial" panose="020B0604020202020204" pitchFamily="34" charset="0"/>
+              </a:rPr>
+              <a:t>gene </a:t>
+            </a:r>
+            <a:r>
+              <a:rPr lang="en-US" altLang="ko-KR" sz="2400" dirty="0">
+                <a:latin typeface="Arial" panose="020B0604020202020204" pitchFamily="34" charset="0"/>
+                <a:cs typeface="Arial" panose="020B0604020202020204" pitchFamily="34" charset="0"/>
+              </a:rPr>
+              <a:t>list</a:t>
+            </a:r>
+            <a:r>
+              <a:rPr lang="ko-KR" altLang="en-US" sz="2400" dirty="0">
+                <a:latin typeface="Arial" panose="020B0604020202020204" pitchFamily="34" charset="0"/>
+                <a:cs typeface="Arial" panose="020B0604020202020204" pitchFamily="34" charset="0"/>
+              </a:rPr>
+              <a:t>에 대한 특정 </a:t>
+            </a:r>
+            <a:r>
+              <a:rPr lang="en-US" altLang="ko-KR" sz="2400" b="1" dirty="0">
+                <a:latin typeface="Arial" panose="020B0604020202020204" pitchFamily="34" charset="0"/>
+                <a:cs typeface="Arial" panose="020B0604020202020204" pitchFamily="34" charset="0"/>
+              </a:rPr>
+              <a:t>biological pathway</a:t>
+            </a:r>
+            <a:r>
+              <a:rPr lang="ko-KR" altLang="en-US" sz="2400" dirty="0">
+                <a:latin typeface="Arial" panose="020B0604020202020204" pitchFamily="34" charset="0"/>
+                <a:cs typeface="Arial" panose="020B0604020202020204" pitchFamily="34" charset="0"/>
+              </a:rPr>
+              <a:t>와의 </a:t>
+            </a:r>
+            <a:r>
+              <a:rPr lang="ko-KR" altLang="en-US" sz="2400" b="1" dirty="0">
+                <a:latin typeface="Arial" panose="020B0604020202020204" pitchFamily="34" charset="0"/>
+                <a:cs typeface="Arial" panose="020B0604020202020204" pitchFamily="34" charset="0"/>
+              </a:rPr>
+              <a:t>연관성</a:t>
+            </a:r>
+            <a:r>
+              <a:rPr lang="ko-KR" altLang="en-US" sz="2400" dirty="0">
+                <a:latin typeface="Arial" panose="020B0604020202020204" pitchFamily="34" charset="0"/>
+                <a:cs typeface="Arial" panose="020B0604020202020204" pitchFamily="34" charset="0"/>
+              </a:rPr>
+              <a:t>을 보는 </a:t>
+            </a:r>
+            <a:r>
+              <a:rPr lang="ko-KR" altLang="en-US" sz="2400" dirty="0" smtClean="0">
+                <a:latin typeface="Arial" panose="020B0604020202020204" pitchFamily="34" charset="0"/>
+                <a:cs typeface="Arial" panose="020B0604020202020204" pitchFamily="34" charset="0"/>
+              </a:rPr>
+              <a:t>것</a:t>
+            </a:r>
+            <a:endParaRPr lang="en-US" altLang="ko-KR" sz="2400" dirty="0" smtClean="0">
+              <a:latin typeface="Arial" panose="020B0604020202020204" pitchFamily="34" charset="0"/>
+              <a:cs typeface="Arial" panose="020B0604020202020204" pitchFamily="34" charset="0"/>
+            </a:endParaRPr>
+          </a:p>
+          <a:p>
+            <a:endParaRPr lang="en-US" altLang="ko-KR" sz="2400" dirty="0">
+              <a:latin typeface="Arial" panose="020B0604020202020204" pitchFamily="34" charset="0"/>
+              <a:cs typeface="Arial" panose="020B0604020202020204" pitchFamily="34" charset="0"/>
+            </a:endParaRPr>
+          </a:p>
+          <a:p>
+            <a:r>
+              <a:rPr lang="ko-KR" altLang="en-US" sz="2400" dirty="0" smtClean="0">
+                <a:latin typeface="Arial" panose="020B0604020202020204" pitchFamily="34" charset="0"/>
+                <a:cs typeface="Arial" panose="020B0604020202020204" pitchFamily="34" charset="0"/>
+              </a:rPr>
+              <a:t>본 실습에서는 </a:t>
+            </a:r>
+            <a:r>
+              <a:rPr lang="en-US" altLang="ko-KR" sz="2400" b="1" dirty="0" smtClean="0">
+                <a:latin typeface="Arial" panose="020B0604020202020204" pitchFamily="34" charset="0"/>
+                <a:cs typeface="Arial" panose="020B0604020202020204" pitchFamily="34" charset="0"/>
+              </a:rPr>
+              <a:t>Gene Ontology(GO)</a:t>
+            </a:r>
+            <a:r>
+              <a:rPr lang="ko-KR" altLang="en-US" sz="2400" dirty="0" smtClean="0">
+                <a:latin typeface="Arial" panose="020B0604020202020204" pitchFamily="34" charset="0"/>
+                <a:cs typeface="Arial" panose="020B0604020202020204" pitchFamily="34" charset="0"/>
+              </a:rPr>
+              <a:t>에 대한 개념 설명과 </a:t>
+            </a:r>
+            <a:r>
+              <a:rPr lang="en-US" altLang="ko-KR" sz="2400" b="1" dirty="0" smtClean="0">
+                <a:latin typeface="Arial" panose="020B0604020202020204" pitchFamily="34" charset="0"/>
+                <a:cs typeface="Arial" panose="020B0604020202020204" pitchFamily="34" charset="0"/>
+              </a:rPr>
+              <a:t>DAVID</a:t>
+            </a:r>
+            <a:r>
+              <a:rPr lang="en-US" altLang="ko-KR" sz="2400" dirty="0" smtClean="0">
+                <a:latin typeface="Arial" panose="020B0604020202020204" pitchFamily="34" charset="0"/>
+                <a:cs typeface="Arial" panose="020B0604020202020204" pitchFamily="34" charset="0"/>
+              </a:rPr>
+              <a:t> </a:t>
+            </a:r>
+            <a:r>
+              <a:rPr lang="ko-KR" altLang="en-US" sz="2400" dirty="0" smtClean="0">
+                <a:latin typeface="Arial" panose="020B0604020202020204" pitchFamily="34" charset="0"/>
+                <a:cs typeface="Arial" panose="020B0604020202020204" pitchFamily="34" charset="0"/>
+              </a:rPr>
+              <a:t>라는 </a:t>
+            </a:r>
+            <a:r>
+              <a:rPr lang="en-US" altLang="ko-KR" sz="2400" dirty="0" smtClean="0">
+                <a:latin typeface="Arial" panose="020B0604020202020204" pitchFamily="34" charset="0"/>
+                <a:cs typeface="Arial" panose="020B0604020202020204" pitchFamily="34" charset="0"/>
+              </a:rPr>
+              <a:t>GO </a:t>
+            </a:r>
+            <a:r>
+              <a:rPr lang="ko-KR" altLang="en-US" sz="2400" dirty="0" smtClean="0">
+                <a:latin typeface="Arial" panose="020B0604020202020204" pitchFamily="34" charset="0"/>
+                <a:cs typeface="Arial" panose="020B0604020202020204" pitchFamily="34" charset="0"/>
+              </a:rPr>
+              <a:t>분석 툴 사용법을 소개하겠습니다</a:t>
+            </a:r>
+            <a:r>
+              <a:rPr lang="en-US" altLang="ko-KR" sz="2400" dirty="0" smtClean="0">
+                <a:latin typeface="Arial" panose="020B0604020202020204" pitchFamily="34" charset="0"/>
+                <a:cs typeface="Arial" panose="020B0604020202020204" pitchFamily="34" charset="0"/>
+              </a:rPr>
+              <a:t>.</a:t>
+            </a:r>
+            <a:endParaRPr lang="en-US" altLang="ko-KR" sz="2400" dirty="0">
+              <a:latin typeface="Arial" panose="020B0604020202020204" pitchFamily="34" charset="0"/>
+              <a:cs typeface="Arial" panose="020B0604020202020204" pitchFamily="34" charset="0"/>
+            </a:endParaRPr>
+          </a:p>
+        </p:txBody>
+      </p:sp>
+    </p:spTree>
+    <p:extLst>
+      <p:ext uri="{BB962C8B-B14F-4D97-AF65-F5344CB8AC3E}">
+        <p14:creationId xmlns:p14="http://schemas.microsoft.com/office/powerpoint/2010/main" val="601431997"/>
+      </p:ext>
+    </p:extLst>
+  </p:cSld>
+  <p:clrMapOvr>
+    <a:masterClrMapping/>
+  </p:clrMapOvr>
+  <p:timing>
+    <p:tnLst>
+      <p:par>
+        <p:cTn id="1" dur="indefinite" restart="never" nodeType="tmRoot"/>
+      </p:par>
+    </p:tnLst>
+  </p:timing>
+</p:sld>
+</file>
+
+<file path=ppt/slides/slide3.xml><?xml version="1.0" encoding="utf-8"?>
+<p:sld xmlns:a="http://schemas.openxmlformats.org/drawingml/2006/main" xmlns:r="http://schemas.openxmlformats.org/officeDocument/2006/relationships" xmlns:p="http://schemas.openxmlformats.org/presentationml/2006/main">
+  <p:cSld>
+    <p:spTree>
+      <p:nvGrpSpPr>
+        <p:cNvPr id="1" name=""/>
+        <p:cNvGrpSpPr/>
+        <p:nvPr/>
+      </p:nvGrpSpPr>
+      <p:grpSpPr>
+        <a:xfrm>
+          <a:off x="0" y="0"/>
+          <a:ext cx="0" cy="0"/>
+          <a:chOff x="0" y="0"/>
+          <a:chExt cx="0" cy="0"/>
+        </a:xfrm>
+      </p:grpSpPr>
+      <p:sp>
+        <p:nvSpPr>
+          <p:cNvPr id="2" name="제목 1"/>
+          <p:cNvSpPr>
+            <a:spLocks noGrp="1"/>
+          </p:cNvSpPr>
+          <p:nvPr>
+            <p:ph type="title"/>
+          </p:nvPr>
+        </p:nvSpPr>
+        <p:spPr/>
+        <p:txBody>
+          <a:bodyPr/>
+          <a:lstStyle/>
+          <a:p>
+            <a:r>
+              <a:rPr lang="en-US" altLang="ko-KR" b="1" dirty="0">
+                <a:latin typeface="Arial" panose="020B0604020202020204" pitchFamily="34" charset="0"/>
+                <a:cs typeface="Arial" panose="020B0604020202020204" pitchFamily="34" charset="0"/>
+              </a:rPr>
+              <a:t>5. Gene ontology analysis</a:t>
+            </a:r>
+            <a:br>
+              <a:rPr lang="en-US" altLang="ko-KR" b="1" dirty="0">
+                <a:latin typeface="Arial" panose="020B0604020202020204" pitchFamily="34" charset="0"/>
+                <a:cs typeface="Arial" panose="020B0604020202020204" pitchFamily="34" charset="0"/>
+              </a:rPr>
+            </a:br>
+            <a:r>
+              <a:rPr lang="en-US" altLang="ko-KR" sz="2400" b="1" dirty="0" smtClean="0">
+                <a:latin typeface="Arial" panose="020B0604020202020204" pitchFamily="34" charset="0"/>
+                <a:cs typeface="Arial" panose="020B0604020202020204" pitchFamily="34" charset="0"/>
+              </a:rPr>
+              <a:t>GO Term</a:t>
+            </a:r>
+            <a:endParaRPr lang="ko-KR" altLang="en-US" sz="2400" dirty="0">
               <a:latin typeface="Arial" panose="020B0604020202020204" pitchFamily="34" charset="0"/>
               <a:cs typeface="Arial" panose="020B0604020202020204" pitchFamily="34" charset="0"/>
             </a:endParaRPr>
@@ -3494,10 +5260,17 @@
                 <a:latin typeface="Arial" panose="020B0604020202020204" pitchFamily="34" charset="0"/>
                 <a:cs typeface="Arial" panose="020B0604020202020204" pitchFamily="34" charset="0"/>
               </a:rPr>
-              <a:t>특정 영역에서 모두가 합의된 지식을 개념적으로 표현한 모델로 개념</a:t>
-            </a:r>
-            <a:r>
-              <a:rPr lang="en-US" altLang="ko-KR" dirty="0">
+              <a:t>특정 영역에서 모두가 합의된 지식을 개념적으로 표현한 모델로 </a:t>
+            </a:r>
+            <a:r>
+              <a:rPr lang="ko-KR" altLang="en-US" b="1" dirty="0">
+                <a:latin typeface="Arial" panose="020B0604020202020204" pitchFamily="34" charset="0"/>
+                <a:cs typeface="Arial" panose="020B0604020202020204" pitchFamily="34" charset="0"/>
+              </a:rPr>
+              <a:t>개념</a:t>
+            </a:r>
+            <a:r>
+              <a:rPr lang="en-US" altLang="ko-KR" b="1" dirty="0">
                 <a:latin typeface="Arial" panose="020B0604020202020204" pitchFamily="34" charset="0"/>
                 <a:cs typeface="Arial" panose="020B0604020202020204" pitchFamily="34" charset="0"/>
               </a:rPr>
@@ -3508,10 +5281,17 @@
                 <a:latin typeface="Arial" panose="020B0604020202020204" pitchFamily="34" charset="0"/>
                 <a:cs typeface="Arial" panose="020B0604020202020204" pitchFamily="34" charset="0"/>
               </a:rPr>
-              <a:t>과 관계</a:t>
-            </a:r>
-            <a:r>
-              <a:rPr lang="en-US" altLang="ko-KR" dirty="0">
+              <a:t>과 </a:t>
+            </a:r>
+            <a:r>
+              <a:rPr lang="ko-KR" altLang="en-US" b="1" dirty="0">
+                <a:latin typeface="Arial" panose="020B0604020202020204" pitchFamily="34" charset="0"/>
+                <a:cs typeface="Arial" panose="020B0604020202020204" pitchFamily="34" charset="0"/>
+              </a:rPr>
+              <a:t>관계</a:t>
+            </a:r>
+            <a:r>
+              <a:rPr lang="en-US" altLang="ko-KR" b="1" dirty="0">
                 <a:latin typeface="Arial" panose="020B0604020202020204" pitchFamily="34" charset="0"/>
                 <a:cs typeface="Arial" panose="020B0604020202020204" pitchFamily="34" charset="0"/>
               </a:rPr>
@@ -3522,7 +5302,21 @@
                 <a:latin typeface="Arial" panose="020B0604020202020204" pitchFamily="34" charset="0"/>
                 <a:cs typeface="Arial" panose="020B0604020202020204" pitchFamily="34" charset="0"/>
               </a:rPr>
-              <a:t>으로 이루어짐</a:t>
+              <a:t>으로 </a:t>
+            </a:r>
+            <a:r>
+              <a:rPr lang="ko-KR" altLang="en-US" dirty="0" smtClean="0">
+                <a:latin typeface="Arial" panose="020B0604020202020204" pitchFamily="34" charset="0"/>
+                <a:cs typeface="Arial" panose="020B0604020202020204" pitchFamily="34" charset="0"/>
+              </a:rPr>
+              <a:t>이루어</a:t>
+            </a:r>
+            <a:r>
+              <a:rPr lang="ko-KR" altLang="en-US" dirty="0" smtClean="0">
+                <a:latin typeface="Arial" panose="020B0604020202020204" pitchFamily="34" charset="0"/>
+                <a:cs typeface="Arial" panose="020B0604020202020204" pitchFamily="34" charset="0"/>
+              </a:rPr>
+              <a:t>집니다</a:t>
             </a:r>
             <a:endParaRPr lang="en-US" altLang="ko-KR" dirty="0">
               <a:latin typeface="Arial" panose="020B0604020202020204" pitchFamily="34" charset="0"/>
@@ -3580,191 +5374,13 @@
   <p:clrMapOvr>
     <a:masterClrMapping/>
   </p:clrMapOvr>
-</p:sld>
-</file>
-
-<file path=ppt/slides/slide3.xml><?xml version="1.0" encoding="utf-8"?>
-<p:sld xmlns:a="http://schemas.openxmlformats.org/drawingml/2006/main" xmlns:r="http://schemas.openxmlformats.org/officeDocument/2006/relationships" xmlns:p="http://schemas.openxmlformats.org/presentationml/2006/main">
-  <p:cSld>
-    <p:spTree>
-      <p:nvGrpSpPr>
-        <p:cNvPr id="1" name=""/>
-        <p:cNvGrpSpPr/>
-        <p:nvPr/>
-      </p:nvGrpSpPr>
-      <p:grpSpPr>
-        <a:xfrm>
-          <a:off x="0" y="0"/>
-          <a:ext cx="0" cy="0"/>
-          <a:chOff x="0" y="0"/>
-          <a:chExt cx="0" cy="0"/>
-        </a:xfrm>
-      </p:grpSpPr>
-      <p:sp>
-        <p:nvSpPr>
-          <p:cNvPr id="2" name="제목 1"/>
-          <p:cNvSpPr>
-            <a:spLocks noGrp="1"/>
-          </p:cNvSpPr>
-          <p:nvPr>
-            <p:ph type="title"/>
-          </p:nvPr>
-        </p:nvSpPr>
-        <p:spPr/>
-        <p:txBody>
-          <a:bodyPr/>
-          <a:lstStyle/>
-          <a:p>
-            <a:r>
-              <a:rPr lang="en-US" altLang="ko-KR" dirty="0">
-                <a:latin typeface="Arial" panose="020B0604020202020204" pitchFamily="34" charset="0"/>
-                <a:cs typeface="Arial" panose="020B0604020202020204" pitchFamily="34" charset="0"/>
-              </a:rPr>
-              <a:t>Gene Ontology</a:t>
-            </a:r>
-            <a:endParaRPr lang="ko-KR" altLang="en-US" dirty="0">
-              <a:latin typeface="Arial" panose="020B0604020202020204" pitchFamily="34" charset="0"/>
-              <a:cs typeface="Arial" panose="020B0604020202020204" pitchFamily="34" charset="0"/>
-            </a:endParaRPr>
-          </a:p>
-        </p:txBody>
-      </p:sp>
-      <p:pic>
-        <p:nvPicPr>
-          <p:cNvPr id="6" name="그림 5"/>
-          <p:cNvPicPr>
-            <a:picLocks noChangeAspect="1"/>
-          </p:cNvPicPr>
-          <p:nvPr/>
-        </p:nvPicPr>
-        <p:blipFill>
-          <a:blip r:embed="rId2"/>
-          <a:stretch>
-            <a:fillRect/>
-          </a:stretch>
-        </p:blipFill>
-        <p:spPr>
-          <a:xfrm>
-            <a:off x="838200" y="2163523"/>
-            <a:ext cx="3210629" cy="3324481"/>
-          </a:xfrm>
-          <a:prstGeom prst="rect">
-            <a:avLst/>
-          </a:prstGeom>
-        </p:spPr>
-      </p:pic>
-      <p:sp>
-        <p:nvSpPr>
-          <p:cNvPr id="7" name="TextBox 6"/>
-          <p:cNvSpPr txBox="1"/>
-          <p:nvPr/>
-        </p:nvSpPr>
-        <p:spPr>
-          <a:xfrm>
-            <a:off x="4310448" y="2625682"/>
-            <a:ext cx="7642655" cy="2308324"/>
-          </a:xfrm>
-          <a:prstGeom prst="rect">
-            <a:avLst/>
-          </a:prstGeom>
-          <a:noFill/>
-        </p:spPr>
-        <p:txBody>
-          <a:bodyPr wrap="square" rtlCol="0">
-            <a:spAutoFit/>
-          </a:bodyPr>
-          <a:lstStyle/>
-          <a:p>
-            <a:pPr marL="342900" indent="-342900">
-              <a:lnSpc>
-                <a:spcPct val="150000"/>
-              </a:lnSpc>
-              <a:buFont typeface="Wingdings" panose="05000000000000000000" pitchFamily="2" charset="2"/>
-              <a:buChar char="Ø"/>
-            </a:pPr>
-            <a:r>
-              <a:rPr lang="ko-KR" altLang="en-US" sz="2400" dirty="0">
-                <a:latin typeface="Arial" panose="020B0604020202020204" pitchFamily="34" charset="0"/>
-                <a:cs typeface="Arial" panose="020B0604020202020204" pitchFamily="34" charset="0"/>
-              </a:rPr>
-              <a:t>모든 유전자를 크게 </a:t>
-            </a:r>
-            <a:r>
-              <a:rPr lang="en-US" altLang="ko-KR" sz="2400" dirty="0">
-                <a:latin typeface="Arial" panose="020B0604020202020204" pitchFamily="34" charset="0"/>
-                <a:cs typeface="Arial" panose="020B0604020202020204" pitchFamily="34" charset="0"/>
-              </a:rPr>
-              <a:t>3</a:t>
-            </a:r>
-            <a:r>
-              <a:rPr lang="ko-KR" altLang="en-US" sz="2400" dirty="0">
-                <a:latin typeface="Arial" panose="020B0604020202020204" pitchFamily="34" charset="0"/>
-                <a:cs typeface="Arial" panose="020B0604020202020204" pitchFamily="34" charset="0"/>
-              </a:rPr>
-              <a:t>가지 카테고리</a:t>
-            </a:r>
-            <a:endParaRPr lang="en-US" altLang="ko-KR" sz="2400" dirty="0">
-              <a:latin typeface="Arial" panose="020B0604020202020204" pitchFamily="34" charset="0"/>
-              <a:cs typeface="Arial" panose="020B0604020202020204" pitchFamily="34" charset="0"/>
-            </a:endParaRPr>
-          </a:p>
-          <a:p>
-            <a:pPr>
-              <a:lnSpc>
-                <a:spcPct val="150000"/>
-              </a:lnSpc>
-            </a:pPr>
-            <a:r>
-              <a:rPr lang="en-US" altLang="ko-KR" sz="2400" dirty="0">
-                <a:latin typeface="Arial" panose="020B0604020202020204" pitchFamily="34" charset="0"/>
-                <a:cs typeface="Arial" panose="020B0604020202020204" pitchFamily="34" charset="0"/>
-              </a:rPr>
-              <a:t>: cellular component, molecular function,                    biological process</a:t>
-            </a:r>
-            <a:r>
-              <a:rPr lang="ko-KR" altLang="en-US" sz="2400" dirty="0">
-                <a:latin typeface="Arial" panose="020B0604020202020204" pitchFamily="34" charset="0"/>
-                <a:cs typeface="Arial" panose="020B0604020202020204" pitchFamily="34" charset="0"/>
-              </a:rPr>
-              <a:t>로 분류</a:t>
-            </a:r>
-            <a:endParaRPr lang="en-US" altLang="ko-KR" sz="2400" dirty="0">
-              <a:latin typeface="Arial" panose="020B0604020202020204" pitchFamily="34" charset="0"/>
-              <a:cs typeface="Arial" panose="020B0604020202020204" pitchFamily="34" charset="0"/>
-            </a:endParaRPr>
-          </a:p>
-          <a:p>
-            <a:pPr marL="342900" indent="-342900">
-              <a:lnSpc>
-                <a:spcPct val="150000"/>
-              </a:lnSpc>
-              <a:buFont typeface="Wingdings" panose="05000000000000000000" pitchFamily="2" charset="2"/>
-              <a:buChar char="Ø"/>
-            </a:pPr>
-            <a:r>
-              <a:rPr lang="ko-KR" altLang="en-US" sz="2400" dirty="0">
-                <a:latin typeface="Arial" panose="020B0604020202020204" pitchFamily="34" charset="0"/>
-                <a:cs typeface="Arial" panose="020B0604020202020204" pitchFamily="34" charset="0"/>
-              </a:rPr>
-              <a:t>각 유전자마다 코드를 설정하고 그들의 관계를 정의</a:t>
-            </a:r>
-            <a:endParaRPr lang="en-US" altLang="ko-KR" sz="2400" dirty="0">
-              <a:latin typeface="Arial" panose="020B0604020202020204" pitchFamily="34" charset="0"/>
-              <a:cs typeface="Arial" panose="020B0604020202020204" pitchFamily="34" charset="0"/>
-            </a:endParaRPr>
-          </a:p>
-        </p:txBody>
-      </p:sp>
-    </p:spTree>
-    <p:extLst>
-      <p:ext uri="{BB962C8B-B14F-4D97-AF65-F5344CB8AC3E}">
-        <p14:creationId xmlns:p14="http://schemas.microsoft.com/office/powerpoint/2010/main" val="2521440712"/>
-      </p:ext>
-    </p:extLst>
-  </p:cSld>
-  <p:clrMapOvr>
-    <a:masterClrMapping/>
-  </p:clrMapOvr>
+  <p:timing>
+    <p:tnLst>
+      <p:par>
+        <p:cTn id="1" dur="indefinite" restart="never" nodeType="tmRoot"/>
+      </p:par>
+    </p:tnLst>
+  </p:timing>
 </p:sld>
 </file>
 
@@ -3801,19 +5417,421 @@
           <a:lstStyle/>
           <a:p>
             <a:r>
+              <a:rPr lang="en-US" altLang="ko-KR" b="1" dirty="0">
+                <a:latin typeface="Arial" panose="020B0604020202020204" pitchFamily="34" charset="0"/>
+                <a:cs typeface="Arial" panose="020B0604020202020204" pitchFamily="34" charset="0"/>
+              </a:rPr>
+              <a:t>5. Gene ontology analysis</a:t>
+            </a:r>
+            <a:br>
+              <a:rPr lang="en-US" altLang="ko-KR" b="1" dirty="0">
+                <a:latin typeface="Arial" panose="020B0604020202020204" pitchFamily="34" charset="0"/>
+                <a:cs typeface="Arial" panose="020B0604020202020204" pitchFamily="34" charset="0"/>
+              </a:rPr>
+            </a:br>
+            <a:r>
+              <a:rPr lang="en-US" altLang="ko-KR" sz="2400" b="1" dirty="0">
+                <a:latin typeface="Arial" panose="020B0604020202020204" pitchFamily="34" charset="0"/>
+                <a:cs typeface="Arial" panose="020B0604020202020204" pitchFamily="34" charset="0"/>
+              </a:rPr>
+              <a:t>GO Term</a:t>
+            </a:r>
+            <a:endParaRPr lang="ko-KR" altLang="en-US" sz="2400" dirty="0">
+              <a:latin typeface="Arial" panose="020B0604020202020204" pitchFamily="34" charset="0"/>
+              <a:cs typeface="Arial" panose="020B0604020202020204" pitchFamily="34" charset="0"/>
+            </a:endParaRPr>
+          </a:p>
+        </p:txBody>
+      </p:sp>
+      <p:pic>
+        <p:nvPicPr>
+          <p:cNvPr id="5" name="그림 4"/>
+          <p:cNvPicPr>
+            <a:picLocks noChangeAspect="1"/>
+          </p:cNvPicPr>
+          <p:nvPr/>
+        </p:nvPicPr>
+        <p:blipFill>
+          <a:blip r:embed="rId2"/>
+          <a:stretch>
+            <a:fillRect/>
+          </a:stretch>
+        </p:blipFill>
+        <p:spPr>
+          <a:xfrm>
+            <a:off x="838200" y="2451097"/>
+            <a:ext cx="3113014" cy="3223405"/>
+          </a:xfrm>
+          <a:prstGeom prst="rect">
+            <a:avLst/>
+          </a:prstGeom>
+        </p:spPr>
+      </p:pic>
+      <p:sp>
+        <p:nvSpPr>
+          <p:cNvPr id="8" name="TextBox 7"/>
+          <p:cNvSpPr txBox="1"/>
+          <p:nvPr/>
+        </p:nvSpPr>
+        <p:spPr>
+          <a:xfrm>
+            <a:off x="4226558" y="1881304"/>
+            <a:ext cx="7642655" cy="3277820"/>
+          </a:xfrm>
+          <a:prstGeom prst="rect">
+            <a:avLst/>
+          </a:prstGeom>
+          <a:noFill/>
+        </p:spPr>
+        <p:txBody>
+          <a:bodyPr wrap="square" rtlCol="0">
+            <a:spAutoFit/>
+          </a:bodyPr>
+          <a:lstStyle/>
+          <a:p>
+            <a:pPr marL="342900" indent="-342900">
+              <a:lnSpc>
+                <a:spcPct val="150000"/>
+              </a:lnSpc>
+              <a:buFont typeface="Wingdings" panose="05000000000000000000" pitchFamily="2" charset="2"/>
+              <a:buChar char="Ø"/>
+            </a:pPr>
+            <a:r>
+              <a:rPr lang="ko-KR" altLang="en-US" sz="2400" dirty="0">
+                <a:latin typeface="Arial" panose="020B0604020202020204" pitchFamily="34" charset="0"/>
+                <a:cs typeface="Arial" panose="020B0604020202020204" pitchFamily="34" charset="0"/>
+              </a:rPr>
+              <a:t>모든 유전자를 크게 </a:t>
+            </a:r>
+            <a:r>
+              <a:rPr lang="en-US" altLang="ko-KR" sz="2400" dirty="0">
+                <a:latin typeface="Arial" panose="020B0604020202020204" pitchFamily="34" charset="0"/>
+                <a:cs typeface="Arial" panose="020B0604020202020204" pitchFamily="34" charset="0"/>
+              </a:rPr>
+              <a:t>3</a:t>
+            </a:r>
+            <a:r>
+              <a:rPr lang="ko-KR" altLang="en-US" sz="2400" dirty="0">
+                <a:latin typeface="Arial" panose="020B0604020202020204" pitchFamily="34" charset="0"/>
+                <a:cs typeface="Arial" panose="020B0604020202020204" pitchFamily="34" charset="0"/>
+              </a:rPr>
+              <a:t>가지 카테고리화</a:t>
+            </a:r>
+            <a:endParaRPr lang="en-US" altLang="ko-KR" sz="2400" dirty="0">
+              <a:latin typeface="Arial" panose="020B0604020202020204" pitchFamily="34" charset="0"/>
+              <a:cs typeface="Arial" panose="020B0604020202020204" pitchFamily="34" charset="0"/>
+            </a:endParaRPr>
+          </a:p>
+          <a:p>
+            <a:pPr marL="457200" indent="-457200">
+              <a:lnSpc>
+                <a:spcPct val="150000"/>
+              </a:lnSpc>
+              <a:buAutoNum type="arabicParenR"/>
+            </a:pPr>
+            <a:r>
+              <a:rPr lang="en-US" altLang="ko-KR" sz="2000" b="1" dirty="0" smtClean="0">
+                <a:latin typeface="Arial" panose="020B0604020202020204" pitchFamily="34" charset="0"/>
+                <a:cs typeface="Arial" panose="020B0604020202020204" pitchFamily="34" charset="0"/>
+              </a:rPr>
+              <a:t>Cellular </a:t>
+            </a:r>
+            <a:r>
+              <a:rPr lang="en-US" altLang="ko-KR" sz="2000" b="1" dirty="0">
+                <a:latin typeface="Arial" panose="020B0604020202020204" pitchFamily="34" charset="0"/>
+                <a:cs typeface="Arial" panose="020B0604020202020204" pitchFamily="34" charset="0"/>
+              </a:rPr>
+              <a:t>component(</a:t>
+            </a:r>
+            <a:r>
+              <a:rPr lang="ko-KR" altLang="en-US" sz="2000" b="1" dirty="0">
+                <a:latin typeface="Arial" panose="020B0604020202020204" pitchFamily="34" charset="0"/>
+                <a:cs typeface="Arial" panose="020B0604020202020204" pitchFamily="34" charset="0"/>
+              </a:rPr>
+              <a:t>세포 구성 요소</a:t>
+            </a:r>
+            <a:r>
+              <a:rPr lang="en-US" altLang="ko-KR" sz="2000" b="1" dirty="0">
+                <a:latin typeface="Arial" panose="020B0604020202020204" pitchFamily="34" charset="0"/>
+                <a:cs typeface="Arial" panose="020B0604020202020204" pitchFamily="34" charset="0"/>
+              </a:rPr>
+              <a:t>)</a:t>
+            </a:r>
+          </a:p>
+          <a:p>
+            <a:pPr lvl="1">
+              <a:lnSpc>
+                <a:spcPct val="150000"/>
+              </a:lnSpc>
+            </a:pPr>
+            <a:r>
               <a:rPr lang="en-US" altLang="ko-KR" dirty="0">
                 <a:latin typeface="Arial" panose="020B0604020202020204" pitchFamily="34" charset="0"/>
                 <a:cs typeface="Arial" panose="020B0604020202020204" pitchFamily="34" charset="0"/>
               </a:rPr>
-              <a:t>Gene Ontology </a:t>
+              <a:t>: </a:t>
             </a:r>
             <a:r>
               <a:rPr lang="ko-KR" altLang="en-US" dirty="0">
                 <a:latin typeface="Arial" panose="020B0604020202020204" pitchFamily="34" charset="0"/>
                 <a:cs typeface="Arial" panose="020B0604020202020204" pitchFamily="34" charset="0"/>
               </a:rPr>
-              <a:t>예시</a:t>
-            </a:r>
+              <a:t>세포 내 존재 위치에 따라 구분</a:t>
+            </a:r>
+            <a:endParaRPr lang="en-US" altLang="ko-KR" dirty="0">
+              <a:latin typeface="Arial" panose="020B0604020202020204" pitchFamily="34" charset="0"/>
+              <a:cs typeface="Arial" panose="020B0604020202020204" pitchFamily="34" charset="0"/>
+            </a:endParaRPr>
+          </a:p>
+          <a:p>
+            <a:pPr marL="457200" indent="-457200">
+              <a:lnSpc>
+                <a:spcPct val="150000"/>
+              </a:lnSpc>
+              <a:buAutoNum type="arabicParenR"/>
+            </a:pPr>
+            <a:r>
+              <a:rPr lang="en-US" altLang="ko-KR" sz="2000" b="1" dirty="0">
+                <a:latin typeface="Arial" panose="020B0604020202020204" pitchFamily="34" charset="0"/>
+                <a:cs typeface="Arial" panose="020B0604020202020204" pitchFamily="34" charset="0"/>
+              </a:rPr>
+              <a:t>Molecular function(</a:t>
+            </a:r>
+            <a:r>
+              <a:rPr lang="ko-KR" altLang="en-US" sz="2000" b="1" dirty="0">
+                <a:latin typeface="Arial" panose="020B0604020202020204" pitchFamily="34" charset="0"/>
+                <a:cs typeface="Arial" panose="020B0604020202020204" pitchFamily="34" charset="0"/>
+              </a:rPr>
+              <a:t>분자 수준에서의 기능</a:t>
+            </a:r>
+            <a:r>
+              <a:rPr lang="en-US" altLang="ko-KR" sz="2000" b="1" dirty="0">
+                <a:latin typeface="Arial" panose="020B0604020202020204" pitchFamily="34" charset="0"/>
+                <a:cs typeface="Arial" panose="020B0604020202020204" pitchFamily="34" charset="0"/>
+              </a:rPr>
+              <a:t>) </a:t>
+            </a:r>
+          </a:p>
+          <a:p>
+            <a:pPr lvl="1">
+              <a:lnSpc>
+                <a:spcPct val="150000"/>
+              </a:lnSpc>
+            </a:pPr>
+            <a:r>
+              <a:rPr lang="en-US" altLang="ko-KR" dirty="0">
+                <a:latin typeface="Arial" panose="020B0604020202020204" pitchFamily="34" charset="0"/>
+                <a:cs typeface="Arial" panose="020B0604020202020204" pitchFamily="34" charset="0"/>
+              </a:rPr>
+              <a:t>: </a:t>
+            </a:r>
+            <a:r>
+              <a:rPr lang="ko-KR" altLang="en-US" dirty="0">
+                <a:latin typeface="Arial" panose="020B0604020202020204" pitchFamily="34" charset="0"/>
+                <a:cs typeface="Arial" panose="020B0604020202020204" pitchFamily="34" charset="0"/>
+              </a:rPr>
+              <a:t>생화학적 수준에서 생산물에 따라 구분</a:t>
+            </a:r>
+            <a:endParaRPr lang="en-US" altLang="ko-KR" dirty="0">
+              <a:latin typeface="Arial" panose="020B0604020202020204" pitchFamily="34" charset="0"/>
+              <a:cs typeface="Arial" panose="020B0604020202020204" pitchFamily="34" charset="0"/>
+            </a:endParaRPr>
+          </a:p>
+          <a:p>
+            <a:pPr marL="457200" indent="-457200">
+              <a:lnSpc>
+                <a:spcPct val="150000"/>
+              </a:lnSpc>
+              <a:buAutoNum type="arabicParenR"/>
+            </a:pPr>
+            <a:r>
+              <a:rPr lang="en-US" altLang="ko-KR" sz="2000" b="1" dirty="0">
+                <a:latin typeface="Arial" panose="020B0604020202020204" pitchFamily="34" charset="0"/>
+                <a:cs typeface="Arial" panose="020B0604020202020204" pitchFamily="34" charset="0"/>
+              </a:rPr>
+              <a:t>B</a:t>
+            </a:r>
+            <a:r>
+              <a:rPr lang="en-US" altLang="ko-KR" sz="2000" b="1" dirty="0" smtClean="0">
+                <a:latin typeface="Arial" panose="020B0604020202020204" pitchFamily="34" charset="0"/>
+                <a:cs typeface="Arial" panose="020B0604020202020204" pitchFamily="34" charset="0"/>
+              </a:rPr>
+              <a:t>iological </a:t>
+            </a:r>
+            <a:r>
+              <a:rPr lang="en-US" altLang="ko-KR" sz="2000" b="1" dirty="0">
+                <a:latin typeface="Arial" panose="020B0604020202020204" pitchFamily="34" charset="0"/>
+                <a:cs typeface="Arial" panose="020B0604020202020204" pitchFamily="34" charset="0"/>
+              </a:rPr>
+              <a:t>process(</a:t>
+            </a:r>
+            <a:r>
+              <a:rPr lang="ko-KR" altLang="en-US" sz="2000" b="1" dirty="0">
+                <a:latin typeface="Arial" panose="020B0604020202020204" pitchFamily="34" charset="0"/>
+                <a:cs typeface="Arial" panose="020B0604020202020204" pitchFamily="34" charset="0"/>
+              </a:rPr>
+              <a:t>생명 대사</a:t>
+            </a:r>
+            <a:r>
+              <a:rPr lang="en-US" altLang="ko-KR" sz="2000" b="1" dirty="0">
+                <a:latin typeface="Arial" panose="020B0604020202020204" pitchFamily="34" charset="0"/>
+                <a:cs typeface="Arial" panose="020B0604020202020204" pitchFamily="34" charset="0"/>
+              </a:rPr>
+              <a:t>)</a:t>
+            </a:r>
+          </a:p>
+          <a:p>
+            <a:pPr lvl="1">
+              <a:lnSpc>
+                <a:spcPct val="150000"/>
+              </a:lnSpc>
+            </a:pPr>
+            <a:r>
+              <a:rPr lang="en-US" altLang="ko-KR" dirty="0">
+                <a:latin typeface="Arial" panose="020B0604020202020204" pitchFamily="34" charset="0"/>
+                <a:cs typeface="Arial" panose="020B0604020202020204" pitchFamily="34" charset="0"/>
+              </a:rPr>
+              <a:t>: </a:t>
+            </a:r>
+            <a:r>
+              <a:rPr lang="ko-KR" altLang="en-US" dirty="0">
+                <a:latin typeface="Arial" panose="020B0604020202020204" pitchFamily="34" charset="0"/>
+                <a:cs typeface="Arial" panose="020B0604020202020204" pitchFamily="34" charset="0"/>
+              </a:rPr>
+              <a:t>생물학적 대사 과정에서의 역할에 따라 구분</a:t>
+            </a:r>
+            <a:endParaRPr lang="en-US" altLang="ko-KR" dirty="0">
+              <a:latin typeface="Arial" panose="020B0604020202020204" pitchFamily="34" charset="0"/>
+              <a:cs typeface="Arial" panose="020B0604020202020204" pitchFamily="34" charset="0"/>
+            </a:endParaRPr>
+          </a:p>
+        </p:txBody>
+      </p:sp>
+      <p:sp>
+        <p:nvSpPr>
+          <p:cNvPr id="9" name="TextBox 8">
+            <a:extLst>
+              <a:ext uri="{FF2B5EF4-FFF2-40B4-BE49-F238E27FC236}">
+                <a16:creationId xmlns:a16="http://schemas.microsoft.com/office/drawing/2014/main" xmlns="" id="{FF2A3478-961F-42C5-B078-29EEC751970C}"/>
+              </a:ext>
+            </a:extLst>
+          </p:cNvPr>
+          <p:cNvSpPr txBox="1"/>
+          <p:nvPr/>
+        </p:nvSpPr>
+        <p:spPr>
+          <a:xfrm>
+            <a:off x="4226558" y="5385732"/>
+            <a:ext cx="7441035" cy="738664"/>
+          </a:xfrm>
+          <a:prstGeom prst="rect">
+            <a:avLst/>
+          </a:prstGeom>
+          <a:noFill/>
+        </p:spPr>
+        <p:txBody>
+          <a:bodyPr wrap="square" rtlCol="0">
+            <a:spAutoFit/>
+          </a:bodyPr>
+          <a:lstStyle/>
+          <a:p>
+            <a:pPr marL="285750" indent="-285750">
+              <a:buFont typeface="Wingdings" panose="05000000000000000000" pitchFamily="2" charset="2"/>
+              <a:buChar char="Ø"/>
+            </a:pPr>
+            <a:r>
+              <a:rPr lang="ko-KR" altLang="en-US" sz="2400" dirty="0">
+                <a:latin typeface="Arial" panose="020B0604020202020204" pitchFamily="34" charset="0"/>
+                <a:cs typeface="Arial" panose="020B0604020202020204" pitchFamily="34" charset="0"/>
+              </a:rPr>
+              <a:t>각 유전자마다 코드를 설정하고 그들의 관계를 정의</a:t>
+            </a:r>
+            <a:endParaRPr lang="en-US" altLang="ko-KR" sz="2400" dirty="0">
+              <a:latin typeface="Arial" panose="020B0604020202020204" pitchFamily="34" charset="0"/>
+              <a:cs typeface="Arial" panose="020B0604020202020204" pitchFamily="34" charset="0"/>
+            </a:endParaRPr>
+          </a:p>
+          <a:p>
+            <a:endParaRPr lang="ko-KR" altLang="en-US" dirty="0"/>
+          </a:p>
+        </p:txBody>
+      </p:sp>
+    </p:spTree>
+    <p:extLst>
+      <p:ext uri="{BB962C8B-B14F-4D97-AF65-F5344CB8AC3E}">
+        <p14:creationId xmlns:p14="http://schemas.microsoft.com/office/powerpoint/2010/main" val="2521440712"/>
+      </p:ext>
+    </p:extLst>
+  </p:cSld>
+  <p:clrMapOvr>
+    <a:masterClrMapping/>
+  </p:clrMapOvr>
+  <p:timing>
+    <p:tnLst>
+      <p:par>
+        <p:cTn id="1" dur="indefinite" restart="never" nodeType="tmRoot"/>
+      </p:par>
+    </p:tnLst>
+  </p:timing>
+</p:sld>
+</file>
+
+<file path=ppt/slides/slide5.xml><?xml version="1.0" encoding="utf-8"?>
+<p:sld xmlns:a="http://schemas.openxmlformats.org/drawingml/2006/main" xmlns:r="http://schemas.openxmlformats.org/officeDocument/2006/relationships" xmlns:p="http://schemas.openxmlformats.org/presentationml/2006/main">
+  <p:cSld>
+    <p:spTree>
+      <p:nvGrpSpPr>
+        <p:cNvPr id="1" name=""/>
+        <p:cNvGrpSpPr/>
+        <p:nvPr/>
+      </p:nvGrpSpPr>
+      <p:grpSpPr>
+        <a:xfrm>
+          <a:off x="0" y="0"/>
+          <a:ext cx="0" cy="0"/>
+          <a:chOff x="0" y="0"/>
+          <a:chExt cx="0" cy="0"/>
+        </a:xfrm>
+      </p:grpSpPr>
+      <p:sp>
+        <p:nvSpPr>
+          <p:cNvPr id="2" name="제목 1"/>
+          <p:cNvSpPr>
+            <a:spLocks noGrp="1"/>
+          </p:cNvSpPr>
+          <p:nvPr>
+            <p:ph type="title"/>
+          </p:nvPr>
+        </p:nvSpPr>
+        <p:spPr/>
+        <p:txBody>
+          <a:bodyPr/>
+          <a:lstStyle/>
+          <a:p>
+            <a:r>
+              <a:rPr lang="en-US" altLang="ko-KR" b="1" dirty="0">
+                <a:latin typeface="Arial" panose="020B0604020202020204" pitchFamily="34" charset="0"/>
+                <a:cs typeface="Arial" panose="020B0604020202020204" pitchFamily="34" charset="0"/>
+              </a:rPr>
+              <a:t>5. Gene ontology analysis</a:t>
+            </a:r>
+            <a:br>
+              <a:rPr lang="en-US" altLang="ko-KR" b="1" dirty="0">
+                <a:latin typeface="Arial" panose="020B0604020202020204" pitchFamily="34" charset="0"/>
+                <a:cs typeface="Arial" panose="020B0604020202020204" pitchFamily="34" charset="0"/>
+              </a:rPr>
+            </a:br>
+            <a:r>
+              <a:rPr lang="en-US" altLang="ko-KR" sz="2400" b="1" dirty="0">
+                <a:latin typeface="Arial" panose="020B0604020202020204" pitchFamily="34" charset="0"/>
+                <a:cs typeface="Arial" panose="020B0604020202020204" pitchFamily="34" charset="0"/>
+              </a:rPr>
+              <a:t>GO Term</a:t>
+            </a:r>
+            <a:endParaRPr lang="ko-KR" altLang="en-US" dirty="0">
+              <a:latin typeface="Arial" panose="020B0604020202020204" pitchFamily="34" charset="0"/>
+              <a:cs typeface="Arial" panose="020B0604020202020204" pitchFamily="34" charset="0"/>
+            </a:endParaRPr>
           </a:p>
         </p:txBody>
       </p:sp>
@@ -3841,30 +5859,6 @@
           </a:prstGeom>
         </p:spPr>
       </p:pic>
-      <p:pic>
-        <p:nvPicPr>
-          <p:cNvPr id="8" name="그림 7"/>
-          <p:cNvPicPr>
-            <a:picLocks noChangeAspect="1"/>
-          </p:cNvPicPr>
-          <p:nvPr/>
-        </p:nvPicPr>
-        <p:blipFill>
-          <a:blip r:embed="rId3"/>
-          <a:stretch>
-            <a:fillRect/>
-          </a:stretch>
-        </p:blipFill>
-        <p:spPr>
-          <a:xfrm>
-            <a:off x="764059" y="3232748"/>
-            <a:ext cx="4451112" cy="1411807"/>
-          </a:xfrm>
-          <a:prstGeom prst="rect">
-            <a:avLst/>
-          </a:prstGeom>
-        </p:spPr>
-      </p:pic>
       <p:sp>
         <p:nvSpPr>
           <p:cNvPr id="9" name="TextBox 8"/>
@@ -3901,6 +5895,47 @@
           </a:p>
         </p:txBody>
       </p:sp>
+      <p:pic>
+        <p:nvPicPr>
+          <p:cNvPr id="2050" name="Picture 2" descr="https://lh3.googleusercontent.com/fife/AAWUweXMhH8HIXr2yuj0_G0IgtdlfwHuXSP9VTEvuhHcMIhG26k3xH0xaSYUk2FIKZ0qM0YPA5a_YWxxDecmRRia6l5hqpybgzxTf_Px-Al8RvqafIWGJ_qhGQorKpIuCebWNqawt7WSBTCyaJ2AAXYtGQ5wfdbssgswm6Ad_YLgjsmbLRoAyyGjLwKwXw88ec4bZ2I3iOOf7DhS5UZ09p2oFmldIOrIosXXoHTiwkn2lG-ZY6blVxQk3rpoQlkd0S41ntn7vLbnVQydA_cS9tn1ufgt5FR-rViY-3hJPhQzGJkIVVLDkGJkxInk7Y3Y2yGrB6QVgzsNJK9UsMiLHjXrb5ucp35o0D-V-lc7z023HgaeQdaR4NmbgLi5DPBotBlKoRWIEf5zMJjrz1JYxZ7GALdTZb7fwIv9yue7EMx91LSx9uThbN_ALMW1yjKz2SCiz6_i4g_t9CRav9jN00iQvGI5I-locsyT6oD3jJ1DR4Lk4R1G4CpJvixd7yqBlJ9RGeqyLHGh6PMuE2vSHg3eBg6dmPaxIZoaKpEHOuZOQg-JRYXiRatuaIl1keA8gP5j4k-sgtHbtp9X_NsN2xFlR_UTPNY04z69FcgueLQvgU1zSS3bN9WKNlhOXzGytve4yoxX87Ja-USVfgnnB3wlASlb_wJeq0J2klNvXSwCgHOVNcR27Ebgb2SsQEmrArvg-SlhS-xQVl_35rst3LGNc8H-xNIPRILzZ2UnNpSUfQTkgnX77tC1V_vI30LxLrMJNwgsGDodXE0RFmo=w547-h153?authuser=0"/>
+          <p:cNvPicPr>
+            <a:picLocks noChangeAspect="1" noChangeArrowheads="1"/>
+          </p:cNvPicPr>
+          <p:nvPr/>
+        </p:nvPicPr>
+        <p:blipFill>
+          <a:blip r:embed="rId3">
+            <a:extLst>
+              <a:ext uri="{28A0092B-C50C-407E-A947-70E740481C1C}">
+                <a14:useLocalDpi xmlns:a14="http://schemas.microsoft.com/office/drawing/2010/main" val="0"/>
+              </a:ext>
+            </a:extLst>
+          </a:blip>
+          <a:srcRect/>
+          <a:stretch>
+            <a:fillRect/>
+          </a:stretch>
+        </p:blipFill>
+        <p:spPr bwMode="auto">
+          <a:xfrm>
+            <a:off x="222250" y="3251178"/>
+            <a:ext cx="5210175" cy="1457326"/>
+          </a:xfrm>
+          <a:prstGeom prst="rect">
+            <a:avLst/>
+          </a:prstGeom>
+          <a:noFill/>
+          <a:extLst>
+            <a:ext uri="{909E8E84-426E-40DD-AFC4-6F175D3DCCD1}">
+              <a14:hiddenFill xmlns:a14="http://schemas.microsoft.com/office/drawing/2010/main">
+                <a:solidFill>
+                  <a:srgbClr val="FFFFFF"/>
+                </a:solidFill>
+              </a14:hiddenFill>
+            </a:ext>
+          </a:extLst>
+        </p:spPr>
+      </p:pic>
     </p:spTree>
     <p:extLst>
       <p:ext uri="{BB962C8B-B14F-4D97-AF65-F5344CB8AC3E}">
@@ -3911,10 +5946,17 @@
   <p:clrMapOvr>
     <a:masterClrMapping/>
   </p:clrMapOvr>
+  <p:timing>
+    <p:tnLst>
+      <p:par>
+        <p:cTn id="1" dur="indefinite" restart="never" nodeType="tmRoot"/>
+      </p:par>
+    </p:tnLst>
+  </p:timing>
 </p:sld>
 </file>
 
-<file path=ppt/slides/slide5.xml><?xml version="1.0" encoding="utf-8"?>
+<file path=ppt/slides/slide6.xml><?xml version="1.0" encoding="utf-8"?>
 <p:sld xmlns:a="http://schemas.openxmlformats.org/drawingml/2006/main" xmlns:r="http://schemas.openxmlformats.org/officeDocument/2006/relationships" xmlns:p="http://schemas.openxmlformats.org/presentationml/2006/main">
   <p:cSld>
     <p:spTree>
@@ -3943,19 +5985,316 @@
         </p:nvSpPr>
         <p:spPr/>
         <p:txBody>
+          <a:bodyPr/>
+          <a:lstStyle/>
+          <a:p>
+            <a:r>
+              <a:rPr lang="en-US" altLang="ko-KR" b="1" dirty="0">
+                <a:latin typeface="Arial" panose="020B0604020202020204" pitchFamily="34" charset="0"/>
+                <a:cs typeface="Arial" panose="020B0604020202020204" pitchFamily="34" charset="0"/>
+              </a:rPr>
+              <a:t>5. Gene ontology analysis</a:t>
+            </a:r>
+            <a:br>
+              <a:rPr lang="en-US" altLang="ko-KR" b="1" dirty="0">
+                <a:latin typeface="Arial" panose="020B0604020202020204" pitchFamily="34" charset="0"/>
+                <a:cs typeface="Arial" panose="020B0604020202020204" pitchFamily="34" charset="0"/>
+              </a:rPr>
+            </a:br>
+            <a:r>
+              <a:rPr lang="en-US" altLang="ko-KR" sz="2400" b="1" dirty="0">
+                <a:latin typeface="Arial" panose="020B0604020202020204" pitchFamily="34" charset="0"/>
+                <a:cs typeface="Arial" panose="020B0604020202020204" pitchFamily="34" charset="0"/>
+              </a:rPr>
+              <a:t>GO </a:t>
+            </a:r>
+            <a:r>
+              <a:rPr lang="en-US" altLang="ko-KR" sz="2400" b="1" dirty="0" smtClean="0">
+                <a:latin typeface="Arial" panose="020B0604020202020204" pitchFamily="34" charset="0"/>
+                <a:cs typeface="Arial" panose="020B0604020202020204" pitchFamily="34" charset="0"/>
+              </a:rPr>
+              <a:t>Analysis</a:t>
+            </a:r>
+            <a:endParaRPr lang="ko-KR" altLang="en-US" b="1" dirty="0">
+              <a:latin typeface="cal"/>
+            </a:endParaRPr>
+          </a:p>
+        </p:txBody>
+      </p:sp>
+      <p:sp>
+        <p:nvSpPr>
+          <p:cNvPr id="3" name="내용 개체 틀 2"/>
+          <p:cNvSpPr>
+            <a:spLocks noGrp="1"/>
+          </p:cNvSpPr>
+          <p:nvPr>
+            <p:ph idx="1"/>
+          </p:nvPr>
+        </p:nvSpPr>
+        <p:spPr>
+          <a:xfrm>
+            <a:off x="838200" y="1825625"/>
+            <a:ext cx="10982325" cy="4351338"/>
+          </a:xfrm>
+        </p:spPr>
+        <p:txBody>
+          <a:bodyPr/>
+          <a:lstStyle/>
+          <a:p>
+            <a:r>
+              <a:rPr lang="en-US" altLang="ko-KR" dirty="0" smtClean="0">
+                <a:latin typeface="Arial" panose="020B0604020202020204" pitchFamily="34" charset="0"/>
+                <a:cs typeface="Arial" panose="020B0604020202020204" pitchFamily="34" charset="0"/>
+              </a:rPr>
+              <a:t>GO </a:t>
+            </a:r>
+            <a:r>
+              <a:rPr lang="ko-KR" altLang="en-US" dirty="0" smtClean="0">
+                <a:latin typeface="Arial" panose="020B0604020202020204" pitchFamily="34" charset="0"/>
+                <a:cs typeface="Arial" panose="020B0604020202020204" pitchFamily="34" charset="0"/>
+              </a:rPr>
+              <a:t>분석이란</a:t>
+            </a:r>
+            <a:endParaRPr lang="en-US" altLang="ko-KR" dirty="0" smtClean="0">
+              <a:latin typeface="Arial" panose="020B0604020202020204" pitchFamily="34" charset="0"/>
+              <a:cs typeface="Arial" panose="020B0604020202020204" pitchFamily="34" charset="0"/>
+            </a:endParaRPr>
+          </a:p>
+          <a:p>
+            <a:pPr lvl="1"/>
+            <a:r>
+              <a:rPr lang="ko-KR" altLang="en-US" dirty="0" smtClean="0">
+                <a:latin typeface="Arial" panose="020B0604020202020204" pitchFamily="34" charset="0"/>
+                <a:cs typeface="Arial" panose="020B0604020202020204" pitchFamily="34" charset="0"/>
+              </a:rPr>
+              <a:t>유의미한 </a:t>
+            </a:r>
+            <a:r>
+              <a:rPr lang="en-US" altLang="ko-KR" dirty="0" smtClean="0">
+                <a:latin typeface="Arial" panose="020B0604020202020204" pitchFamily="34" charset="0"/>
+                <a:cs typeface="Arial" panose="020B0604020202020204" pitchFamily="34" charset="0"/>
+              </a:rPr>
+              <a:t>gene list</a:t>
+            </a:r>
+            <a:r>
+              <a:rPr lang="ko-KR" altLang="en-US" dirty="0" smtClean="0">
+                <a:latin typeface="Arial" panose="020B0604020202020204" pitchFamily="34" charset="0"/>
+                <a:cs typeface="Arial" panose="020B0604020202020204" pitchFamily="34" charset="0"/>
+              </a:rPr>
+              <a:t>에 대한 특정 </a:t>
+            </a:r>
+            <a:r>
+              <a:rPr lang="en-US" altLang="ko-KR" b="1" dirty="0" smtClean="0">
+                <a:latin typeface="Arial" panose="020B0604020202020204" pitchFamily="34" charset="0"/>
+                <a:cs typeface="Arial" panose="020B0604020202020204" pitchFamily="34" charset="0"/>
+              </a:rPr>
+              <a:t>biological pathway</a:t>
+            </a:r>
+            <a:r>
+              <a:rPr lang="ko-KR" altLang="en-US" dirty="0" smtClean="0">
+                <a:latin typeface="Arial" panose="020B0604020202020204" pitchFamily="34" charset="0"/>
+                <a:cs typeface="Arial" panose="020B0604020202020204" pitchFamily="34" charset="0"/>
+              </a:rPr>
+              <a:t>와의 </a:t>
+            </a:r>
+            <a:r>
+              <a:rPr lang="ko-KR" altLang="en-US" b="1" dirty="0" smtClean="0">
+                <a:latin typeface="Arial" panose="020B0604020202020204" pitchFamily="34" charset="0"/>
+                <a:cs typeface="Arial" panose="020B0604020202020204" pitchFamily="34" charset="0"/>
+              </a:rPr>
+              <a:t>연관성</a:t>
+            </a:r>
+            <a:r>
+              <a:rPr lang="ko-KR" altLang="en-US" dirty="0" smtClean="0">
+                <a:latin typeface="Arial" panose="020B0604020202020204" pitchFamily="34" charset="0"/>
+                <a:cs typeface="Arial" panose="020B0604020202020204" pitchFamily="34" charset="0"/>
+              </a:rPr>
+              <a:t>을 보는 것</a:t>
+            </a:r>
+            <a:endParaRPr lang="en-US" altLang="ko-KR" dirty="0" smtClean="0">
+              <a:latin typeface="Arial" panose="020B0604020202020204" pitchFamily="34" charset="0"/>
+              <a:cs typeface="Arial" panose="020B0604020202020204" pitchFamily="34" charset="0"/>
+            </a:endParaRPr>
+          </a:p>
+          <a:p>
+            <a:pPr lvl="1"/>
+            <a:r>
+              <a:rPr lang="en-US" altLang="ko-KR" b="1" dirty="0" smtClean="0">
+                <a:latin typeface="Arial" panose="020B0604020202020204" pitchFamily="34" charset="0"/>
+                <a:cs typeface="Arial" panose="020B0604020202020204" pitchFamily="34" charset="0"/>
+              </a:rPr>
+              <a:t>Fisher’s exact test</a:t>
+            </a:r>
+            <a:r>
+              <a:rPr lang="ko-KR" altLang="en-US" dirty="0" smtClean="0">
+                <a:latin typeface="Arial" panose="020B0604020202020204" pitchFamily="34" charset="0"/>
+                <a:cs typeface="Arial" panose="020B0604020202020204" pitchFamily="34" charset="0"/>
+              </a:rPr>
+              <a:t>를 통해 </a:t>
+            </a:r>
+            <a:r>
+              <a:rPr lang="en-US" altLang="ko-KR" b="1" dirty="0" smtClean="0">
+                <a:latin typeface="Arial" panose="020B0604020202020204" pitchFamily="34" charset="0"/>
+                <a:cs typeface="Arial" panose="020B0604020202020204" pitchFamily="34" charset="0"/>
+              </a:rPr>
+              <a:t>p-value</a:t>
+            </a:r>
+            <a:r>
+              <a:rPr lang="ko-KR" altLang="en-US" dirty="0" smtClean="0">
+                <a:latin typeface="Arial" panose="020B0604020202020204" pitchFamily="34" charset="0"/>
+                <a:cs typeface="Arial" panose="020B0604020202020204" pitchFamily="34" charset="0"/>
+              </a:rPr>
+              <a:t>를 구함</a:t>
+            </a:r>
+            <a:endParaRPr lang="en-US" altLang="ko-KR" dirty="0" smtClean="0">
+              <a:latin typeface="Arial" panose="020B0604020202020204" pitchFamily="34" charset="0"/>
+              <a:cs typeface="Arial" panose="020B0604020202020204" pitchFamily="34" charset="0"/>
+            </a:endParaRPr>
+          </a:p>
+          <a:p>
+            <a:endParaRPr lang="en-US" altLang="ko-KR" dirty="0" smtClean="0">
+              <a:latin typeface="Arial" panose="020B0604020202020204" pitchFamily="34" charset="0"/>
+              <a:cs typeface="Arial" panose="020B0604020202020204" pitchFamily="34" charset="0"/>
+            </a:endParaRPr>
+          </a:p>
+          <a:p>
+            <a:r>
+              <a:rPr lang="en-US" altLang="ko-KR" dirty="0" smtClean="0">
+                <a:latin typeface="Arial" panose="020B0604020202020204" pitchFamily="34" charset="0"/>
+                <a:cs typeface="Arial" panose="020B0604020202020204" pitchFamily="34" charset="0"/>
+              </a:rPr>
+              <a:t>Input &amp; Output</a:t>
+            </a:r>
+          </a:p>
+          <a:p>
+            <a:pPr lvl="1"/>
+            <a:r>
+              <a:rPr lang="en-US" altLang="ko-KR" dirty="0" smtClean="0">
+                <a:latin typeface="Arial" panose="020B0604020202020204" pitchFamily="34" charset="0"/>
+                <a:cs typeface="Arial" panose="020B0604020202020204" pitchFamily="34" charset="0"/>
+              </a:rPr>
+              <a:t>Input : Gene list (ex. DEG(&lt;0.05 p-value))</a:t>
+            </a:r>
+          </a:p>
+          <a:p>
+            <a:pPr lvl="1"/>
+            <a:r>
+              <a:rPr lang="en-US" altLang="ko-KR" dirty="0" smtClean="0">
+                <a:latin typeface="Arial" panose="020B0604020202020204" pitchFamily="34" charset="0"/>
+                <a:cs typeface="Arial" panose="020B0604020202020204" pitchFamily="34" charset="0"/>
+              </a:rPr>
+              <a:t>Output : Gene list</a:t>
+            </a:r>
+            <a:r>
+              <a:rPr lang="ko-KR" altLang="en-US" dirty="0" smtClean="0">
+                <a:latin typeface="Arial" panose="020B0604020202020204" pitchFamily="34" charset="0"/>
+                <a:cs typeface="Arial" panose="020B0604020202020204" pitchFamily="34" charset="0"/>
+              </a:rPr>
+              <a:t>와 연관된 </a:t>
+            </a:r>
+            <a:r>
+              <a:rPr lang="en-US" altLang="ko-KR" dirty="0" smtClean="0">
+                <a:latin typeface="Arial" panose="020B0604020202020204" pitchFamily="34" charset="0"/>
+                <a:cs typeface="Arial" panose="020B0604020202020204" pitchFamily="34" charset="0"/>
+              </a:rPr>
+              <a:t>GO (with p-value) </a:t>
+            </a:r>
+            <a:r>
+              <a:rPr lang="ko-KR" altLang="en-US" dirty="0" smtClean="0">
+                <a:latin typeface="Arial" panose="020B0604020202020204" pitchFamily="34" charset="0"/>
+                <a:cs typeface="Arial" panose="020B0604020202020204" pitchFamily="34" charset="0"/>
+              </a:rPr>
+              <a:t>출력</a:t>
+            </a:r>
+            <a:endParaRPr lang="en-US" altLang="ko-KR" dirty="0">
+              <a:latin typeface="Arial" panose="020B0604020202020204" pitchFamily="34" charset="0"/>
+              <a:cs typeface="Arial" panose="020B0604020202020204" pitchFamily="34" charset="0"/>
+            </a:endParaRPr>
+          </a:p>
+        </p:txBody>
+      </p:sp>
+    </p:spTree>
+    <p:extLst>
+      <p:ext uri="{BB962C8B-B14F-4D97-AF65-F5344CB8AC3E}">
+        <p14:creationId xmlns:p14="http://schemas.microsoft.com/office/powerpoint/2010/main" val="4211234354"/>
+      </p:ext>
+    </p:extLst>
+  </p:cSld>
+  <p:clrMapOvr>
+    <a:masterClrMapping/>
+  </p:clrMapOvr>
+  <p:timing>
+    <p:tnLst>
+      <p:par>
+        <p:cTn id="1" dur="indefinite" restart="never" nodeType="tmRoot"/>
+      </p:par>
+    </p:tnLst>
+  </p:timing>
+</p:sld>
+</file>
+
+<file path=ppt/slides/slide7.xml><?xml version="1.0" encoding="utf-8"?>
+<p:sld xmlns:a="http://schemas.openxmlformats.org/drawingml/2006/main" xmlns:r="http://schemas.openxmlformats.org/officeDocument/2006/relationships" xmlns:p="http://schemas.openxmlformats.org/presentationml/2006/main">
+  <p:cSld>
+    <p:spTree>
+      <p:nvGrpSpPr>
+        <p:cNvPr id="1" name=""/>
+        <p:cNvGrpSpPr/>
+        <p:nvPr/>
+      </p:nvGrpSpPr>
+      <p:grpSpPr>
+        <a:xfrm>
+          <a:off x="0" y="0"/>
+          <a:ext cx="0" cy="0"/>
+          <a:chOff x="0" y="0"/>
+          <a:chExt cx="0" cy="0"/>
+        </a:xfrm>
+      </p:grpSpPr>
+      <p:sp>
+        <p:nvSpPr>
+          <p:cNvPr id="2" name="제목 1"/>
+          <p:cNvSpPr>
+            <a:spLocks noGrp="1"/>
+          </p:cNvSpPr>
+          <p:nvPr>
+            <p:ph type="title"/>
+          </p:nvPr>
+        </p:nvSpPr>
+        <p:spPr/>
+        <p:txBody>
           <a:bodyPr>
             <a:normAutofit/>
           </a:bodyPr>
           <a:lstStyle/>
           <a:p>
             <a:r>
-              <a:rPr lang="en-US" altLang="ko-KR" dirty="0">
-                <a:latin typeface="Arial" panose="020B0604020202020204" pitchFamily="34" charset="0"/>
-                <a:cs typeface="Arial" panose="020B0604020202020204" pitchFamily="34" charset="0"/>
-              </a:rPr>
-              <a:t>Fisher’s exact test</a:t>
-            </a:r>
-            <a:endParaRPr lang="ko-KR" altLang="en-US" dirty="0">
+              <a:rPr lang="en-US" altLang="ko-KR" b="1" dirty="0">
+                <a:latin typeface="Arial" panose="020B0604020202020204" pitchFamily="34" charset="0"/>
+                <a:cs typeface="Arial" panose="020B0604020202020204" pitchFamily="34" charset="0"/>
+              </a:rPr>
+              <a:t>5. Gene ontology </a:t>
+            </a:r>
+            <a:r>
+              <a:rPr lang="en-US" altLang="ko-KR" b="1" dirty="0" smtClean="0">
+                <a:latin typeface="Arial" panose="020B0604020202020204" pitchFamily="34" charset="0"/>
+                <a:cs typeface="Arial" panose="020B0604020202020204" pitchFamily="34" charset="0"/>
+              </a:rPr>
+              <a:t>analysis</a:t>
+            </a:r>
+            <a:br>
+              <a:rPr lang="en-US" altLang="ko-KR" b="1" dirty="0" smtClean="0">
+                <a:latin typeface="Arial" panose="020B0604020202020204" pitchFamily="34" charset="0"/>
+                <a:cs typeface="Arial" panose="020B0604020202020204" pitchFamily="34" charset="0"/>
+              </a:rPr>
+            </a:br>
+            <a:r>
+              <a:rPr lang="en-US" altLang="ko-KR" sz="2800" b="1" dirty="0" smtClean="0">
+                <a:latin typeface="Arial" panose="020B0604020202020204" pitchFamily="34" charset="0"/>
+                <a:cs typeface="Arial" panose="020B0604020202020204" pitchFamily="34" charset="0"/>
+              </a:rPr>
+              <a:t>p-value(Fisher’s exact test)</a:t>
+            </a:r>
+            <a:endParaRPr lang="ko-KR" altLang="en-US" sz="2800" dirty="0">
               <a:latin typeface="Arial" panose="020B0604020202020204" pitchFamily="34" charset="0"/>
               <a:cs typeface="Arial" panose="020B0604020202020204" pitchFamily="34" charset="0"/>
             </a:endParaRPr>
@@ -3972,7 +6311,7 @@
             <p:ph idx="1"/>
             <p:extLst>
               <p:ext uri="{D42A27DB-BD31-4B8C-83A1-F6EECF244321}">
-                <p14:modId xmlns:p14="http://schemas.microsoft.com/office/powerpoint/2010/main" val="1523979646"/>
+                <p14:modId xmlns:p14="http://schemas.microsoft.com/office/powerpoint/2010/main" val="270595649"/>
               </p:ext>
             </p:extLst>
           </p:nvPr>
@@ -3991,21 +6330,21 @@
                 <a:gridCol w="2680730">
                   <a:extLst>
                     <a:ext uri="{9D8B030D-6E8A-4147-A177-3AD203B41FA5}">
-                      <a16:colId xmlns:a16="http://schemas.microsoft.com/office/drawing/2014/main" val="20000"/>
+                      <a16:colId xmlns:a16="http://schemas.microsoft.com/office/drawing/2014/main" xmlns="" val="20000"/>
                     </a:ext>
                   </a:extLst>
                 </a:gridCol>
                 <a:gridCol w="2680730">
                   <a:extLst>
                     <a:ext uri="{9D8B030D-6E8A-4147-A177-3AD203B41FA5}">
-                      <a16:colId xmlns:a16="http://schemas.microsoft.com/office/drawing/2014/main" val="20001"/>
+                      <a16:colId xmlns:a16="http://schemas.microsoft.com/office/drawing/2014/main" xmlns="" val="20001"/>
                     </a:ext>
                   </a:extLst>
                 </a:gridCol>
                 <a:gridCol w="2680730">
                   <a:extLst>
                     <a:ext uri="{9D8B030D-6E8A-4147-A177-3AD203B41FA5}">
-                      <a16:colId xmlns:a16="http://schemas.microsoft.com/office/drawing/2014/main" val="20002"/>
+                      <a16:colId xmlns:a16="http://schemas.microsoft.com/office/drawing/2014/main" xmlns="" val="20002"/>
                     </a:ext>
                   </a:extLst>
                 </a:gridCol>
@@ -4070,7 +6409,7 @@
                 </a:tc>
                 <a:extLst>
                   <a:ext uri="{0D108BD9-81ED-4DB2-BD59-A6C34878D82A}">
-                    <a16:rowId xmlns:a16="http://schemas.microsoft.com/office/drawing/2014/main" val="10000"/>
+                    <a16:rowId xmlns:a16="http://schemas.microsoft.com/office/drawing/2014/main" xmlns="" val="10000"/>
                   </a:ext>
                 </a:extLst>
               </a:tr>
@@ -4134,7 +6473,7 @@
                 </a:tc>
                 <a:extLst>
                   <a:ext uri="{0D108BD9-81ED-4DB2-BD59-A6C34878D82A}">
-                    <a16:rowId xmlns:a16="http://schemas.microsoft.com/office/drawing/2014/main" val="10001"/>
+                    <a16:rowId xmlns:a16="http://schemas.microsoft.com/office/drawing/2014/main" xmlns="" val="10001"/>
                   </a:ext>
                 </a:extLst>
               </a:tr>
@@ -4186,7 +6525,7 @@
                 </a:tc>
                 <a:extLst>
                   <a:ext uri="{0D108BD9-81ED-4DB2-BD59-A6C34878D82A}">
-                    <a16:rowId xmlns:a16="http://schemas.microsoft.com/office/drawing/2014/main" val="10002"/>
+                    <a16:rowId xmlns:a16="http://schemas.microsoft.com/office/drawing/2014/main" xmlns="" val="10002"/>
                   </a:ext>
                 </a:extLst>
               </a:tr>
@@ -4354,117 +6693,315 @@
       </p:sp>
       <p:sp>
         <p:nvSpPr>
-          <p:cNvPr id="3" name="TextBox 2">
-            <a:extLst>
-              <a:ext uri="{FF2B5EF4-FFF2-40B4-BE49-F238E27FC236}">
-                <a16:creationId xmlns:a16="http://schemas.microsoft.com/office/drawing/2014/main" id="{F3FE6358-C926-4755-A5D5-0B9D6A4C5AAB}"/>
-              </a:ext>
-            </a:extLst>
-          </p:cNvPr>
-          <p:cNvSpPr txBox="1"/>
+          <p:cNvPr id="9" name="내용 개체 틀 2"/>
+          <p:cNvSpPr txBox="1">
+            <a:spLocks/>
+          </p:cNvSpPr>
           <p:nvPr/>
         </p:nvSpPr>
         <p:spPr>
           <a:xfrm>
-            <a:off x="992659" y="1735548"/>
-            <a:ext cx="11505460" cy="1200329"/>
+            <a:off x="838200" y="1763278"/>
+            <a:ext cx="10394372" cy="4351338"/>
           </a:xfrm>
           <a:prstGeom prst="rect">
             <a:avLst/>
           </a:prstGeom>
-          <a:noFill/>
         </p:spPr>
         <p:txBody>
-          <a:bodyPr wrap="square" rtlCol="0">
-            <a:spAutoFit/>
+          <a:bodyPr vert="horz" lIns="91440" tIns="45720" rIns="91440" bIns="45720" rtlCol="0">
+            <a:normAutofit/>
           </a:bodyPr>
-          <a:lstStyle/>
-          <a:p>
-            <a:pPr marL="285750" indent="-285750" fontAlgn="base">
+          <a:lstStyle>
+            <a:lvl1pPr marL="228600" indent="-228600" algn="l" defTabSz="914400" rtl="0" eaLnBrk="1" latinLnBrk="1" hangingPunct="1">
               <a:lnSpc>
-                <a:spcPct val="150000"/>
+                <a:spcPct val="90000"/>
               </a:lnSpc>
-              <a:buFont typeface="Wingdings" panose="05000000000000000000" pitchFamily="2" charset="2"/>
-              <a:buChar char="Ø"/>
-            </a:pPr>
-            <a:r>
-              <a:rPr lang="ko-KR" altLang="en-US" b="0" i="0" u="none" strike="noStrike" dirty="0">
+              <a:spcBef>
+                <a:spcPts val="1000"/>
+              </a:spcBef>
+              <a:buFont typeface="Arial" panose="020B0604020202020204" pitchFamily="34" charset="0"/>
+              <a:buChar char="•"/>
+              <a:defRPr sz="2800" kern="1200">
                 <a:solidFill>
-                  <a:srgbClr val="000000"/>
+                  <a:schemeClr val="tx1"/>
                 </a:solidFill>
-                <a:effectLst/>
-                <a:latin typeface="Arial" panose="020B0604020202020204" pitchFamily="34" charset="0"/>
-                <a:cs typeface="Arial" panose="020B0604020202020204" pitchFamily="34" charset="0"/>
-              </a:rPr>
-              <a:t>두 변수가 연관성이 있는지 없는지 확인하기 위한 검정</a:t>
-            </a:r>
-          </a:p>
-          <a:p>
-            <a:pPr marL="285750" indent="-285750" fontAlgn="base">
+                <a:latin typeface="+mn-lt"/>
+                <a:ea typeface="+mn-ea"/>
+                <a:cs typeface="+mn-cs"/>
+              </a:defRPr>
+            </a:lvl1pPr>
+            <a:lvl2pPr marL="685800" indent="-228600" algn="l" defTabSz="914400" rtl="0" eaLnBrk="1" latinLnBrk="1" hangingPunct="1">
               <a:lnSpc>
-                <a:spcPct val="150000"/>
+                <a:spcPct val="90000"/>
               </a:lnSpc>
-              <a:buFont typeface="Wingdings" panose="05000000000000000000" pitchFamily="2" charset="2"/>
-              <a:buChar char="Ø"/>
-            </a:pPr>
-            <a:r>
-              <a:rPr lang="ko-KR" altLang="en-US" b="0" i="0" u="none" strike="noStrike" dirty="0">
+              <a:spcBef>
+                <a:spcPts val="500"/>
+              </a:spcBef>
+              <a:buFont typeface="Arial" panose="020B0604020202020204" pitchFamily="34" charset="0"/>
+              <a:buChar char="•"/>
+              <a:defRPr sz="2400" kern="1200">
                 <a:solidFill>
-                  <a:srgbClr val="000000"/>
+                  <a:schemeClr val="tx1"/>
                 </a:solidFill>
-                <a:effectLst/>
-                <a:latin typeface="Arial" panose="020B0604020202020204" pitchFamily="34" charset="0"/>
-                <a:cs typeface="Arial" panose="020B0604020202020204" pitchFamily="34" charset="0"/>
-              </a:rPr>
-              <a:t>앞서 구한 </a:t>
-            </a:r>
-            <a:r>
-              <a:rPr lang="en-US" altLang="ko-KR" b="0" i="0" u="none" strike="noStrike" dirty="0">
+                <a:latin typeface="+mn-lt"/>
+                <a:ea typeface="+mn-ea"/>
+                <a:cs typeface="+mn-cs"/>
+              </a:defRPr>
+            </a:lvl2pPr>
+            <a:lvl3pPr marL="1143000" indent="-228600" algn="l" defTabSz="914400" rtl="0" eaLnBrk="1" latinLnBrk="1" hangingPunct="1">
+              <a:lnSpc>
+                <a:spcPct val="90000"/>
+              </a:lnSpc>
+              <a:spcBef>
+                <a:spcPts val="500"/>
+              </a:spcBef>
+              <a:buFont typeface="Arial" panose="020B0604020202020204" pitchFamily="34" charset="0"/>
+              <a:buChar char="•"/>
+              <a:defRPr sz="2000" kern="1200">
                 <a:solidFill>
-                  <a:srgbClr val="000000"/>
+                  <a:schemeClr val="tx1"/>
                 </a:solidFill>
-                <a:effectLst/>
-                <a:latin typeface="Arial" panose="020B0604020202020204" pitchFamily="34" charset="0"/>
-                <a:cs typeface="Arial" panose="020B0604020202020204" pitchFamily="34" charset="0"/>
-              </a:rPr>
-              <a:t>DEG</a:t>
-            </a:r>
-            <a:r>
-              <a:rPr lang="ko-KR" altLang="en-US" b="0" i="0" u="none" strike="noStrike" dirty="0">
+                <a:latin typeface="+mn-lt"/>
+                <a:ea typeface="+mn-ea"/>
+                <a:cs typeface="+mn-cs"/>
+              </a:defRPr>
+            </a:lvl3pPr>
+            <a:lvl4pPr marL="1600200" indent="-228600" algn="l" defTabSz="914400" rtl="0" eaLnBrk="1" latinLnBrk="1" hangingPunct="1">
+              <a:lnSpc>
+                <a:spcPct val="90000"/>
+              </a:lnSpc>
+              <a:spcBef>
+                <a:spcPts val="500"/>
+              </a:spcBef>
+              <a:buFont typeface="Arial" panose="020B0604020202020204" pitchFamily="34" charset="0"/>
+              <a:buChar char="•"/>
+              <a:defRPr sz="1800" kern="1200">
                 <a:solidFill>
-                  <a:srgbClr val="000000"/>
+                  <a:schemeClr val="tx1"/>
                 </a:solidFill>
-                <a:effectLst/>
-                <a:latin typeface="Arial" panose="020B0604020202020204" pitchFamily="34" charset="0"/>
-                <a:cs typeface="Arial" panose="020B0604020202020204" pitchFamily="34" charset="0"/>
-              </a:rPr>
-              <a:t>가 특정 </a:t>
-            </a:r>
-            <a:r>
-              <a:rPr lang="en-US" altLang="ko-KR" b="0" i="0" u="none" strike="noStrike" dirty="0">
+                <a:latin typeface="+mn-lt"/>
+                <a:ea typeface="+mn-ea"/>
+                <a:cs typeface="+mn-cs"/>
+              </a:defRPr>
+            </a:lvl4pPr>
+            <a:lvl5pPr marL="2057400" indent="-228600" algn="l" defTabSz="914400" rtl="0" eaLnBrk="1" latinLnBrk="1" hangingPunct="1">
+              <a:lnSpc>
+                <a:spcPct val="90000"/>
+              </a:lnSpc>
+              <a:spcBef>
+                <a:spcPts val="500"/>
+              </a:spcBef>
+              <a:buFont typeface="Arial" panose="020B0604020202020204" pitchFamily="34" charset="0"/>
+              <a:buChar char="•"/>
+              <a:defRPr sz="1800" kern="1200">
                 <a:solidFill>
-                  <a:srgbClr val="000000"/>
+                  <a:schemeClr val="tx1"/>
                 </a:solidFill>
-                <a:effectLst/>
-                <a:latin typeface="Arial" panose="020B0604020202020204" pitchFamily="34" charset="0"/>
-                <a:cs typeface="Arial" panose="020B0604020202020204" pitchFamily="34" charset="0"/>
-              </a:rPr>
-              <a:t>gene set</a:t>
-            </a:r>
-            <a:r>
-              <a:rPr lang="ko-KR" altLang="en-US" b="0" i="0" u="none" strike="noStrike" dirty="0">
+                <a:latin typeface="+mn-lt"/>
+                <a:ea typeface="+mn-ea"/>
+                <a:cs typeface="+mn-cs"/>
+              </a:defRPr>
+            </a:lvl5pPr>
+            <a:lvl6pPr marL="2514600" indent="-228600" algn="l" defTabSz="914400" rtl="0" eaLnBrk="1" latinLnBrk="1" hangingPunct="1">
+              <a:lnSpc>
+                <a:spcPct val="90000"/>
+              </a:lnSpc>
+              <a:spcBef>
+                <a:spcPts val="500"/>
+              </a:spcBef>
+              <a:buFont typeface="Arial" panose="020B0604020202020204" pitchFamily="34" charset="0"/>
+              <a:buChar char="•"/>
+              <a:defRPr sz="1800" kern="1200">
                 <a:solidFill>
-                  <a:srgbClr val="000000"/>
+                  <a:schemeClr val="tx1"/>
                 </a:solidFill>
-                <a:effectLst/>
-                <a:latin typeface="Arial" panose="020B0604020202020204" pitchFamily="34" charset="0"/>
-                <a:cs typeface="Arial" panose="020B0604020202020204" pitchFamily="34" charset="0"/>
-              </a:rPr>
-              <a:t>과 연관이 있는지 여부를 확인하기 위해 사용</a:t>
-            </a:r>
-          </a:p>
-          <a:p>
-            <a:endParaRPr lang="ko-KR" altLang="en-US" dirty="0"/>
+                <a:latin typeface="+mn-lt"/>
+                <a:ea typeface="+mn-ea"/>
+                <a:cs typeface="+mn-cs"/>
+              </a:defRPr>
+            </a:lvl6pPr>
+            <a:lvl7pPr marL="2971800" indent="-228600" algn="l" defTabSz="914400" rtl="0" eaLnBrk="1" latinLnBrk="1" hangingPunct="1">
+              <a:lnSpc>
+                <a:spcPct val="90000"/>
+              </a:lnSpc>
+              <a:spcBef>
+                <a:spcPts val="500"/>
+              </a:spcBef>
+              <a:buFont typeface="Arial" panose="020B0604020202020204" pitchFamily="34" charset="0"/>
+              <a:buChar char="•"/>
+              <a:defRPr sz="1800" kern="1200">
+                <a:solidFill>
+                  <a:schemeClr val="tx1"/>
+                </a:solidFill>
+                <a:latin typeface="+mn-lt"/>
+                <a:ea typeface="+mn-ea"/>
+                <a:cs typeface="+mn-cs"/>
+              </a:defRPr>
+            </a:lvl7pPr>
+            <a:lvl8pPr marL="3429000" indent="-228600" algn="l" defTabSz="914400" rtl="0" eaLnBrk="1" latinLnBrk="1" hangingPunct="1">
+              <a:lnSpc>
+                <a:spcPct val="90000"/>
+              </a:lnSpc>
+              <a:spcBef>
+                <a:spcPts val="500"/>
+              </a:spcBef>
+              <a:buFont typeface="Arial" panose="020B0604020202020204" pitchFamily="34" charset="0"/>
+              <a:buChar char="•"/>
+              <a:defRPr sz="1800" kern="1200">
+                <a:solidFill>
+                  <a:schemeClr val="tx1"/>
+                </a:solidFill>
+                <a:latin typeface="+mn-lt"/>
+                <a:ea typeface="+mn-ea"/>
+                <a:cs typeface="+mn-cs"/>
+              </a:defRPr>
+            </a:lvl8pPr>
+            <a:lvl9pPr marL="3886200" indent="-228600" algn="l" defTabSz="914400" rtl="0" eaLnBrk="1" latinLnBrk="1" hangingPunct="1">
+              <a:lnSpc>
+                <a:spcPct val="90000"/>
+              </a:lnSpc>
+              <a:spcBef>
+                <a:spcPts val="500"/>
+              </a:spcBef>
+              <a:buFont typeface="Arial" panose="020B0604020202020204" pitchFamily="34" charset="0"/>
+              <a:buChar char="•"/>
+              <a:defRPr sz="1800" kern="1200">
+                <a:solidFill>
+                  <a:schemeClr val="tx1"/>
+                </a:solidFill>
+                <a:latin typeface="+mn-lt"/>
+                <a:ea typeface="+mn-ea"/>
+                <a:cs typeface="+mn-cs"/>
+              </a:defRPr>
+            </a:lvl9pPr>
+          </a:lstStyle>
+          <a:p>
+            <a:r>
+              <a:rPr lang="ko-KR" altLang="en-US" sz="2000" dirty="0" smtClean="0">
+                <a:latin typeface="Arial" panose="020B0604020202020204" pitchFamily="34" charset="0"/>
+                <a:cs typeface="Arial" panose="020B0604020202020204" pitchFamily="34" charset="0"/>
+              </a:rPr>
+              <a:t>유의미하다고 </a:t>
+            </a:r>
+            <a:r>
+              <a:rPr lang="ko-KR" altLang="en-US" sz="2000" dirty="0">
+                <a:latin typeface="Arial" panose="020B0604020202020204" pitchFamily="34" charset="0"/>
+                <a:cs typeface="Arial" panose="020B0604020202020204" pitchFamily="34" charset="0"/>
+              </a:rPr>
+              <a:t>판단된 </a:t>
+            </a:r>
+            <a:r>
+              <a:rPr lang="en-US" altLang="ko-KR" sz="2000" dirty="0" smtClean="0">
+                <a:latin typeface="Arial" panose="020B0604020202020204" pitchFamily="34" charset="0"/>
+                <a:cs typeface="Arial" panose="020B0604020202020204" pitchFamily="34" charset="0"/>
+              </a:rPr>
+              <a:t>gene list</a:t>
+            </a:r>
+            <a:r>
+              <a:rPr lang="ko-KR" altLang="en-US" sz="2000" dirty="0" smtClean="0">
+                <a:latin typeface="Arial" panose="020B0604020202020204" pitchFamily="34" charset="0"/>
+                <a:cs typeface="Arial" panose="020B0604020202020204" pitchFamily="34" charset="0"/>
+              </a:rPr>
+              <a:t>를 </a:t>
+            </a:r>
+            <a:r>
+              <a:rPr lang="ko-KR" altLang="en-US" sz="2000" dirty="0">
+                <a:latin typeface="Arial" panose="020B0604020202020204" pitchFamily="34" charset="0"/>
+                <a:cs typeface="Arial" panose="020B0604020202020204" pitchFamily="34" charset="0"/>
+              </a:rPr>
+              <a:t>통해서 </a:t>
+            </a:r>
+            <a:r>
+              <a:rPr lang="en-US" altLang="ko-KR" sz="2000" dirty="0" smtClean="0">
+                <a:solidFill>
+                  <a:srgbClr val="FF0000"/>
+                </a:solidFill>
+                <a:latin typeface="Arial" panose="020B0604020202020204" pitchFamily="34" charset="0"/>
+                <a:cs typeface="Arial" panose="020B0604020202020204" pitchFamily="34" charset="0"/>
+              </a:rPr>
+              <a:t>p-value</a:t>
+            </a:r>
+            <a:r>
+              <a:rPr lang="ko-KR" altLang="en-US" sz="2000" dirty="0" smtClean="0">
+                <a:latin typeface="Arial" panose="020B0604020202020204" pitchFamily="34" charset="0"/>
+                <a:cs typeface="Arial" panose="020B0604020202020204" pitchFamily="34" charset="0"/>
+              </a:rPr>
+              <a:t>값을 </a:t>
+            </a:r>
+            <a:r>
+              <a:rPr lang="ko-KR" altLang="en-US" sz="2000" dirty="0">
+                <a:latin typeface="Arial" panose="020B0604020202020204" pitchFamily="34" charset="0"/>
+                <a:cs typeface="Arial" panose="020B0604020202020204" pitchFamily="34" charset="0"/>
+              </a:rPr>
+              <a:t>계산합니다</a:t>
+            </a:r>
+            <a:r>
+              <a:rPr lang="en-US" altLang="ko-KR" sz="2000" dirty="0" smtClean="0">
+                <a:latin typeface="Arial" panose="020B0604020202020204" pitchFamily="34" charset="0"/>
+                <a:cs typeface="Arial" panose="020B0604020202020204" pitchFamily="34" charset="0"/>
+              </a:rPr>
+              <a:t>.</a:t>
+            </a:r>
+            <a:endParaRPr lang="en-US" altLang="ko-KR" sz="2000" dirty="0">
+              <a:latin typeface="Arial" panose="020B0604020202020204" pitchFamily="34" charset="0"/>
+              <a:cs typeface="Arial" panose="020B0604020202020204" pitchFamily="34" charset="0"/>
+            </a:endParaRPr>
+          </a:p>
+          <a:p>
+            <a:r>
+              <a:rPr lang="en-US" altLang="ko-KR" sz="2000" dirty="0">
+                <a:latin typeface="Arial" panose="020B0604020202020204" pitchFamily="34" charset="0"/>
+                <a:cs typeface="Arial" panose="020B0604020202020204" pitchFamily="34" charset="0"/>
+              </a:rPr>
+              <a:t>p-value </a:t>
+            </a:r>
+            <a:r>
+              <a:rPr lang="ko-KR" altLang="en-US" sz="2000" dirty="0">
+                <a:latin typeface="Arial" panose="020B0604020202020204" pitchFamily="34" charset="0"/>
+                <a:cs typeface="Arial" panose="020B0604020202020204" pitchFamily="34" charset="0"/>
+              </a:rPr>
+              <a:t>값이 낮을 수록 </a:t>
+            </a:r>
+            <a:r>
+              <a:rPr lang="en-US" altLang="ko-KR" sz="2000" dirty="0">
+                <a:latin typeface="Arial" panose="020B0604020202020204" pitchFamily="34" charset="0"/>
+                <a:cs typeface="Arial" panose="020B0604020202020204" pitchFamily="34" charset="0"/>
+              </a:rPr>
+              <a:t>gene list</a:t>
+            </a:r>
+            <a:r>
+              <a:rPr lang="ko-KR" altLang="en-US" sz="2000" dirty="0">
+                <a:latin typeface="Arial" panose="020B0604020202020204" pitchFamily="34" charset="0"/>
+                <a:cs typeface="Arial" panose="020B0604020202020204" pitchFamily="34" charset="0"/>
+              </a:rPr>
+              <a:t>와 해당 </a:t>
+            </a:r>
+            <a:r>
+              <a:rPr lang="en-US" altLang="ko-KR" sz="2000" dirty="0">
+                <a:latin typeface="Arial" panose="020B0604020202020204" pitchFamily="34" charset="0"/>
+                <a:cs typeface="Arial" panose="020B0604020202020204" pitchFamily="34" charset="0"/>
+              </a:rPr>
+              <a:t>GO</a:t>
+            </a:r>
+            <a:r>
+              <a:rPr lang="ko-KR" altLang="en-US" sz="2000" dirty="0">
+                <a:latin typeface="Arial" panose="020B0604020202020204" pitchFamily="34" charset="0"/>
+                <a:cs typeface="Arial" panose="020B0604020202020204" pitchFamily="34" charset="0"/>
+              </a:rPr>
+              <a:t>와의 연관이 있다고 판단합니다</a:t>
+            </a:r>
+            <a:r>
+              <a:rPr lang="en-US" altLang="ko-KR" sz="1800" dirty="0">
+                <a:latin typeface="Arial" panose="020B0604020202020204" pitchFamily="34" charset="0"/>
+                <a:cs typeface="Arial" panose="020B0604020202020204" pitchFamily="34" charset="0"/>
+              </a:rPr>
+              <a:t>.</a:t>
+            </a:r>
+            <a:endParaRPr lang="ko-KR" altLang="en-US" sz="1800" dirty="0">
+              <a:latin typeface="Arial" panose="020B0604020202020204" pitchFamily="34" charset="0"/>
+              <a:cs typeface="Arial" panose="020B0604020202020204" pitchFamily="34" charset="0"/>
+            </a:endParaRPr>
           </a:p>
         </p:txBody>
       </p:sp>
@@ -4478,10 +7015,17 @@
   <p:clrMapOvr>
     <a:masterClrMapping/>
   </p:clrMapOvr>
+  <p:timing>
+    <p:tnLst>
+      <p:par>
+        <p:cTn id="1" dur="indefinite" restart="never" nodeType="tmRoot"/>
+      </p:par>
+    </p:tnLst>
+  </p:timing>
 </p:sld>
 </file>
 
-<file path=ppt/slides/slide6.xml><?xml version="1.0" encoding="utf-8"?>
+<file path=ppt/slides/slide8.xml><?xml version="1.0" encoding="utf-8"?>
 <p:sld xmlns:a="http://schemas.openxmlformats.org/drawingml/2006/main" xmlns:r="http://schemas.openxmlformats.org/officeDocument/2006/relationships" xmlns:p="http://schemas.openxmlformats.org/presentationml/2006/main">
   <p:cSld>
     <p:spTree>
@@ -4521,13 +7065,26 @@
           <a:lstStyle/>
           <a:p>
             <a:r>
-              <a:rPr lang="en-US" altLang="ko-KR" dirty="0">
-                <a:latin typeface="Arial" panose="020B0604020202020204" pitchFamily="34" charset="0"/>
-                <a:cs typeface="Arial" panose="020B0604020202020204" pitchFamily="34" charset="0"/>
-              </a:rPr>
-              <a:t>Fisher’s exact test</a:t>
-            </a:r>
-            <a:endParaRPr lang="ko-KR" altLang="en-US" dirty="0">
+              <a:rPr lang="en-US" altLang="ko-KR" b="1" dirty="0">
+                <a:latin typeface="Arial" panose="020B0604020202020204" pitchFamily="34" charset="0"/>
+                <a:cs typeface="Arial" panose="020B0604020202020204" pitchFamily="34" charset="0"/>
+              </a:rPr>
+              <a:t>5. Gene ontology analysis</a:t>
+            </a:r>
+            <a:br>
+              <a:rPr lang="en-US" altLang="ko-KR" b="1" dirty="0">
+                <a:latin typeface="Arial" panose="020B0604020202020204" pitchFamily="34" charset="0"/>
+                <a:cs typeface="Arial" panose="020B0604020202020204" pitchFamily="34" charset="0"/>
+              </a:rPr>
+            </a:br>
+            <a:r>
+              <a:rPr lang="en-US" altLang="ko-KR" sz="2800" b="1" dirty="0">
+                <a:latin typeface="Arial" panose="020B0604020202020204" pitchFamily="34" charset="0"/>
+                <a:cs typeface="Arial" panose="020B0604020202020204" pitchFamily="34" charset="0"/>
+              </a:rPr>
+              <a:t>p-value(Fisher’s exact test)</a:t>
+            </a:r>
+            <a:endParaRPr lang="ko-KR" altLang="en-US" sz="2800" dirty="0">
               <a:latin typeface="Arial" panose="020B0604020202020204" pitchFamily="34" charset="0"/>
               <a:cs typeface="Arial" panose="020B0604020202020204" pitchFamily="34" charset="0"/>
             </a:endParaRPr>
@@ -4544,7 +7101,7 @@
             <p:ph idx="1"/>
             <p:extLst>
               <p:ext uri="{D42A27DB-BD31-4B8C-83A1-F6EECF244321}">
-                <p14:modId xmlns:p14="http://schemas.microsoft.com/office/powerpoint/2010/main" val="3919434514"/>
+                <p14:modId xmlns:p14="http://schemas.microsoft.com/office/powerpoint/2010/main" val="1784869160"/>
               </p:ext>
             </p:extLst>
           </p:nvPr>
@@ -4563,21 +7120,21 @@
                 <a:gridCol w="2680730">
                   <a:extLst>
                     <a:ext uri="{9D8B030D-6E8A-4147-A177-3AD203B41FA5}">
-                      <a16:colId xmlns:a16="http://schemas.microsoft.com/office/drawing/2014/main" val="20000"/>
+                      <a16:colId xmlns:a16="http://schemas.microsoft.com/office/drawing/2014/main" xmlns="" val="20000"/>
                     </a:ext>
                   </a:extLst>
                 </a:gridCol>
                 <a:gridCol w="2680730">
                   <a:extLst>
                     <a:ext uri="{9D8B030D-6E8A-4147-A177-3AD203B41FA5}">
-                      <a16:colId xmlns:a16="http://schemas.microsoft.com/office/drawing/2014/main" val="20001"/>
+                      <a16:colId xmlns:a16="http://schemas.microsoft.com/office/drawing/2014/main" xmlns="" val="20001"/>
                     </a:ext>
                   </a:extLst>
                 </a:gridCol>
                 <a:gridCol w="2680730">
                   <a:extLst>
                     <a:ext uri="{9D8B030D-6E8A-4147-A177-3AD203B41FA5}">
-                      <a16:colId xmlns:a16="http://schemas.microsoft.com/office/drawing/2014/main" val="20002"/>
+                      <a16:colId xmlns:a16="http://schemas.microsoft.com/office/drawing/2014/main" xmlns="" val="20002"/>
                     </a:ext>
                   </a:extLst>
                 </a:gridCol>
@@ -4640,7 +7197,7 @@
                 </a:tc>
                 <a:extLst>
                   <a:ext uri="{0D108BD9-81ED-4DB2-BD59-A6C34878D82A}">
-                    <a16:rowId xmlns:a16="http://schemas.microsoft.com/office/drawing/2014/main" val="10000"/>
+                    <a16:rowId xmlns:a16="http://schemas.microsoft.com/office/drawing/2014/main" xmlns="" val="10000"/>
                   </a:ext>
                 </a:extLst>
               </a:tr>
@@ -4704,7 +7261,7 @@
                 </a:tc>
                 <a:extLst>
                   <a:ext uri="{0D108BD9-81ED-4DB2-BD59-A6C34878D82A}">
-                    <a16:rowId xmlns:a16="http://schemas.microsoft.com/office/drawing/2014/main" val="10001"/>
+                    <a16:rowId xmlns:a16="http://schemas.microsoft.com/office/drawing/2014/main" xmlns="" val="10001"/>
                   </a:ext>
                 </a:extLst>
               </a:tr>
@@ -4756,7 +7313,7 @@
                 </a:tc>
                 <a:extLst>
                   <a:ext uri="{0D108BD9-81ED-4DB2-BD59-A6C34878D82A}">
-                    <a16:rowId xmlns:a16="http://schemas.microsoft.com/office/drawing/2014/main" val="10002"/>
+                    <a16:rowId xmlns:a16="http://schemas.microsoft.com/office/drawing/2014/main" xmlns="" val="10002"/>
                   </a:ext>
                 </a:extLst>
               </a:tr>
@@ -5119,7 +7676,7 @@
               <a:prstGeom prst="rect">
                 <a:avLst/>
               </a:prstGeom>
-              <a:blipFill>
+              <a:blipFill rotWithShape="0">
                 <a:blip r:embed="rId2"/>
                 <a:stretch>
                   <a:fillRect l="-10526" b="-1290"/>
@@ -5149,7 +7706,7 @@
         </p:nvSpPr>
         <p:spPr>
           <a:xfrm>
-            <a:off x="6096000" y="5623903"/>
+            <a:off x="4980803" y="5336838"/>
             <a:ext cx="3575222" cy="369332"/>
           </a:xfrm>
           <a:prstGeom prst="rect">
@@ -5164,11 +7721,116 @@
           <a:lstStyle/>
           <a:p>
             <a:r>
-              <a:rPr lang="en-US" altLang="ko-KR" dirty="0">
+              <a:rPr lang="en-US" altLang="ko-KR" b="1" dirty="0">
+                <a:solidFill>
+                  <a:srgbClr val="FF0000"/>
+                </a:solidFill>
                 <a:latin typeface="Arial" panose="020B0604020202020204" pitchFamily="34" charset="0"/>
                 <a:cs typeface="Arial" panose="020B0604020202020204" pitchFamily="34" charset="0"/>
               </a:rPr>
               <a:t>P-value = 0.007 (&lt;0.05)</a:t>
+            </a:r>
+            <a:endParaRPr lang="ko-KR" altLang="en-US" b="1" dirty="0">
+              <a:solidFill>
+                <a:srgbClr val="FF0000"/>
+              </a:solidFill>
+              <a:latin typeface="Arial" panose="020B0604020202020204" pitchFamily="34" charset="0"/>
+              <a:cs typeface="Arial" panose="020B0604020202020204" pitchFamily="34" charset="0"/>
+            </a:endParaRPr>
+          </a:p>
+        </p:txBody>
+      </p:sp>
+      <p:sp>
+        <p:nvSpPr>
+          <p:cNvPr id="10" name="TextBox 9"/>
+          <p:cNvSpPr txBox="1"/>
+          <p:nvPr/>
+        </p:nvSpPr>
+        <p:spPr>
+          <a:xfrm>
+            <a:off x="4800600" y="5706170"/>
+            <a:ext cx="4943475" cy="646331"/>
+          </a:xfrm>
+          <a:prstGeom prst="rect">
+            <a:avLst/>
+          </a:prstGeom>
+          <a:noFill/>
+        </p:spPr>
+        <p:txBody>
+          <a:bodyPr wrap="square" rtlCol="0">
+            <a:spAutoFit/>
+          </a:bodyPr>
+          <a:lstStyle/>
+          <a:p>
+            <a:r>
+              <a:rPr lang="en-US" altLang="ko-KR" dirty="0" smtClean="0">
+                <a:latin typeface="Arial" panose="020B0604020202020204" pitchFamily="34" charset="0"/>
+                <a:cs typeface="Arial" panose="020B0604020202020204" pitchFamily="34" charset="0"/>
+              </a:rPr>
+              <a:t>P-value </a:t>
+            </a:r>
+            <a:r>
+              <a:rPr lang="ko-KR" altLang="en-US" dirty="0" smtClean="0">
+                <a:latin typeface="Arial" panose="020B0604020202020204" pitchFamily="34" charset="0"/>
+                <a:cs typeface="Arial" panose="020B0604020202020204" pitchFamily="34" charset="0"/>
+              </a:rPr>
+              <a:t>값이 </a:t>
+            </a:r>
+            <a:r>
+              <a:rPr lang="en-US" altLang="ko-KR" dirty="0" smtClean="0">
+                <a:latin typeface="Arial" panose="020B0604020202020204" pitchFamily="34" charset="0"/>
+                <a:cs typeface="Arial" panose="020B0604020202020204" pitchFamily="34" charset="0"/>
+              </a:rPr>
+              <a:t>0.05 </a:t>
+            </a:r>
+            <a:r>
+              <a:rPr lang="ko-KR" altLang="en-US" dirty="0" smtClean="0">
+                <a:latin typeface="Arial" panose="020B0604020202020204" pitchFamily="34" charset="0"/>
+                <a:cs typeface="Arial" panose="020B0604020202020204" pitchFamily="34" charset="0"/>
+              </a:rPr>
+              <a:t>이하기 때문에 해당 </a:t>
+            </a:r>
+            <a:r>
+              <a:rPr lang="en-US" altLang="ko-KR" dirty="0" smtClean="0">
+                <a:latin typeface="Arial" panose="020B0604020202020204" pitchFamily="34" charset="0"/>
+                <a:cs typeface="Arial" panose="020B0604020202020204" pitchFamily="34" charset="0"/>
+              </a:rPr>
+              <a:t>gene list </a:t>
+            </a:r>
+            <a:r>
+              <a:rPr lang="ko-KR" altLang="en-US" dirty="0" smtClean="0">
+                <a:latin typeface="Arial" panose="020B0604020202020204" pitchFamily="34" charset="0"/>
+                <a:cs typeface="Arial" panose="020B0604020202020204" pitchFamily="34" charset="0"/>
+              </a:rPr>
+              <a:t>와 </a:t>
+            </a:r>
+            <a:r>
+              <a:rPr lang="en-US" altLang="ko-KR" dirty="0" smtClean="0">
+                <a:latin typeface="Arial" panose="020B0604020202020204" pitchFamily="34" charset="0"/>
+                <a:cs typeface="Arial" panose="020B0604020202020204" pitchFamily="34" charset="0"/>
+              </a:rPr>
+              <a:t>GO</a:t>
+            </a:r>
+            <a:r>
+              <a:rPr lang="ko-KR" altLang="en-US" dirty="0" smtClean="0">
+                <a:latin typeface="Arial" panose="020B0604020202020204" pitchFamily="34" charset="0"/>
+                <a:cs typeface="Arial" panose="020B0604020202020204" pitchFamily="34" charset="0"/>
+              </a:rPr>
+              <a:t>는 연관성이 높다고 판단합니다</a:t>
+            </a:r>
+            <a:r>
+              <a:rPr lang="en-US" altLang="ko-KR" dirty="0" smtClean="0">
+                <a:latin typeface="Arial" panose="020B0604020202020204" pitchFamily="34" charset="0"/>
+                <a:cs typeface="Arial" panose="020B0604020202020204" pitchFamily="34" charset="0"/>
+              </a:rPr>
+              <a:t>.</a:t>
+            </a:r>
+            <a:r>
+              <a:rPr lang="ko-KR" altLang="en-US" dirty="0" smtClean="0">
+                <a:latin typeface="Arial" panose="020B0604020202020204" pitchFamily="34" charset="0"/>
+                <a:cs typeface="Arial" panose="020B0604020202020204" pitchFamily="34" charset="0"/>
+              </a:rPr>
+              <a:t> </a:t>
             </a:r>
             <a:endParaRPr lang="ko-KR" altLang="en-US" dirty="0">
               <a:latin typeface="Arial" panose="020B0604020202020204" pitchFamily="34" charset="0"/>
@@ -5187,298 +7849,13 @@
   <p:clrMapOvr>
     <a:masterClrMapping/>
   </p:clrMapOvr>
-</p:sld>
-</file>
-
-<file path=ppt/slides/slide7.xml><?xml version="1.0" encoding="utf-8"?>
-<p:sld xmlns:a="http://schemas.openxmlformats.org/drawingml/2006/main" xmlns:r="http://schemas.openxmlformats.org/officeDocument/2006/relationships" xmlns:p="http://schemas.openxmlformats.org/presentationml/2006/main">
-  <p:cSld>
-    <p:spTree>
-      <p:nvGrpSpPr>
-        <p:cNvPr id="1" name=""/>
-        <p:cNvGrpSpPr/>
-        <p:nvPr/>
-      </p:nvGrpSpPr>
-      <p:grpSpPr>
-        <a:xfrm>
-          <a:off x="0" y="0"/>
-          <a:ext cx="0" cy="0"/>
-          <a:chOff x="0" y="0"/>
-          <a:chExt cx="0" cy="0"/>
-        </a:xfrm>
-      </p:grpSpPr>
-      <p:sp>
-        <p:nvSpPr>
-          <p:cNvPr id="2" name="제목 1"/>
-          <p:cNvSpPr>
-            <a:spLocks noGrp="1"/>
-          </p:cNvSpPr>
-          <p:nvPr>
-            <p:ph type="title"/>
-          </p:nvPr>
-        </p:nvSpPr>
-        <p:spPr/>
-        <p:txBody>
-          <a:bodyPr>
-            <a:normAutofit/>
-          </a:bodyPr>
-          <a:lstStyle/>
-          <a:p>
-            <a:r>
-              <a:rPr lang="en-US" altLang="ko-KR" dirty="0">
-                <a:latin typeface="Arial" panose="020B0604020202020204" pitchFamily="34" charset="0"/>
-                <a:cs typeface="Arial" panose="020B0604020202020204" pitchFamily="34" charset="0"/>
-              </a:rPr>
-              <a:t>Gene ontology web tool</a:t>
-            </a:r>
-            <a:endParaRPr lang="ko-KR" altLang="en-US" dirty="0">
-              <a:latin typeface="Arial" panose="020B0604020202020204" pitchFamily="34" charset="0"/>
-              <a:cs typeface="Arial" panose="020B0604020202020204" pitchFamily="34" charset="0"/>
-            </a:endParaRPr>
-          </a:p>
-        </p:txBody>
-      </p:sp>
-      <p:sp>
-        <p:nvSpPr>
-          <p:cNvPr id="3" name="내용 개체 틀 2"/>
-          <p:cNvSpPr>
-            <a:spLocks noGrp="1"/>
-          </p:cNvSpPr>
-          <p:nvPr>
-            <p:ph idx="1"/>
-          </p:nvPr>
-        </p:nvSpPr>
-        <p:spPr/>
-        <p:txBody>
-          <a:bodyPr/>
-          <a:lstStyle/>
-          <a:p>
-            <a:r>
-              <a:rPr lang="en-US" altLang="ko-KR" dirty="0">
-                <a:latin typeface="Arial" panose="020B0604020202020204" pitchFamily="34" charset="0"/>
-                <a:cs typeface="Arial" panose="020B0604020202020204" pitchFamily="34" charset="0"/>
-              </a:rPr>
-              <a:t>DAVID - </a:t>
-            </a:r>
-            <a:r>
-              <a:rPr lang="en-US" altLang="ko-KR" dirty="0">
-                <a:latin typeface="Arial" panose="020B0604020202020204" pitchFamily="34" charset="0"/>
-                <a:cs typeface="Arial" panose="020B0604020202020204" pitchFamily="34" charset="0"/>
-                <a:hlinkClick r:id="rId2"/>
-              </a:rPr>
-              <a:t>https://david.ncifcrf.gov/home.jsp</a:t>
-            </a:r>
-            <a:endParaRPr lang="en-US" altLang="ko-KR" dirty="0">
-              <a:latin typeface="Arial" panose="020B0604020202020204" pitchFamily="34" charset="0"/>
-              <a:cs typeface="Arial" panose="020B0604020202020204" pitchFamily="34" charset="0"/>
-            </a:endParaRPr>
-          </a:p>
-          <a:p>
-            <a:endParaRPr lang="en-US" altLang="ko-KR" dirty="0">
-              <a:latin typeface="Arial" panose="020B0604020202020204" pitchFamily="34" charset="0"/>
-              <a:cs typeface="Arial" panose="020B0604020202020204" pitchFamily="34" charset="0"/>
-            </a:endParaRPr>
-          </a:p>
-          <a:p>
-            <a:r>
-              <a:rPr lang="en-US" altLang="ko-KR" dirty="0" err="1">
-                <a:latin typeface="Arial" panose="020B0604020202020204" pitchFamily="34" charset="0"/>
-                <a:cs typeface="Arial" panose="020B0604020202020204" pitchFamily="34" charset="0"/>
-              </a:rPr>
-              <a:t>Toppgene</a:t>
-            </a:r>
-            <a:r>
-              <a:rPr lang="en-US" altLang="ko-KR" dirty="0">
-                <a:latin typeface="Arial" panose="020B0604020202020204" pitchFamily="34" charset="0"/>
-                <a:cs typeface="Arial" panose="020B0604020202020204" pitchFamily="34" charset="0"/>
-              </a:rPr>
-              <a:t> - https://toppgene.cchmc.org/</a:t>
-            </a:r>
-          </a:p>
-          <a:p>
-            <a:endParaRPr lang="en-US" altLang="ko-KR" dirty="0">
-              <a:latin typeface="Arial" panose="020B0604020202020204" pitchFamily="34" charset="0"/>
-              <a:cs typeface="Arial" panose="020B0604020202020204" pitchFamily="34" charset="0"/>
-            </a:endParaRPr>
-          </a:p>
-          <a:p>
-            <a:r>
-              <a:rPr lang="en-US" altLang="ko-KR" dirty="0">
-                <a:latin typeface="Arial" panose="020B0604020202020204" pitchFamily="34" charset="0"/>
-                <a:cs typeface="Arial" panose="020B0604020202020204" pitchFamily="34" charset="0"/>
-              </a:rPr>
-              <a:t>G:profiler - https://biit.cs.ut.ee/gprofiler/gost</a:t>
-            </a:r>
-          </a:p>
-          <a:p>
-            <a:endParaRPr lang="en-US" altLang="ko-KR" dirty="0">
-              <a:latin typeface="Arial" panose="020B0604020202020204" pitchFamily="34" charset="0"/>
-              <a:cs typeface="Arial" panose="020B0604020202020204" pitchFamily="34" charset="0"/>
-            </a:endParaRPr>
-          </a:p>
-          <a:p>
-            <a:r>
-              <a:rPr lang="en-US" altLang="ko-KR" dirty="0">
-                <a:latin typeface="Arial" panose="020B0604020202020204" pitchFamily="34" charset="0"/>
-                <a:cs typeface="Arial" panose="020B0604020202020204" pitchFamily="34" charset="0"/>
-              </a:rPr>
-              <a:t>Panther - http://www.pantherdb.org/</a:t>
-            </a:r>
-            <a:endParaRPr lang="ko-KR" altLang="en-US" dirty="0">
-              <a:latin typeface="Arial" panose="020B0604020202020204" pitchFamily="34" charset="0"/>
-              <a:cs typeface="Arial" panose="020B0604020202020204" pitchFamily="34" charset="0"/>
-            </a:endParaRPr>
-          </a:p>
-        </p:txBody>
-      </p:sp>
-    </p:spTree>
-    <p:extLst>
-      <p:ext uri="{BB962C8B-B14F-4D97-AF65-F5344CB8AC3E}">
-        <p14:creationId xmlns:p14="http://schemas.microsoft.com/office/powerpoint/2010/main" val="1578397654"/>
-      </p:ext>
-    </p:extLst>
-  </p:cSld>
-  <p:clrMapOvr>
-    <a:masterClrMapping/>
-  </p:clrMapOvr>
-</p:sld>
-</file>
-
-<file path=ppt/slides/slide8.xml><?xml version="1.0" encoding="utf-8"?>
-<p:sld xmlns:a="http://schemas.openxmlformats.org/drawingml/2006/main" xmlns:r="http://schemas.openxmlformats.org/officeDocument/2006/relationships" xmlns:p="http://schemas.openxmlformats.org/presentationml/2006/main">
-  <p:cSld>
-    <p:spTree>
-      <p:nvGrpSpPr>
-        <p:cNvPr id="1" name=""/>
-        <p:cNvGrpSpPr/>
-        <p:nvPr/>
-      </p:nvGrpSpPr>
-      <p:grpSpPr>
-        <a:xfrm>
-          <a:off x="0" y="0"/>
-          <a:ext cx="0" cy="0"/>
-          <a:chOff x="0" y="0"/>
-          <a:chExt cx="0" cy="0"/>
-        </a:xfrm>
-      </p:grpSpPr>
-      <p:sp>
-        <p:nvSpPr>
-          <p:cNvPr id="2" name="제목 1"/>
-          <p:cNvSpPr>
-            <a:spLocks noGrp="1"/>
-          </p:cNvSpPr>
-          <p:nvPr>
-            <p:ph type="title"/>
-          </p:nvPr>
-        </p:nvSpPr>
-        <p:spPr/>
-        <p:txBody>
-          <a:bodyPr>
-            <a:normAutofit/>
-          </a:bodyPr>
-          <a:lstStyle/>
-          <a:p>
-            <a:r>
-              <a:rPr lang="en-US" altLang="ko-KR" dirty="0">
-                <a:latin typeface="Arial" panose="020B0604020202020204" pitchFamily="34" charset="0"/>
-                <a:cs typeface="Arial" panose="020B0604020202020204" pitchFamily="34" charset="0"/>
-              </a:rPr>
-              <a:t>DAVID tutorial</a:t>
-            </a:r>
-            <a:endParaRPr lang="ko-KR" altLang="en-US" dirty="0">
-              <a:latin typeface="Arial" panose="020B0604020202020204" pitchFamily="34" charset="0"/>
-              <a:cs typeface="Arial" panose="020B0604020202020204" pitchFamily="34" charset="0"/>
-            </a:endParaRPr>
-          </a:p>
-        </p:txBody>
-      </p:sp>
-      <p:pic>
-        <p:nvPicPr>
-          <p:cNvPr id="11" name="내용 개체 틀 10"/>
-          <p:cNvPicPr>
-            <a:picLocks noGrp="1" noChangeAspect="1"/>
-          </p:cNvPicPr>
-          <p:nvPr>
-            <p:ph idx="1"/>
-          </p:nvPr>
-        </p:nvPicPr>
-        <p:blipFill>
-          <a:blip r:embed="rId2"/>
-          <a:stretch>
-            <a:fillRect/>
-          </a:stretch>
-        </p:blipFill>
-        <p:spPr>
-          <a:xfrm>
-            <a:off x="2257798" y="1825625"/>
-            <a:ext cx="7132705" cy="4351338"/>
-          </a:xfrm>
-          <a:prstGeom prst="rect">
-            <a:avLst/>
-          </a:prstGeom>
-        </p:spPr>
-      </p:pic>
-      <p:sp>
-        <p:nvSpPr>
-          <p:cNvPr id="12" name="아래쪽 화살표 11"/>
-          <p:cNvSpPr/>
-          <p:nvPr/>
-        </p:nvSpPr>
-        <p:spPr>
-          <a:xfrm rot="10800000">
-            <a:off x="2907957" y="2405449"/>
-            <a:ext cx="354227" cy="469556"/>
-          </a:xfrm>
-          <a:prstGeom prst="downArrow">
-            <a:avLst/>
-          </a:prstGeom>
-          <a:solidFill>
-            <a:srgbClr val="FF0000"/>
-          </a:solidFill>
-          <a:ln>
-            <a:solidFill>
-              <a:srgbClr val="FF0000"/>
-            </a:solidFill>
-          </a:ln>
-        </p:spPr>
-        <p:style>
-          <a:lnRef idx="2">
-            <a:schemeClr val="accent1">
-              <a:shade val="50000"/>
-            </a:schemeClr>
-          </a:lnRef>
-          <a:fillRef idx="1">
-            <a:schemeClr val="accent1"/>
-          </a:fillRef>
-          <a:effectRef idx="0">
-            <a:schemeClr val="accent1"/>
-          </a:effectRef>
-          <a:fontRef idx="minor">
-            <a:schemeClr val="lt1"/>
-          </a:fontRef>
-        </p:style>
-        <p:txBody>
-          <a:bodyPr rtlCol="0" anchor="ctr"/>
-          <a:lstStyle/>
-          <a:p>
-            <a:pPr algn="ctr"/>
-            <a:endParaRPr lang="ko-KR" altLang="en-US">
-              <a:latin typeface="Arial" panose="020B0604020202020204" pitchFamily="34" charset="0"/>
-              <a:cs typeface="Arial" panose="020B0604020202020204" pitchFamily="34" charset="0"/>
-            </a:endParaRPr>
-          </a:p>
-        </p:txBody>
-      </p:sp>
-    </p:spTree>
-    <p:extLst>
-      <p:ext uri="{BB962C8B-B14F-4D97-AF65-F5344CB8AC3E}">
-        <p14:creationId xmlns:p14="http://schemas.microsoft.com/office/powerpoint/2010/main" val="1832471734"/>
-      </p:ext>
-    </p:extLst>
-  </p:cSld>
-  <p:clrMapOvr>
-    <a:masterClrMapping/>
-  </p:clrMapOvr>
+  <p:timing>
+    <p:tnLst>
+      <p:par>
+        <p:cTn id="1" dur="indefinite" restart="never" nodeType="tmRoot"/>
+      </p:par>
+    </p:tnLst>
+  </p:timing>
 </p:sld>
 </file>
 
@@ -5499,36 +7876,6 @@
           <a:chExt cx="0" cy="0"/>
         </a:xfrm>
       </p:grpSpPr>
-      <p:pic>
-        <p:nvPicPr>
-          <p:cNvPr id="7" name="그림 6">
-            <a:extLst>
-              <a:ext uri="{FF2B5EF4-FFF2-40B4-BE49-F238E27FC236}">
-                <a16:creationId xmlns:a16="http://schemas.microsoft.com/office/drawing/2014/main" id="{D30CFB75-0B46-46D9-90DD-FCF414E4977C}"/>
-              </a:ext>
-            </a:extLst>
-          </p:cNvPr>
-          <p:cNvPicPr>
-            <a:picLocks noChangeAspect="1"/>
-          </p:cNvPicPr>
-          <p:nvPr/>
-        </p:nvPicPr>
-        <p:blipFill>
-          <a:blip r:embed="rId2"/>
-          <a:stretch>
-            <a:fillRect/>
-          </a:stretch>
-        </p:blipFill>
-        <p:spPr>
-          <a:xfrm>
-            <a:off x="5124708" y="881408"/>
-            <a:ext cx="1942584" cy="5641759"/>
-          </a:xfrm>
-          <a:prstGeom prst="rect">
-            <a:avLst/>
-          </a:prstGeom>
-        </p:spPr>
-      </p:pic>
       <p:sp>
         <p:nvSpPr>
           <p:cNvPr id="2" name="제목 1"/>
@@ -5547,11 +7894,134 @@
           <a:lstStyle/>
           <a:p>
             <a:r>
+              <a:rPr lang="en-US" altLang="ko-KR" b="1" dirty="0">
+                <a:latin typeface="Arial" panose="020B0604020202020204" pitchFamily="34" charset="0"/>
+                <a:cs typeface="Arial" panose="020B0604020202020204" pitchFamily="34" charset="0"/>
+              </a:rPr>
+              <a:t>5. Gene ontology analysis</a:t>
+            </a:r>
+            <a:br>
+              <a:rPr lang="en-US" altLang="ko-KR" b="1" dirty="0">
+                <a:latin typeface="Arial" panose="020B0604020202020204" pitchFamily="34" charset="0"/>
+                <a:cs typeface="Arial" panose="020B0604020202020204" pitchFamily="34" charset="0"/>
+              </a:rPr>
+            </a:br>
+            <a:r>
+              <a:rPr lang="en-US" altLang="ko-KR" sz="2800" b="1" dirty="0">
+                <a:latin typeface="Arial" panose="020B0604020202020204" pitchFamily="34" charset="0"/>
+                <a:cs typeface="Arial" panose="020B0604020202020204" pitchFamily="34" charset="0"/>
+              </a:rPr>
+              <a:t>David Tutorial</a:t>
+            </a:r>
+            <a:endParaRPr lang="ko-KR" altLang="en-US" sz="2800" dirty="0">
+              <a:latin typeface="Arial" panose="020B0604020202020204" pitchFamily="34" charset="0"/>
+              <a:cs typeface="Arial" panose="020B0604020202020204" pitchFamily="34" charset="0"/>
+            </a:endParaRPr>
+          </a:p>
+        </p:txBody>
+      </p:sp>
+      <p:sp>
+        <p:nvSpPr>
+          <p:cNvPr id="3" name="내용 개체 틀 2"/>
+          <p:cNvSpPr>
+            <a:spLocks noGrp="1"/>
+          </p:cNvSpPr>
+          <p:nvPr>
+            <p:ph idx="1"/>
+          </p:nvPr>
+        </p:nvSpPr>
+        <p:spPr/>
+        <p:txBody>
+          <a:bodyPr/>
+          <a:lstStyle/>
+          <a:p>
+            <a:r>
+              <a:rPr lang="en-US" altLang="ko-KR" b="1" dirty="0">
+                <a:solidFill>
+                  <a:srgbClr val="FF0000"/>
+                </a:solidFill>
+                <a:latin typeface="Arial" panose="020B0604020202020204" pitchFamily="34" charset="0"/>
+                <a:cs typeface="Arial" panose="020B0604020202020204" pitchFamily="34" charset="0"/>
+              </a:rPr>
+              <a:t>DAVID</a:t>
+            </a:r>
+            <a:r>
               <a:rPr lang="en-US" altLang="ko-KR" dirty="0">
                 <a:latin typeface="Arial" panose="020B0604020202020204" pitchFamily="34" charset="0"/>
                 <a:cs typeface="Arial" panose="020B0604020202020204" pitchFamily="34" charset="0"/>
               </a:rPr>
-              <a:t>DAVID tutorial</a:t>
+              <a:t> - </a:t>
+            </a:r>
+            <a:r>
+              <a:rPr lang="en-US" altLang="ko-KR" dirty="0">
+                <a:latin typeface="Arial" panose="020B0604020202020204" pitchFamily="34" charset="0"/>
+                <a:cs typeface="Arial" panose="020B0604020202020204" pitchFamily="34" charset="0"/>
+                <a:hlinkClick r:id="rId2"/>
+              </a:rPr>
+              <a:t>https://david.ncifcrf.gov/home.jsp</a:t>
+            </a:r>
+            <a:endParaRPr lang="en-US" altLang="ko-KR" dirty="0">
+              <a:latin typeface="Arial" panose="020B0604020202020204" pitchFamily="34" charset="0"/>
+              <a:cs typeface="Arial" panose="020B0604020202020204" pitchFamily="34" charset="0"/>
+            </a:endParaRPr>
+          </a:p>
+          <a:p>
+            <a:endParaRPr lang="en-US" altLang="ko-KR" dirty="0">
+              <a:latin typeface="Arial" panose="020B0604020202020204" pitchFamily="34" charset="0"/>
+              <a:cs typeface="Arial" panose="020B0604020202020204" pitchFamily="34" charset="0"/>
+            </a:endParaRPr>
+          </a:p>
+          <a:p>
+            <a:r>
+              <a:rPr lang="en-US" altLang="ko-KR" dirty="0" err="1" smtClean="0">
+                <a:latin typeface="Arial" panose="020B0604020202020204" pitchFamily="34" charset="0"/>
+                <a:cs typeface="Arial" panose="020B0604020202020204" pitchFamily="34" charset="0"/>
+              </a:rPr>
+              <a:t>Toppgene</a:t>
+            </a:r>
+            <a:r>
+              <a:rPr lang="en-US" altLang="ko-KR" dirty="0" smtClean="0">
+                <a:latin typeface="Arial" panose="020B0604020202020204" pitchFamily="34" charset="0"/>
+                <a:cs typeface="Arial" panose="020B0604020202020204" pitchFamily="34" charset="0"/>
+              </a:rPr>
+              <a:t> </a:t>
+            </a:r>
+            <a:r>
+              <a:rPr lang="en-US" altLang="ko-KR" dirty="0">
+                <a:latin typeface="Arial" panose="020B0604020202020204" pitchFamily="34" charset="0"/>
+                <a:cs typeface="Arial" panose="020B0604020202020204" pitchFamily="34" charset="0"/>
+              </a:rPr>
+              <a:t>- https://toppgene.cchmc.org/</a:t>
+            </a:r>
+          </a:p>
+          <a:p>
+            <a:endParaRPr lang="en-US" altLang="ko-KR" dirty="0">
+              <a:latin typeface="Arial" panose="020B0604020202020204" pitchFamily="34" charset="0"/>
+              <a:cs typeface="Arial" panose="020B0604020202020204" pitchFamily="34" charset="0"/>
+            </a:endParaRPr>
+          </a:p>
+          <a:p>
+            <a:r>
+              <a:rPr lang="en-US" altLang="ko-KR" dirty="0">
+                <a:latin typeface="Arial" panose="020B0604020202020204" pitchFamily="34" charset="0"/>
+                <a:cs typeface="Arial" panose="020B0604020202020204" pitchFamily="34" charset="0"/>
+              </a:rPr>
+              <a:t>G:profiler - https://biit.cs.ut.ee/gprofiler/gost</a:t>
+            </a:r>
+          </a:p>
+          <a:p>
+            <a:endParaRPr lang="en-US" altLang="ko-KR" dirty="0">
+              <a:latin typeface="Arial" panose="020B0604020202020204" pitchFamily="34" charset="0"/>
+              <a:cs typeface="Arial" panose="020B0604020202020204" pitchFamily="34" charset="0"/>
+            </a:endParaRPr>
+          </a:p>
+          <a:p>
+            <a:r>
+              <a:rPr lang="en-US" altLang="ko-KR" dirty="0">
+                <a:latin typeface="Arial" panose="020B0604020202020204" pitchFamily="34" charset="0"/>
+                <a:cs typeface="Arial" panose="020B0604020202020204" pitchFamily="34" charset="0"/>
+              </a:rPr>
+              <a:t>Panther - http://www.pantherdb.org/</a:t>
             </a:r>
             <a:endParaRPr lang="ko-KR" altLang="en-US" dirty="0">
               <a:latin typeface="Arial" panose="020B0604020202020204" pitchFamily="34" charset="0"/>
@@ -5560,300 +8030,23 @@
           </a:p>
         </p:txBody>
       </p:sp>
-      <p:sp>
-        <p:nvSpPr>
-          <p:cNvPr id="12" name="아래쪽 화살표 11"/>
-          <p:cNvSpPr/>
-          <p:nvPr/>
-        </p:nvSpPr>
-        <p:spPr>
-          <a:xfrm rot="5400000">
-            <a:off x="6499490" y="2297857"/>
-            <a:ext cx="354227" cy="469556"/>
-          </a:xfrm>
-          <a:prstGeom prst="downArrow">
-            <a:avLst/>
-          </a:prstGeom>
-          <a:solidFill>
-            <a:srgbClr val="FF0000"/>
-          </a:solidFill>
-          <a:ln>
-            <a:solidFill>
-              <a:srgbClr val="FF0000"/>
-            </a:solidFill>
-          </a:ln>
-        </p:spPr>
-        <p:style>
-          <a:lnRef idx="2">
-            <a:schemeClr val="accent1">
-              <a:shade val="50000"/>
-            </a:schemeClr>
-          </a:lnRef>
-          <a:fillRef idx="1">
-            <a:schemeClr val="accent1"/>
-          </a:fillRef>
-          <a:effectRef idx="0">
-            <a:schemeClr val="accent1"/>
-          </a:effectRef>
-          <a:fontRef idx="minor">
-            <a:schemeClr val="lt1"/>
-          </a:fontRef>
-        </p:style>
-        <p:txBody>
-          <a:bodyPr rtlCol="0" anchor="ctr"/>
-          <a:lstStyle/>
-          <a:p>
-            <a:pPr algn="ctr"/>
-            <a:endParaRPr lang="ko-KR" altLang="en-US">
-              <a:latin typeface="Arial" panose="020B0604020202020204" pitchFamily="34" charset="0"/>
-              <a:cs typeface="Arial" panose="020B0604020202020204" pitchFamily="34" charset="0"/>
-            </a:endParaRPr>
-          </a:p>
-        </p:txBody>
-      </p:sp>
-      <p:sp>
-        <p:nvSpPr>
-          <p:cNvPr id="8" name="아래쪽 화살표 7"/>
-          <p:cNvSpPr/>
-          <p:nvPr/>
-        </p:nvSpPr>
-        <p:spPr>
-          <a:xfrm rot="3512528">
-            <a:off x="5972010" y="6015420"/>
-            <a:ext cx="354227" cy="469556"/>
-          </a:xfrm>
-          <a:prstGeom prst="downArrow">
-            <a:avLst/>
-          </a:prstGeom>
-          <a:solidFill>
-            <a:srgbClr val="FF0000"/>
-          </a:solidFill>
-          <a:ln>
-            <a:solidFill>
-              <a:srgbClr val="FF0000"/>
-            </a:solidFill>
-          </a:ln>
-        </p:spPr>
-        <p:style>
-          <a:lnRef idx="2">
-            <a:schemeClr val="accent1">
-              <a:shade val="50000"/>
-            </a:schemeClr>
-          </a:lnRef>
-          <a:fillRef idx="1">
-            <a:schemeClr val="accent1"/>
-          </a:fillRef>
-          <a:effectRef idx="0">
-            <a:schemeClr val="accent1"/>
-          </a:effectRef>
-          <a:fontRef idx="minor">
-            <a:schemeClr val="lt1"/>
-          </a:fontRef>
-        </p:style>
-        <p:txBody>
-          <a:bodyPr rtlCol="0" anchor="ctr"/>
-          <a:lstStyle/>
-          <a:p>
-            <a:pPr algn="ctr"/>
-            <a:endParaRPr lang="ko-KR" altLang="en-US">
-              <a:latin typeface="Arial" panose="020B0604020202020204" pitchFamily="34" charset="0"/>
-              <a:cs typeface="Arial" panose="020B0604020202020204" pitchFamily="34" charset="0"/>
-            </a:endParaRPr>
-          </a:p>
-        </p:txBody>
-      </p:sp>
-      <p:sp>
-        <p:nvSpPr>
-          <p:cNvPr id="10" name="아래쪽 화살표 9"/>
-          <p:cNvSpPr/>
-          <p:nvPr/>
-        </p:nvSpPr>
-        <p:spPr>
-          <a:xfrm rot="5400000">
-            <a:off x="6089563" y="5379291"/>
-            <a:ext cx="354227" cy="469556"/>
-          </a:xfrm>
-          <a:prstGeom prst="downArrow">
-            <a:avLst/>
-          </a:prstGeom>
-          <a:solidFill>
-            <a:srgbClr val="FF0000"/>
-          </a:solidFill>
-          <a:ln>
-            <a:solidFill>
-              <a:srgbClr val="FF0000"/>
-            </a:solidFill>
-          </a:ln>
-        </p:spPr>
-        <p:style>
-          <a:lnRef idx="2">
-            <a:schemeClr val="accent1">
-              <a:shade val="50000"/>
-            </a:schemeClr>
-          </a:lnRef>
-          <a:fillRef idx="1">
-            <a:schemeClr val="accent1"/>
-          </a:fillRef>
-          <a:effectRef idx="0">
-            <a:schemeClr val="accent1"/>
-          </a:effectRef>
-          <a:fontRef idx="minor">
-            <a:schemeClr val="lt1"/>
-          </a:fontRef>
-        </p:style>
-        <p:txBody>
-          <a:bodyPr rtlCol="0" anchor="ctr"/>
-          <a:lstStyle/>
-          <a:p>
-            <a:pPr algn="ctr"/>
-            <a:endParaRPr lang="ko-KR" altLang="en-US">
-              <a:latin typeface="Arial" panose="020B0604020202020204" pitchFamily="34" charset="0"/>
-              <a:cs typeface="Arial" panose="020B0604020202020204" pitchFamily="34" charset="0"/>
-            </a:endParaRPr>
-          </a:p>
-        </p:txBody>
-      </p:sp>
-      <p:sp>
-        <p:nvSpPr>
-          <p:cNvPr id="6" name="직사각형 5"/>
-          <p:cNvSpPr/>
-          <p:nvPr/>
-        </p:nvSpPr>
-        <p:spPr>
-          <a:xfrm>
-            <a:off x="4864613" y="4083036"/>
-            <a:ext cx="2334572" cy="444576"/>
-          </a:xfrm>
-          <a:prstGeom prst="rect">
-            <a:avLst/>
-          </a:prstGeom>
-          <a:noFill/>
-          <a:ln w="38100">
-            <a:solidFill>
-              <a:srgbClr val="FF0000"/>
-            </a:solidFill>
-          </a:ln>
-        </p:spPr>
-        <p:style>
-          <a:lnRef idx="2">
-            <a:schemeClr val="accent1">
-              <a:shade val="50000"/>
-            </a:schemeClr>
-          </a:lnRef>
-          <a:fillRef idx="1">
-            <a:schemeClr val="accent1"/>
-          </a:fillRef>
-          <a:effectRef idx="0">
-            <a:schemeClr val="accent1"/>
-          </a:effectRef>
-          <a:fontRef idx="minor">
-            <a:schemeClr val="lt1"/>
-          </a:fontRef>
-        </p:style>
-        <p:txBody>
-          <a:bodyPr rtlCol="0" anchor="ctr"/>
-          <a:lstStyle/>
-          <a:p>
-            <a:pPr algn="ctr"/>
-            <a:endParaRPr lang="ko-KR" altLang="en-US">
-              <a:latin typeface="Arial" panose="020B0604020202020204" pitchFamily="34" charset="0"/>
-              <a:cs typeface="Arial" panose="020B0604020202020204" pitchFamily="34" charset="0"/>
-            </a:endParaRPr>
-          </a:p>
-        </p:txBody>
-      </p:sp>
-      <p:sp>
-        <p:nvSpPr>
-          <p:cNvPr id="9" name="TextBox 8">
-            <a:extLst>
-              <a:ext uri="{FF2B5EF4-FFF2-40B4-BE49-F238E27FC236}">
-                <a16:creationId xmlns:a16="http://schemas.microsoft.com/office/drawing/2014/main" id="{47C132BF-04FE-4A0C-BAD5-4874BB3EE044}"/>
-              </a:ext>
-            </a:extLst>
-          </p:cNvPr>
-          <p:cNvSpPr txBox="1"/>
-          <p:nvPr/>
-        </p:nvSpPr>
-        <p:spPr>
-          <a:xfrm>
-            <a:off x="7199185" y="2139518"/>
-            <a:ext cx="2734928" cy="646331"/>
-          </a:xfrm>
-          <a:prstGeom prst="rect">
-            <a:avLst/>
-          </a:prstGeom>
-          <a:noFill/>
-        </p:spPr>
-        <p:txBody>
-          <a:bodyPr wrap="square" rtlCol="0">
-            <a:spAutoFit/>
-          </a:bodyPr>
-          <a:lstStyle/>
-          <a:p>
-            <a:r>
-              <a:rPr lang="en-US" altLang="ko-KR" dirty="0"/>
-              <a:t>Paste genes Day 24</a:t>
-            </a:r>
-          </a:p>
-          <a:p>
-            <a:r>
-              <a:rPr lang="en-US" altLang="ko-KR" dirty="0" err="1"/>
-              <a:t>padj</a:t>
-            </a:r>
-            <a:r>
-              <a:rPr lang="en-US" altLang="ko-KR" dirty="0"/>
-              <a:t> (&lt;0.05)</a:t>
-            </a:r>
-            <a:endParaRPr lang="ko-KR" altLang="en-US" dirty="0"/>
-          </a:p>
-        </p:txBody>
-      </p:sp>
-      <p:sp>
-        <p:nvSpPr>
-          <p:cNvPr id="13" name="TextBox 12">
-            <a:extLst>
-              <a:ext uri="{FF2B5EF4-FFF2-40B4-BE49-F238E27FC236}">
-                <a16:creationId xmlns:a16="http://schemas.microsoft.com/office/drawing/2014/main" id="{3325B943-446F-4ACC-9424-5A487B72F510}"/>
-              </a:ext>
-            </a:extLst>
-          </p:cNvPr>
-          <p:cNvSpPr txBox="1"/>
-          <p:nvPr/>
-        </p:nvSpPr>
-        <p:spPr>
-          <a:xfrm>
-            <a:off x="7327387" y="4072152"/>
-            <a:ext cx="2734928" cy="369332"/>
-          </a:xfrm>
-          <a:prstGeom prst="rect">
-            <a:avLst/>
-          </a:prstGeom>
-          <a:noFill/>
-        </p:spPr>
-        <p:txBody>
-          <a:bodyPr wrap="square" rtlCol="0">
-            <a:spAutoFit/>
-          </a:bodyPr>
-          <a:lstStyle/>
-          <a:p>
-            <a:r>
-              <a:rPr lang="en-US" altLang="ko-KR" dirty="0"/>
-              <a:t>Select type</a:t>
-            </a:r>
-            <a:endParaRPr lang="ko-KR" altLang="en-US" dirty="0"/>
-          </a:p>
-        </p:txBody>
-      </p:sp>
     </p:spTree>
     <p:extLst>
       <p:ext uri="{BB962C8B-B14F-4D97-AF65-F5344CB8AC3E}">
-        <p14:creationId xmlns:p14="http://schemas.microsoft.com/office/powerpoint/2010/main" val="3231741646"/>
+        <p14:creationId xmlns:p14="http://schemas.microsoft.com/office/powerpoint/2010/main" val="1578397654"/>
       </p:ext>
     </p:extLst>
   </p:cSld>
   <p:clrMapOvr>
     <a:masterClrMapping/>
   </p:clrMapOvr>
+  <p:timing>
+    <p:tnLst>
+      <p:par>
+        <p:cTn id="1" dur="indefinite" restart="never" nodeType="tmRoot"/>
+      </p:par>
+    </p:tnLst>
+  </p:timing>
 </p:sld>
 </file>
 
